--- a/poster/Breakdown.pptx
+++ b/poster/Breakdown.pptx
@@ -7,6 +7,11 @@
   <p:sldIdLst>
     <p:sldId id="260" r:id="rId2"/>
     <p:sldId id="261" r:id="rId3"/>
+    <p:sldId id="262" r:id="rId4"/>
+    <p:sldId id="263" r:id="rId5"/>
+    <p:sldId id="264" r:id="rId6"/>
+    <p:sldId id="265" r:id="rId7"/>
+    <p:sldId id="266" r:id="rId8"/>
   </p:sldIdLst>
   <p:sldSz cx="9144000" cy="6858000" type="screen4x3"/>
   <p:notesSz cx="6858000" cy="9144000"/>
@@ -106,6 +111,484 @@
     </a:lvl9pPr>
   </p:defaultTextStyle>
 </p:presentation>
+</file>
+
+<file path=ppt/charts/chart1.xml><?xml version="1.0" encoding="utf-8"?>
+<c:chartSpace xmlns:c="http://schemas.openxmlformats.org/drawingml/2006/chart" xmlns:a="http://schemas.openxmlformats.org/drawingml/2006/main" xmlns:r="http://schemas.openxmlformats.org/officeDocument/2006/relationships">
+  <c:date1904 val="0"/>
+  <c:lang val="es-MX"/>
+  <c:roundedCorners val="0"/>
+  <mc:AlternateContent xmlns:mc="http://schemas.openxmlformats.org/markup-compatibility/2006">
+    <mc:Choice xmlns:c14="http://schemas.microsoft.com/office/drawing/2007/8/2/chart" Requires="c14">
+      <c14:style val="102"/>
+    </mc:Choice>
+    <mc:Fallback>
+      <c:style val="2"/>
+    </mc:Fallback>
+  </mc:AlternateContent>
+  <c:chart>
+    <c:autoTitleDeleted val="1"/>
+    <c:plotArea>
+      <c:layout>
+        <c:manualLayout>
+          <c:layoutTarget val="inner"/>
+          <c:xMode val="edge"/>
+          <c:yMode val="edge"/>
+          <c:x val="0.14101607757868173"/>
+          <c:y val="8.7961872461910243E-2"/>
+          <c:w val="0.84397699197443665"/>
+          <c:h val="0.75889721290975476"/>
+        </c:manualLayout>
+      </c:layout>
+      <c:scatterChart>
+        <c:scatterStyle val="smoothMarker"/>
+        <c:varyColors val="0"/>
+        <c:ser>
+          <c:idx val="0"/>
+          <c:order val="0"/>
+          <c:spPr>
+            <a:ln w="50800"/>
+          </c:spPr>
+          <c:marker>
+            <c:symbol val="none"/>
+          </c:marker>
+          <c:xVal>
+            <c:numRef>
+              <c:f>Summary!$A$5:$A$53</c:f>
+              <c:numCache>
+                <c:formatCode>m/d/yyyy\ h:mm</c:formatCode>
+                <c:ptCount val="49"/>
+                <c:pt idx="0">
+                  <c:v>40451</c:v>
+                </c:pt>
+                <c:pt idx="1">
+                  <c:v>40451.041666666664</c:v>
+                </c:pt>
+                <c:pt idx="2">
+                  <c:v>40451.08333321759</c:v>
+                </c:pt>
+                <c:pt idx="3">
+                  <c:v>40451.124999826388</c:v>
+                </c:pt>
+                <c:pt idx="4">
+                  <c:v>40451.166666435187</c:v>
+                </c:pt>
+                <c:pt idx="5">
+                  <c:v>40451.208333043978</c:v>
+                </c:pt>
+                <c:pt idx="6">
+                  <c:v>40451.249999652777</c:v>
+                </c:pt>
+                <c:pt idx="7">
+                  <c:v>40451.291666261575</c:v>
+                </c:pt>
+                <c:pt idx="8">
+                  <c:v>40451.333332870374</c:v>
+                </c:pt>
+                <c:pt idx="9">
+                  <c:v>40451.374999479165</c:v>
+                </c:pt>
+                <c:pt idx="10">
+                  <c:v>40451.416666087964</c:v>
+                </c:pt>
+                <c:pt idx="11">
+                  <c:v>40451.458332696762</c:v>
+                </c:pt>
+                <c:pt idx="12">
+                  <c:v>40451.499999305554</c:v>
+                </c:pt>
+                <c:pt idx="13">
+                  <c:v>40451.541665914352</c:v>
+                </c:pt>
+                <c:pt idx="14">
+                  <c:v>40451.583332523151</c:v>
+                </c:pt>
+                <c:pt idx="15">
+                  <c:v>40451.624999131942</c:v>
+                </c:pt>
+                <c:pt idx="16">
+                  <c:v>40451.66666574074</c:v>
+                </c:pt>
+                <c:pt idx="17">
+                  <c:v>40451.708332349539</c:v>
+                </c:pt>
+                <c:pt idx="18">
+                  <c:v>40451.74999895833</c:v>
+                </c:pt>
+                <c:pt idx="19">
+                  <c:v>40451.791665567129</c:v>
+                </c:pt>
+                <c:pt idx="20">
+                  <c:v>40451.833332175927</c:v>
+                </c:pt>
+                <c:pt idx="21">
+                  <c:v>40451.874998784719</c:v>
+                </c:pt>
+                <c:pt idx="22">
+                  <c:v>40451.916665393517</c:v>
+                </c:pt>
+                <c:pt idx="23">
+                  <c:v>40451.958332002316</c:v>
+                </c:pt>
+                <c:pt idx="24">
+                  <c:v>40451.999998611114</c:v>
+                </c:pt>
+                <c:pt idx="25">
+                  <c:v>40452.041665219906</c:v>
+                </c:pt>
+                <c:pt idx="26">
+                  <c:v>40452.083331828704</c:v>
+                </c:pt>
+                <c:pt idx="27">
+                  <c:v>40452.124998437503</c:v>
+                </c:pt>
+                <c:pt idx="28">
+                  <c:v>40452.166665046294</c:v>
+                </c:pt>
+                <c:pt idx="29">
+                  <c:v>40452.208331655092</c:v>
+                </c:pt>
+                <c:pt idx="30">
+                  <c:v>40452.249998263891</c:v>
+                </c:pt>
+                <c:pt idx="31">
+                  <c:v>40452.291664872682</c:v>
+                </c:pt>
+                <c:pt idx="32">
+                  <c:v>40452.333331481481</c:v>
+                </c:pt>
+                <c:pt idx="33">
+                  <c:v>40452.374998090279</c:v>
+                </c:pt>
+                <c:pt idx="34">
+                  <c:v>40452.416664699071</c:v>
+                </c:pt>
+                <c:pt idx="35">
+                  <c:v>40452.458331307869</c:v>
+                </c:pt>
+                <c:pt idx="36">
+                  <c:v>40452.499997916668</c:v>
+                </c:pt>
+                <c:pt idx="37">
+                  <c:v>40452.541664525466</c:v>
+                </c:pt>
+                <c:pt idx="38">
+                  <c:v>40452.583331134258</c:v>
+                </c:pt>
+                <c:pt idx="39">
+                  <c:v>40452.624997743056</c:v>
+                </c:pt>
+                <c:pt idx="40">
+                  <c:v>40452.666664351855</c:v>
+                </c:pt>
+                <c:pt idx="41">
+                  <c:v>40452.708330960646</c:v>
+                </c:pt>
+                <c:pt idx="42">
+                  <c:v>40452.749997569445</c:v>
+                </c:pt>
+                <c:pt idx="43">
+                  <c:v>40452.791664178243</c:v>
+                </c:pt>
+                <c:pt idx="44">
+                  <c:v>40452.833330787034</c:v>
+                </c:pt>
+                <c:pt idx="45">
+                  <c:v>40452.874997395833</c:v>
+                </c:pt>
+                <c:pt idx="46">
+                  <c:v>40452.916664004631</c:v>
+                </c:pt>
+                <c:pt idx="47">
+                  <c:v>40452.958330613423</c:v>
+                </c:pt>
+                <c:pt idx="48">
+                  <c:v>40452.999997222221</c:v>
+                </c:pt>
+              </c:numCache>
+            </c:numRef>
+          </c:xVal>
+          <c:yVal>
+            <c:numRef>
+              <c:f>Summary!$B$5:$B$53</c:f>
+              <c:numCache>
+                <c:formatCode>0.0000</c:formatCode>
+                <c:ptCount val="49"/>
+                <c:pt idx="0">
+                  <c:v>7.1763189747241038E-2</c:v>
+                </c:pt>
+                <c:pt idx="1">
+                  <c:v>7.1763189747241038E-2</c:v>
+                </c:pt>
+                <c:pt idx="2">
+                  <c:v>7.8584656461374122E-2</c:v>
+                </c:pt>
+                <c:pt idx="3">
+                  <c:v>8.0267319330722744E-2</c:v>
+                </c:pt>
+                <c:pt idx="4">
+                  <c:v>0.16540911356354573</c:v>
+                </c:pt>
+                <c:pt idx="5">
+                  <c:v>0.32396019935920267</c:v>
+                </c:pt>
+                <c:pt idx="6">
+                  <c:v>0.62195728017087959</c:v>
+                </c:pt>
+                <c:pt idx="7">
+                  <c:v>1.1446001423994319</c:v>
+                </c:pt>
+                <c:pt idx="8">
+                  <c:v>1.3679917052331783</c:v>
+                </c:pt>
+                <c:pt idx="9">
+                  <c:v>1.5767404414382333</c:v>
+                </c:pt>
+                <c:pt idx="10">
+                  <c:v>1.8887844784620886</c:v>
+                </c:pt>
+                <c:pt idx="11">
+                  <c:v>2.2017416518333932</c:v>
+                </c:pt>
+                <c:pt idx="12">
+                  <c:v>2.2973868992524014</c:v>
+                </c:pt>
+                <c:pt idx="13">
+                  <c:v>2.4665935208259144</c:v>
+                </c:pt>
+                <c:pt idx="14">
+                  <c:v>3.2154435386258413</c:v>
+                </c:pt>
+                <c:pt idx="15">
+                  <c:v>3.7636186543253847</c:v>
+                </c:pt>
+                <c:pt idx="16">
+                  <c:v>3.8137293342826637</c:v>
+                </c:pt>
+                <c:pt idx="17">
+                  <c:v>3.2661663225347186</c:v>
+                </c:pt>
+                <c:pt idx="18">
+                  <c:v>3.2546804912780374</c:v>
+                </c:pt>
+                <c:pt idx="19">
+                  <c:v>3.2274449270202887</c:v>
+                </c:pt>
+                <c:pt idx="20">
+                  <c:v>2.8820786756852912</c:v>
+                </c:pt>
+                <c:pt idx="21">
+                  <c:v>2.3913345674617301</c:v>
+                </c:pt>
+                <c:pt idx="22">
+                  <c:v>2.4089449626201502</c:v>
+                </c:pt>
+                <c:pt idx="23">
+                  <c:v>2.1689474902100403</c:v>
+                </c:pt>
+                <c:pt idx="24">
+                  <c:v>2.5813054111783567</c:v>
+                </c:pt>
+                <c:pt idx="25">
+                  <c:v>2.4669283374866464</c:v>
+                </c:pt>
+                <c:pt idx="26">
+                  <c:v>2.5580548949804216</c:v>
+                </c:pt>
+                <c:pt idx="27">
+                  <c:v>2.3395724101103594</c:v>
+                </c:pt>
+                <c:pt idx="28">
+                  <c:v>2.4239945888216439</c:v>
+                </c:pt>
+                <c:pt idx="29">
+                  <c:v>2.2100133143467406</c:v>
+                </c:pt>
+                <c:pt idx="30">
+                  <c:v>2.286881025275902</c:v>
+                </c:pt>
+                <c:pt idx="31">
+                  <c:v>2.3597696689213223</c:v>
+                </c:pt>
+                <c:pt idx="32">
+                  <c:v>2.4767293342826613</c:v>
+                </c:pt>
+                <c:pt idx="33">
+                  <c:v>2.1488731577073712</c:v>
+                </c:pt>
+                <c:pt idx="34">
+                  <c:v>1.7633058027767887</c:v>
+                </c:pt>
+                <c:pt idx="35">
+                  <c:v>1.1358009967960143</c:v>
+                </c:pt>
+                <c:pt idx="36">
+                  <c:v>0.52464211463154153</c:v>
+                </c:pt>
+                <c:pt idx="37">
+                  <c:v>0.16031078675685309</c:v>
+                </c:pt>
+                <c:pt idx="38">
+                  <c:v>0.10859280882876474</c:v>
+                </c:pt>
+                <c:pt idx="39">
+                  <c:v>0.14126838732645083</c:v>
+                </c:pt>
+                <c:pt idx="40">
+                  <c:v>0.12289985760056953</c:v>
+                </c:pt>
+                <c:pt idx="41">
+                  <c:v>0.16144140263438964</c:v>
+                </c:pt>
+                <c:pt idx="42">
+                  <c:v>6.0444464222143113E-2</c:v>
+                </c:pt>
+                <c:pt idx="43">
+                  <c:v>3.7305945176219317E-2</c:v>
+                </c:pt>
+                <c:pt idx="44">
+                  <c:v>2.7250338198647216E-2</c:v>
+                </c:pt>
+                <c:pt idx="45">
+                  <c:v>1.7346422214311135E-2</c:v>
+                </c:pt>
+                <c:pt idx="46">
+                  <c:v>1.4222890708437172E-2</c:v>
+                </c:pt>
+                <c:pt idx="47">
+                  <c:v>2.6021003915984334E-3</c:v>
+                </c:pt>
+                <c:pt idx="48">
+                  <c:v>3.2491990032039869E-3</c:v>
+                </c:pt>
+              </c:numCache>
+            </c:numRef>
+          </c:yVal>
+          <c:smooth val="1"/>
+        </c:ser>
+        <c:dLbls>
+          <c:showLegendKey val="0"/>
+          <c:showVal val="0"/>
+          <c:showCatName val="0"/>
+          <c:showSerName val="0"/>
+          <c:showPercent val="0"/>
+          <c:showBubbleSize val="0"/>
+        </c:dLbls>
+        <c:axId val="93592576"/>
+        <c:axId val="98760576"/>
+      </c:scatterChart>
+      <c:valAx>
+        <c:axId val="93592576"/>
+        <c:scaling>
+          <c:orientation val="minMax"/>
+          <c:max val="40453"/>
+          <c:min val="40451"/>
+        </c:scaling>
+        <c:delete val="1"/>
+        <c:axPos val="b"/>
+        <c:majorGridlines>
+          <c:spPr>
+            <a:ln>
+              <a:noFill/>
+            </a:ln>
+          </c:spPr>
+        </c:majorGridlines>
+        <c:minorGridlines>
+          <c:spPr>
+            <a:ln>
+              <a:noFill/>
+            </a:ln>
+          </c:spPr>
+        </c:minorGridlines>
+        <c:title>
+          <c:tx>
+            <c:rich>
+              <a:bodyPr/>
+              <a:lstStyle/>
+              <a:p>
+                <a:pPr>
+                  <a:defRPr sz="2000" b="0"/>
+                </a:pPr>
+                <a:r>
+                  <a:rPr lang="en-US" sz="2000" b="0"/>
+                  <a:t>Time</a:t>
+                </a:r>
+              </a:p>
+            </c:rich>
+          </c:tx>
+          <c:layout/>
+          <c:overlay val="0"/>
+        </c:title>
+        <c:numFmt formatCode="m/d/yyyy\ h:mm" sourceLinked="1"/>
+        <c:majorTickMark val="none"/>
+        <c:minorTickMark val="none"/>
+        <c:tickLblPos val="nextTo"/>
+        <c:crossAx val="98760576"/>
+        <c:crosses val="autoZero"/>
+        <c:crossBetween val="midCat"/>
+        <c:majorUnit val="0.25"/>
+        <c:minorUnit val="8.3333333330000009E-2"/>
+      </c:valAx>
+      <c:valAx>
+        <c:axId val="98760576"/>
+        <c:scaling>
+          <c:orientation val="minMax"/>
+        </c:scaling>
+        <c:delete val="1"/>
+        <c:axPos val="l"/>
+        <c:majorGridlines/>
+        <c:title>
+          <c:tx>
+            <c:rich>
+              <a:bodyPr/>
+              <a:lstStyle/>
+              <a:p>
+                <a:pPr>
+                  <a:defRPr sz="2000" b="0"/>
+                </a:pPr>
+                <a:r>
+                  <a:rPr lang="en-US" sz="2000" b="0" dirty="0" smtClean="0"/>
+                  <a:t>Precipitation</a:t>
+                </a:r>
+                <a:endParaRPr lang="en-US" sz="2000" b="0" dirty="0"/>
+              </a:p>
+            </c:rich>
+          </c:tx>
+          <c:layout>
+            <c:manualLayout>
+              <c:xMode val="edge"/>
+              <c:yMode val="edge"/>
+              <c:x val="0"/>
+              <c:y val="0.18007060534505137"/>
+            </c:manualLayout>
+          </c:layout>
+          <c:overlay val="0"/>
+        </c:title>
+        <c:numFmt formatCode="0.0000" sourceLinked="1"/>
+        <c:majorTickMark val="none"/>
+        <c:minorTickMark val="none"/>
+        <c:tickLblPos val="nextTo"/>
+        <c:crossAx val="93592576"/>
+        <c:crosses val="autoZero"/>
+        <c:crossBetween val="midCat"/>
+      </c:valAx>
+    </c:plotArea>
+    <c:plotVisOnly val="1"/>
+    <c:dispBlanksAs val="gap"/>
+    <c:showDLblsOverMax val="0"/>
+  </c:chart>
+  <c:spPr>
+    <a:solidFill>
+      <a:schemeClr val="accent3">
+        <a:lumMod val="60000"/>
+        <a:lumOff val="40000"/>
+      </a:schemeClr>
+    </a:solidFill>
+  </c:spPr>
+  <c:externalData r:id="rId1">
+    <c:autoUpdate val="0"/>
+  </c:externalData>
+</c:chartSpace>
 </file>
 
 <file path=ppt/slideLayouts/slideLayout1.xml><?xml version="1.0" encoding="utf-8"?>
@@ -3192,7 +3675,7 @@
         <p:spPr>
           <a:xfrm>
             <a:off x="611560" y="692696"/>
-            <a:ext cx="7848872" cy="461665"/>
+            <a:ext cx="7848872" cy="4893647"/>
           </a:xfrm>
           <a:prstGeom prst="rect">
             <a:avLst/>
@@ -3205,11 +3688,63 @@
           </a:bodyPr>
           <a:lstStyle/>
           <a:p>
+            <a:pPr algn="just"/>
             <a:r>
               <a:rPr lang="en-US" sz="2400" dirty="0" smtClean="0"/>
+              <a:t>Weather forecasts are useful for a wide range of applications, from everyday personal decisions, to large-scale industrial activities. However, many physical phenomena are involved in the evolution of the state of the atmosphere, and some of these are still largely misunderstood. Moreover, physically-based models require large amounts of data that can only </a:t>
+            </a:r>
+            <a:r>
+              <a:rPr lang="en-US" sz="2400" dirty="0"/>
+              <a:t>be indirectly </a:t>
+            </a:r>
+            <a:r>
+              <a:rPr lang="en-US" sz="2400" dirty="0" smtClean="0"/>
+              <a:t>estimated in </a:t>
+            </a:r>
+            <a:r>
+              <a:rPr lang="en-US" sz="2400" dirty="0" smtClean="0"/>
+              <a:t>most cases. Therefore, many researchers have turned their attention towards machine learning methods to create simplified models based on available </a:t>
+            </a:r>
+            <a:r>
+              <a:rPr lang="en-US" sz="2400" dirty="0"/>
+              <a:t>observations. The purpose of this project is to apply variants of a Vector Auto-Regression (VAR) model to the forecasting of meteorological </a:t>
+            </a:r>
+            <a:r>
+              <a:rPr lang="en-US" sz="2400" dirty="0" smtClean="0"/>
+              <a:t>variables using satellite-based observations.</a:t>
+            </a:r>
+            <a:endParaRPr lang="en-US" sz="2400" dirty="0"/>
+          </a:p>
+        </p:txBody>
+      </p:sp>
+      <p:sp>
+        <p:nvSpPr>
+          <p:cNvPr id="3" name="TextBox 3"/>
+          <p:cNvSpPr txBox="1"/>
+          <p:nvPr/>
+        </p:nvSpPr>
+        <p:spPr>
+          <a:xfrm>
+            <a:off x="611560" y="169476"/>
+            <a:ext cx="7848872" cy="523220"/>
+          </a:xfrm>
+          <a:prstGeom prst="rect">
+            <a:avLst/>
+          </a:prstGeom>
+          <a:noFill/>
+        </p:spPr>
+        <p:txBody>
+          <a:bodyPr wrap="square" rtlCol="0">
+            <a:spAutoFit/>
+          </a:bodyPr>
+          <a:lstStyle/>
+          <a:p>
+            <a:pPr algn="just"/>
+            <a:r>
+              <a:rPr lang="en-US" sz="2800" b="1" dirty="0" smtClean="0"/>
               <a:t>Introduction</a:t>
             </a:r>
-            <a:endParaRPr lang="en-US" sz="2400" dirty="0" smtClean="0"/>
+            <a:endParaRPr lang="en-US" sz="2800" b="1" dirty="0"/>
           </a:p>
         </p:txBody>
       </p:sp>
@@ -3217,6 +3752,3396 @@
     <p:extLst>
       <p:ext uri="{BB962C8B-B14F-4D97-AF65-F5344CB8AC3E}">
         <p14:creationId xmlns:p14="http://schemas.microsoft.com/office/powerpoint/2010/main" val="496375515"/>
+      </p:ext>
+    </p:extLst>
+  </p:cSld>
+  <p:clrMapOvr>
+    <a:masterClrMapping/>
+  </p:clrMapOvr>
+</p:sld>
+</file>
+
+<file path=ppt/slides/slide3.xml><?xml version="1.0" encoding="utf-8"?>
+<p:sld xmlns:a="http://schemas.openxmlformats.org/drawingml/2006/main" xmlns:r="http://schemas.openxmlformats.org/officeDocument/2006/relationships" xmlns:p="http://schemas.openxmlformats.org/presentationml/2006/main">
+  <p:cSld>
+    <p:spTree>
+      <p:nvGrpSpPr>
+        <p:cNvPr id="1" name=""/>
+        <p:cNvGrpSpPr/>
+        <p:nvPr/>
+      </p:nvGrpSpPr>
+      <p:grpSpPr>
+        <a:xfrm>
+          <a:off x="0" y="0"/>
+          <a:ext cx="0" cy="0"/>
+          <a:chOff x="0" y="0"/>
+          <a:chExt cx="0" cy="0"/>
+        </a:xfrm>
+      </p:grpSpPr>
+      <p:sp>
+        <p:nvSpPr>
+          <p:cNvPr id="5" name="TextBox 3"/>
+          <p:cNvSpPr txBox="1"/>
+          <p:nvPr/>
+        </p:nvSpPr>
+        <p:spPr>
+          <a:xfrm>
+            <a:off x="611560" y="692696"/>
+            <a:ext cx="7848872" cy="2677656"/>
+          </a:xfrm>
+          <a:prstGeom prst="rect">
+            <a:avLst/>
+          </a:prstGeom>
+          <a:noFill/>
+        </p:spPr>
+        <p:txBody>
+          <a:bodyPr wrap="square" rtlCol="0">
+            <a:spAutoFit/>
+          </a:bodyPr>
+          <a:lstStyle/>
+          <a:p>
+            <a:pPr algn="just"/>
+            <a:r>
+              <a:rPr lang="en-US" sz="2400" dirty="0" smtClean="0"/>
+              <a:t>As opposed to measurements from weather stations, satellite observations offer total spatial coverage at the cost of reduced precision</a:t>
+            </a:r>
+            <a:r>
+              <a:rPr lang="en-US" sz="2400" dirty="0" smtClean="0"/>
+              <a:t>. Figure 1 shows samples from the North America Data Assimilation System (NLDAS) satellite-based observations available from the GES-DISC at NASA: values for the different meteorological variables are provided hourly for each cell within a regular grid.</a:t>
+            </a:r>
+            <a:endParaRPr lang="en-US" sz="2400" dirty="0"/>
+          </a:p>
+        </p:txBody>
+      </p:sp>
+      <p:sp>
+        <p:nvSpPr>
+          <p:cNvPr id="8" name="TextBox 3"/>
+          <p:cNvSpPr txBox="1"/>
+          <p:nvPr/>
+        </p:nvSpPr>
+        <p:spPr>
+          <a:xfrm>
+            <a:off x="611560" y="169476"/>
+            <a:ext cx="7848872" cy="523220"/>
+          </a:xfrm>
+          <a:prstGeom prst="rect">
+            <a:avLst/>
+          </a:prstGeom>
+          <a:noFill/>
+        </p:spPr>
+        <p:txBody>
+          <a:bodyPr wrap="square" rtlCol="0">
+            <a:spAutoFit/>
+          </a:bodyPr>
+          <a:lstStyle/>
+          <a:p>
+            <a:pPr algn="just"/>
+            <a:r>
+              <a:rPr lang="en-US" sz="2800" b="1" dirty="0" smtClean="0"/>
+              <a:t>Dataset</a:t>
+            </a:r>
+            <a:endParaRPr lang="en-US" sz="2800" b="1" dirty="0"/>
+          </a:p>
+        </p:txBody>
+      </p:sp>
+    </p:spTree>
+    <p:extLst>
+      <p:ext uri="{BB962C8B-B14F-4D97-AF65-F5344CB8AC3E}">
+        <p14:creationId xmlns:p14="http://schemas.microsoft.com/office/powerpoint/2010/main" val="2249289584"/>
+      </p:ext>
+    </p:extLst>
+  </p:cSld>
+  <p:clrMapOvr>
+    <a:masterClrMapping/>
+  </p:clrMapOvr>
+</p:sld>
+</file>
+
+<file path=ppt/slides/slide4.xml><?xml version="1.0" encoding="utf-8"?>
+<p:sld xmlns:a="http://schemas.openxmlformats.org/drawingml/2006/main" xmlns:r="http://schemas.openxmlformats.org/officeDocument/2006/relationships" xmlns:p="http://schemas.openxmlformats.org/presentationml/2006/main">
+  <p:cSld>
+    <p:spTree>
+      <p:nvGrpSpPr>
+        <p:cNvPr id="1" name=""/>
+        <p:cNvGrpSpPr/>
+        <p:nvPr/>
+      </p:nvGrpSpPr>
+      <p:grpSpPr>
+        <a:xfrm>
+          <a:off x="0" y="0"/>
+          <a:ext cx="0" cy="0"/>
+          <a:chOff x="0" y="0"/>
+          <a:chExt cx="0" cy="0"/>
+        </a:xfrm>
+      </p:grpSpPr>
+      <p:pic>
+        <p:nvPicPr>
+          <p:cNvPr id="3" name="Picture 3"/>
+          <p:cNvPicPr>
+            <a:picLocks noChangeAspect="1"/>
+          </p:cNvPicPr>
+          <p:nvPr/>
+        </p:nvPicPr>
+        <p:blipFill>
+          <a:blip r:embed="rId2" cstate="print">
+            <a:clrChange>
+              <a:clrFrom>
+                <a:srgbClr val="FFFFFF"/>
+              </a:clrFrom>
+              <a:clrTo>
+                <a:srgbClr val="FFFFFF">
+                  <a:alpha val="0"/>
+                </a:srgbClr>
+              </a:clrTo>
+            </a:clrChange>
+            <a:extLst>
+              <a:ext uri="{28A0092B-C50C-407E-A947-70E740481C1C}">
+                <a14:useLocalDpi xmlns:a14="http://schemas.microsoft.com/office/drawing/2010/main" val="0"/>
+              </a:ext>
+            </a:extLst>
+          </a:blip>
+          <a:stretch>
+            <a:fillRect/>
+          </a:stretch>
+        </p:blipFill>
+        <p:spPr>
+          <a:xfrm>
+            <a:off x="1403648" y="1215643"/>
+            <a:ext cx="2090754" cy="2090754"/>
+          </a:xfrm>
+          <a:prstGeom prst="rect">
+            <a:avLst/>
+          </a:prstGeom>
+        </p:spPr>
+      </p:pic>
+      <p:pic>
+        <p:nvPicPr>
+          <p:cNvPr id="4" name="Picture 2"/>
+          <p:cNvPicPr>
+            <a:picLocks noChangeAspect="1"/>
+          </p:cNvPicPr>
+          <p:nvPr/>
+        </p:nvPicPr>
+        <p:blipFill>
+          <a:blip r:embed="rId3" cstate="print">
+            <a:clrChange>
+              <a:clrFrom>
+                <a:srgbClr val="FFFFFF"/>
+              </a:clrFrom>
+              <a:clrTo>
+                <a:srgbClr val="FFFFFF">
+                  <a:alpha val="0"/>
+                </a:srgbClr>
+              </a:clrTo>
+            </a:clrChange>
+            <a:extLst>
+              <a:ext uri="{28A0092B-C50C-407E-A947-70E740481C1C}">
+                <a14:useLocalDpi xmlns:a14="http://schemas.microsoft.com/office/drawing/2010/main" val="0"/>
+              </a:ext>
+            </a:extLst>
+          </a:blip>
+          <a:stretch>
+            <a:fillRect/>
+          </a:stretch>
+        </p:blipFill>
+        <p:spPr>
+          <a:xfrm>
+            <a:off x="1619672" y="1779007"/>
+            <a:ext cx="2090355" cy="2090355"/>
+          </a:xfrm>
+          <a:prstGeom prst="rect">
+            <a:avLst/>
+          </a:prstGeom>
+        </p:spPr>
+      </p:pic>
+      <p:pic>
+        <p:nvPicPr>
+          <p:cNvPr id="6" name="Picture 1"/>
+          <p:cNvPicPr>
+            <a:picLocks noChangeAspect="1"/>
+          </p:cNvPicPr>
+          <p:nvPr/>
+        </p:nvPicPr>
+        <p:blipFill>
+          <a:blip r:embed="rId4" cstate="print">
+            <a:clrChange>
+              <a:clrFrom>
+                <a:srgbClr val="FFFFFF"/>
+              </a:clrFrom>
+              <a:clrTo>
+                <a:srgbClr val="FFFFFF">
+                  <a:alpha val="0"/>
+                </a:srgbClr>
+              </a:clrTo>
+            </a:clrChange>
+            <a:extLst>
+              <a:ext uri="{28A0092B-C50C-407E-A947-70E740481C1C}">
+                <a14:useLocalDpi xmlns:a14="http://schemas.microsoft.com/office/drawing/2010/main" val="0"/>
+              </a:ext>
+            </a:extLst>
+          </a:blip>
+          <a:stretch>
+            <a:fillRect/>
+          </a:stretch>
+        </p:blipFill>
+        <p:spPr>
+          <a:xfrm>
+            <a:off x="1835696" y="2378348"/>
+            <a:ext cx="2090355" cy="2090355"/>
+          </a:xfrm>
+          <a:prstGeom prst="rect">
+            <a:avLst/>
+          </a:prstGeom>
+        </p:spPr>
+      </p:pic>
+      <p:sp>
+        <p:nvSpPr>
+          <p:cNvPr id="7" name="TextBox 11"/>
+          <p:cNvSpPr txBox="1"/>
+          <p:nvPr/>
+        </p:nvSpPr>
+        <p:spPr>
+          <a:xfrm>
+            <a:off x="1835696" y="2378348"/>
+            <a:ext cx="2090355" cy="461665"/>
+          </a:xfrm>
+          <a:prstGeom prst="rect">
+            <a:avLst/>
+          </a:prstGeom>
+          <a:noFill/>
+        </p:spPr>
+        <p:txBody>
+          <a:bodyPr vert="horz" wrap="square" rtlCol="0">
+            <a:spAutoFit/>
+          </a:bodyPr>
+          <a:lstStyle/>
+          <a:p>
+            <a:r>
+              <a:rPr lang="en-US" sz="2400" b="1" dirty="0" smtClean="0">
+                <a:effectLst>
+                  <a:glow rad="76200">
+                    <a:schemeClr val="bg1">
+                      <a:alpha val="70000"/>
+                    </a:schemeClr>
+                  </a:glow>
+                </a:effectLst>
+                <a:ea typeface="Verdana" panose="020B0604030504040204" pitchFamily="34" charset="0"/>
+                <a:cs typeface="Verdana" panose="020B0604030504040204" pitchFamily="34" charset="0"/>
+              </a:rPr>
+              <a:t>Temperature</a:t>
+            </a:r>
+            <a:endParaRPr lang="en-US" sz="2400" b="1" dirty="0">
+              <a:effectLst>
+                <a:glow rad="76200">
+                  <a:schemeClr val="bg1">
+                    <a:alpha val="70000"/>
+                  </a:schemeClr>
+                </a:glow>
+              </a:effectLst>
+              <a:ea typeface="Verdana" panose="020B0604030504040204" pitchFamily="34" charset="0"/>
+              <a:cs typeface="Verdana" panose="020B0604030504040204" pitchFamily="34" charset="0"/>
+            </a:endParaRPr>
+          </a:p>
+        </p:txBody>
+      </p:sp>
+      <p:sp>
+        <p:nvSpPr>
+          <p:cNvPr id="8" name="TextBox 11"/>
+          <p:cNvSpPr txBox="1"/>
+          <p:nvPr/>
+        </p:nvSpPr>
+        <p:spPr>
+          <a:xfrm>
+            <a:off x="1619672" y="1779007"/>
+            <a:ext cx="2090355" cy="461665"/>
+          </a:xfrm>
+          <a:prstGeom prst="rect">
+            <a:avLst/>
+          </a:prstGeom>
+          <a:noFill/>
+        </p:spPr>
+        <p:txBody>
+          <a:bodyPr vert="horz" wrap="square" rtlCol="0">
+            <a:spAutoFit/>
+          </a:bodyPr>
+          <a:lstStyle/>
+          <a:p>
+            <a:r>
+              <a:rPr lang="en-US" sz="2400" b="1" dirty="0" smtClean="0">
+                <a:effectLst>
+                  <a:glow rad="76200">
+                    <a:schemeClr val="bg1">
+                      <a:alpha val="70000"/>
+                    </a:schemeClr>
+                  </a:glow>
+                </a:effectLst>
+                <a:ea typeface="Verdana" panose="020B0604030504040204" pitchFamily="34" charset="0"/>
+                <a:cs typeface="Verdana" panose="020B0604030504040204" pitchFamily="34" charset="0"/>
+              </a:rPr>
+              <a:t>Pressure</a:t>
+            </a:r>
+            <a:endParaRPr lang="en-US" sz="2400" b="1" dirty="0">
+              <a:effectLst>
+                <a:glow rad="76200">
+                  <a:schemeClr val="bg1">
+                    <a:alpha val="70000"/>
+                  </a:schemeClr>
+                </a:glow>
+              </a:effectLst>
+              <a:ea typeface="Verdana" panose="020B0604030504040204" pitchFamily="34" charset="0"/>
+              <a:cs typeface="Verdana" panose="020B0604030504040204" pitchFamily="34" charset="0"/>
+            </a:endParaRPr>
+          </a:p>
+        </p:txBody>
+      </p:sp>
+      <p:sp>
+        <p:nvSpPr>
+          <p:cNvPr id="9" name="TextBox 11"/>
+          <p:cNvSpPr txBox="1"/>
+          <p:nvPr/>
+        </p:nvSpPr>
+        <p:spPr>
+          <a:xfrm>
+            <a:off x="1403648" y="1215643"/>
+            <a:ext cx="2090355" cy="461665"/>
+          </a:xfrm>
+          <a:prstGeom prst="rect">
+            <a:avLst/>
+          </a:prstGeom>
+          <a:noFill/>
+        </p:spPr>
+        <p:txBody>
+          <a:bodyPr vert="horz" wrap="square" rtlCol="0">
+            <a:spAutoFit/>
+          </a:bodyPr>
+          <a:lstStyle/>
+          <a:p>
+            <a:r>
+              <a:rPr lang="en-US" sz="2400" b="1" dirty="0" smtClean="0">
+                <a:effectLst>
+                  <a:glow rad="76200">
+                    <a:schemeClr val="bg1">
+                      <a:alpha val="70000"/>
+                    </a:schemeClr>
+                  </a:glow>
+                </a:effectLst>
+                <a:ea typeface="Verdana" panose="020B0604030504040204" pitchFamily="34" charset="0"/>
+                <a:cs typeface="Verdana" panose="020B0604030504040204" pitchFamily="34" charset="0"/>
+              </a:rPr>
+              <a:t>Humidity</a:t>
+            </a:r>
+            <a:endParaRPr lang="en-US" sz="2400" b="1" dirty="0">
+              <a:effectLst>
+                <a:glow rad="76200">
+                  <a:schemeClr val="bg1">
+                    <a:alpha val="70000"/>
+                  </a:schemeClr>
+                </a:glow>
+              </a:effectLst>
+              <a:ea typeface="Verdana" panose="020B0604030504040204" pitchFamily="34" charset="0"/>
+              <a:cs typeface="Verdana" panose="020B0604030504040204" pitchFamily="34" charset="0"/>
+            </a:endParaRPr>
+          </a:p>
+        </p:txBody>
+      </p:sp>
+      <p:pic>
+        <p:nvPicPr>
+          <p:cNvPr id="1026" name="Picture 2"/>
+          <p:cNvPicPr>
+            <a:picLocks noChangeAspect="1" noChangeArrowheads="1"/>
+          </p:cNvPicPr>
+          <p:nvPr/>
+        </p:nvPicPr>
+        <p:blipFill>
+          <a:blip r:embed="rId5" cstate="print">
+            <a:extLst>
+              <a:ext uri="{28A0092B-C50C-407E-A947-70E740481C1C}">
+                <a14:useLocalDpi xmlns:a14="http://schemas.microsoft.com/office/drawing/2010/main" val="0"/>
+              </a:ext>
+            </a:extLst>
+          </a:blip>
+          <a:srcRect/>
+          <a:stretch>
+            <a:fillRect/>
+          </a:stretch>
+        </p:blipFill>
+        <p:spPr bwMode="auto">
+          <a:xfrm>
+            <a:off x="2051721" y="2994829"/>
+            <a:ext cx="2090355" cy="2090355"/>
+          </a:xfrm>
+          <a:prstGeom prst="rect">
+            <a:avLst/>
+          </a:prstGeom>
+          <a:noFill/>
+          <a:ln>
+            <a:noFill/>
+          </a:ln>
+          <a:extLst>
+            <a:ext uri="{909E8E84-426E-40DD-AFC4-6F175D3DCCD1}">
+              <a14:hiddenFill xmlns:a14="http://schemas.microsoft.com/office/drawing/2010/main">
+                <a:solidFill>
+                  <a:schemeClr val="accent1"/>
+                </a:solidFill>
+              </a14:hiddenFill>
+            </a:ext>
+            <a:ext uri="{91240B29-F687-4F45-9708-019B960494DF}">
+              <a14:hiddenLine xmlns:a14="http://schemas.microsoft.com/office/drawing/2010/main" w="9525">
+                <a:solidFill>
+                  <a:schemeClr val="tx1"/>
+                </a:solidFill>
+                <a:miter lim="800000"/>
+                <a:headEnd/>
+                <a:tailEnd/>
+              </a14:hiddenLine>
+            </a:ext>
+          </a:extLst>
+        </p:spPr>
+      </p:pic>
+      <p:sp>
+        <p:nvSpPr>
+          <p:cNvPr id="10" name="TextBox 11"/>
+          <p:cNvSpPr txBox="1"/>
+          <p:nvPr/>
+        </p:nvSpPr>
+        <p:spPr>
+          <a:xfrm>
+            <a:off x="2051720" y="2994829"/>
+            <a:ext cx="2090355" cy="461665"/>
+          </a:xfrm>
+          <a:prstGeom prst="rect">
+            <a:avLst/>
+          </a:prstGeom>
+          <a:noFill/>
+        </p:spPr>
+        <p:txBody>
+          <a:bodyPr vert="horz" wrap="square" rtlCol="0">
+            <a:spAutoFit/>
+          </a:bodyPr>
+          <a:lstStyle/>
+          <a:p>
+            <a:r>
+              <a:rPr lang="en-US" sz="2400" b="1" dirty="0" smtClean="0">
+                <a:effectLst>
+                  <a:glow rad="76200">
+                    <a:schemeClr val="bg1">
+                      <a:alpha val="70000"/>
+                    </a:schemeClr>
+                  </a:glow>
+                </a:effectLst>
+                <a:ea typeface="Verdana" panose="020B0604030504040204" pitchFamily="34" charset="0"/>
+                <a:cs typeface="Verdana" panose="020B0604030504040204" pitchFamily="34" charset="0"/>
+              </a:rPr>
+              <a:t>Precipitation</a:t>
+            </a:r>
+            <a:endParaRPr lang="en-US" sz="2400" b="1" dirty="0">
+              <a:effectLst>
+                <a:glow rad="76200">
+                  <a:schemeClr val="bg1">
+                    <a:alpha val="70000"/>
+                  </a:schemeClr>
+                </a:glow>
+              </a:effectLst>
+              <a:ea typeface="Verdana" panose="020B0604030504040204" pitchFamily="34" charset="0"/>
+              <a:cs typeface="Verdana" panose="020B0604030504040204" pitchFamily="34" charset="0"/>
+            </a:endParaRPr>
+          </a:p>
+        </p:txBody>
+      </p:sp>
+      <p:sp>
+        <p:nvSpPr>
+          <p:cNvPr id="2" name="1 Triángulo isósceles"/>
+          <p:cNvSpPr/>
+          <p:nvPr/>
+        </p:nvSpPr>
+        <p:spPr>
+          <a:xfrm rot="14011670">
+            <a:off x="3283772" y="1959488"/>
+            <a:ext cx="2554185" cy="2648500"/>
+          </a:xfrm>
+          <a:prstGeom prst="triangle">
+            <a:avLst/>
+          </a:prstGeom>
+          <a:gradFill flip="none" rotWithShape="1">
+            <a:gsLst>
+              <a:gs pos="0">
+                <a:schemeClr val="accent3">
+                  <a:lumMod val="60000"/>
+                  <a:lumOff val="40000"/>
+                  <a:alpha val="63000"/>
+                </a:schemeClr>
+              </a:gs>
+              <a:gs pos="100000">
+                <a:schemeClr val="accent3">
+                  <a:lumMod val="60000"/>
+                  <a:lumOff val="40000"/>
+                </a:schemeClr>
+              </a:gs>
+            </a:gsLst>
+            <a:lin ang="5400000" scaled="1"/>
+            <a:tileRect/>
+          </a:gradFill>
+          <a:ln>
+            <a:noFill/>
+          </a:ln>
+        </p:spPr>
+        <p:style>
+          <a:lnRef idx="2">
+            <a:schemeClr val="accent1">
+              <a:shade val="50000"/>
+            </a:schemeClr>
+          </a:lnRef>
+          <a:fillRef idx="1">
+            <a:schemeClr val="accent1"/>
+          </a:fillRef>
+          <a:effectRef idx="0">
+            <a:schemeClr val="accent1"/>
+          </a:effectRef>
+          <a:fontRef idx="minor">
+            <a:schemeClr val="lt1"/>
+          </a:fontRef>
+        </p:style>
+        <p:txBody>
+          <a:bodyPr rtlCol="0" anchor="ctr"/>
+          <a:lstStyle/>
+          <a:p>
+            <a:pPr algn="ctr"/>
+            <a:endParaRPr lang="es-MX"/>
+          </a:p>
+        </p:txBody>
+      </p:sp>
+      <p:graphicFrame>
+        <p:nvGraphicFramePr>
+          <p:cNvPr id="11" name="Chart 1"/>
+          <p:cNvGraphicFramePr>
+            <a:graphicFrameLocks noGrp="1"/>
+          </p:cNvGraphicFramePr>
+          <p:nvPr>
+            <p:extLst>
+              <p:ext uri="{D42A27DB-BD31-4B8C-83A1-F6EECF244321}">
+                <p14:modId xmlns:p14="http://schemas.microsoft.com/office/powerpoint/2010/main" val="1361424096"/>
+              </p:ext>
+            </p:extLst>
+          </p:nvPr>
+        </p:nvGraphicFramePr>
+        <p:xfrm>
+          <a:off x="4427984" y="1422481"/>
+          <a:ext cx="3888432" cy="2242776"/>
+        </p:xfrm>
+        <a:graphic>
+          <a:graphicData uri="http://schemas.openxmlformats.org/drawingml/2006/chart">
+            <c:chart xmlns:c="http://schemas.openxmlformats.org/drawingml/2006/chart" xmlns:r="http://schemas.openxmlformats.org/officeDocument/2006/relationships" r:id="rId6"/>
+          </a:graphicData>
+        </a:graphic>
+      </p:graphicFrame>
+      <p:cxnSp>
+        <p:nvCxnSpPr>
+          <p:cNvPr id="13" name="12 Conector recto"/>
+          <p:cNvCxnSpPr/>
+          <p:nvPr/>
+        </p:nvCxnSpPr>
+        <p:spPr>
+          <a:xfrm>
+            <a:off x="6228184" y="1613808"/>
+            <a:ext cx="0" cy="1746217"/>
+          </a:xfrm>
+          <a:prstGeom prst="line">
+            <a:avLst/>
+          </a:prstGeom>
+          <a:ln w="25400">
+            <a:solidFill>
+              <a:schemeClr val="accent2"/>
+            </a:solidFill>
+          </a:ln>
+        </p:spPr>
+        <p:style>
+          <a:lnRef idx="1">
+            <a:schemeClr val="accent1"/>
+          </a:lnRef>
+          <a:fillRef idx="0">
+            <a:schemeClr val="accent1"/>
+          </a:fillRef>
+          <a:effectRef idx="0">
+            <a:schemeClr val="accent1"/>
+          </a:effectRef>
+          <a:fontRef idx="minor">
+            <a:schemeClr val="tx1"/>
+          </a:fontRef>
+        </p:style>
+      </p:cxnSp>
+      <p:sp>
+        <p:nvSpPr>
+          <p:cNvPr id="16" name="TextBox 3"/>
+          <p:cNvSpPr txBox="1"/>
+          <p:nvPr/>
+        </p:nvSpPr>
+        <p:spPr>
+          <a:xfrm>
+            <a:off x="4355976" y="4005064"/>
+            <a:ext cx="4104456" cy="1200329"/>
+          </a:xfrm>
+          <a:prstGeom prst="rect">
+            <a:avLst/>
+          </a:prstGeom>
+          <a:noFill/>
+        </p:spPr>
+        <p:txBody>
+          <a:bodyPr wrap="square" rtlCol="0">
+            <a:spAutoFit/>
+          </a:bodyPr>
+          <a:lstStyle/>
+          <a:p>
+            <a:r>
+              <a:rPr lang="en-US" sz="2400" b="1" dirty="0" smtClean="0"/>
+              <a:t>Figure 1. </a:t>
+            </a:r>
+            <a:r>
+              <a:rPr lang="en-US" sz="2400" dirty="0" smtClean="0"/>
+              <a:t>G</a:t>
+            </a:r>
+            <a:r>
+              <a:rPr lang="en-US" sz="2400" dirty="0" smtClean="0"/>
+              <a:t>ridded values for the weather variables are available every hour from NLDAS </a:t>
+            </a:r>
+            <a:endParaRPr lang="en-US" sz="2400" dirty="0"/>
+          </a:p>
+        </p:txBody>
+      </p:sp>
+      <p:sp>
+        <p:nvSpPr>
+          <p:cNvPr id="17" name="TextBox 11"/>
+          <p:cNvSpPr txBox="1"/>
+          <p:nvPr/>
+        </p:nvSpPr>
+        <p:spPr>
+          <a:xfrm>
+            <a:off x="1185501" y="764704"/>
+            <a:ext cx="2090355" cy="461665"/>
+          </a:xfrm>
+          <a:prstGeom prst="rect">
+            <a:avLst/>
+          </a:prstGeom>
+          <a:noFill/>
+        </p:spPr>
+        <p:txBody>
+          <a:bodyPr vert="horz" wrap="square" rtlCol="0">
+            <a:spAutoFit/>
+          </a:bodyPr>
+          <a:lstStyle/>
+          <a:p>
+            <a:r>
+              <a:rPr lang="en-US" sz="2400" b="1" dirty="0" smtClean="0">
+                <a:effectLst>
+                  <a:glow rad="76200">
+                    <a:schemeClr val="bg1">
+                      <a:alpha val="70000"/>
+                    </a:schemeClr>
+                  </a:glow>
+                </a:effectLst>
+                <a:ea typeface="Verdana" panose="020B0604030504040204" pitchFamily="34" charset="0"/>
+                <a:cs typeface="Verdana" panose="020B0604030504040204" pitchFamily="34" charset="0"/>
+              </a:rPr>
+              <a:t>…</a:t>
+            </a:r>
+            <a:endParaRPr lang="en-US" sz="2400" b="1" dirty="0">
+              <a:effectLst>
+                <a:glow rad="76200">
+                  <a:schemeClr val="bg1">
+                    <a:alpha val="70000"/>
+                  </a:schemeClr>
+                </a:glow>
+              </a:effectLst>
+              <a:ea typeface="Verdana" panose="020B0604030504040204" pitchFamily="34" charset="0"/>
+              <a:cs typeface="Verdana" panose="020B0604030504040204" pitchFamily="34" charset="0"/>
+            </a:endParaRPr>
+          </a:p>
+        </p:txBody>
+      </p:sp>
+    </p:spTree>
+    <p:extLst>
+      <p:ext uri="{BB962C8B-B14F-4D97-AF65-F5344CB8AC3E}">
+        <p14:creationId xmlns:p14="http://schemas.microsoft.com/office/powerpoint/2010/main" val="2969219943"/>
+      </p:ext>
+    </p:extLst>
+  </p:cSld>
+  <p:clrMapOvr>
+    <a:masterClrMapping/>
+  </p:clrMapOvr>
+</p:sld>
+</file>
+
+<file path=ppt/slides/slide5.xml><?xml version="1.0" encoding="utf-8"?>
+<p:sld xmlns:a="http://schemas.openxmlformats.org/drawingml/2006/main" xmlns:r="http://schemas.openxmlformats.org/officeDocument/2006/relationships" xmlns:p="http://schemas.openxmlformats.org/presentationml/2006/main">
+  <p:cSld>
+    <p:spTree>
+      <p:nvGrpSpPr>
+        <p:cNvPr id="1" name=""/>
+        <p:cNvGrpSpPr/>
+        <p:nvPr/>
+      </p:nvGrpSpPr>
+      <p:grpSpPr>
+        <a:xfrm>
+          <a:off x="0" y="0"/>
+          <a:ext cx="0" cy="0"/>
+          <a:chOff x="0" y="0"/>
+          <a:chExt cx="0" cy="0"/>
+        </a:xfrm>
+      </p:grpSpPr>
+      <p:sp>
+        <p:nvSpPr>
+          <p:cNvPr id="5" name="TextBox 3"/>
+          <p:cNvSpPr txBox="1"/>
+          <p:nvPr/>
+        </p:nvSpPr>
+        <p:spPr>
+          <a:xfrm>
+            <a:off x="611560" y="692696"/>
+            <a:ext cx="7848872" cy="1938992"/>
+          </a:xfrm>
+          <a:prstGeom prst="rect">
+            <a:avLst/>
+          </a:prstGeom>
+          <a:noFill/>
+        </p:spPr>
+        <p:txBody>
+          <a:bodyPr wrap="square" rtlCol="0">
+            <a:spAutoFit/>
+          </a:bodyPr>
+          <a:lstStyle/>
+          <a:p>
+            <a:pPr algn="just"/>
+            <a:r>
+              <a:rPr lang="en-US" sz="2400" dirty="0"/>
+              <a:t>Our </a:t>
+            </a:r>
+            <a:r>
+              <a:rPr lang="en-US" sz="2400" dirty="0" smtClean="0"/>
+              <a:t>work </a:t>
+            </a:r>
+            <a:r>
+              <a:rPr lang="en-US" sz="2400" dirty="0"/>
+              <a:t>uses a vector </a:t>
+            </a:r>
+            <a:r>
+              <a:rPr lang="en-US" sz="2400" dirty="0" smtClean="0"/>
+              <a:t>autoregressive (VAR</a:t>
+            </a:r>
+            <a:r>
+              <a:rPr lang="en-US" sz="2400" dirty="0"/>
+              <a:t>) model in order to simulate and predict the evolution of the meteorological </a:t>
+            </a:r>
+            <a:r>
+              <a:rPr lang="en-US" sz="2400" dirty="0" smtClean="0"/>
+              <a:t>system over </a:t>
+            </a:r>
+            <a:r>
+              <a:rPr lang="en-US" sz="2400" dirty="0"/>
+              <a:t>time. </a:t>
+            </a:r>
+            <a:r>
+              <a:rPr lang="en-US" sz="2400" dirty="0" smtClean="0"/>
+              <a:t>The </a:t>
+            </a:r>
+            <a:r>
+              <a:rPr lang="en-US" sz="2400" dirty="0"/>
+              <a:t>model describes </a:t>
+            </a:r>
+            <a:r>
+              <a:rPr lang="en-US" sz="2400" dirty="0" smtClean="0"/>
+              <a:t>the system </a:t>
+            </a:r>
+            <a:r>
+              <a:rPr lang="en-US" sz="2400" dirty="0"/>
+              <a:t>values </a:t>
+            </a:r>
+            <a:r>
+              <a:rPr lang="en-US" sz="2400" i="1" dirty="0" smtClean="0"/>
+              <a:t>X</a:t>
+            </a:r>
+            <a:r>
+              <a:rPr lang="en-US" sz="2400" dirty="0" smtClean="0"/>
+              <a:t> at </a:t>
+            </a:r>
+            <a:r>
+              <a:rPr lang="en-US" sz="2400" dirty="0"/>
+              <a:t>time </a:t>
+            </a:r>
+            <a:r>
+              <a:rPr lang="en-US" sz="2400" i="1" dirty="0"/>
+              <a:t>t</a:t>
+            </a:r>
+            <a:r>
+              <a:rPr lang="en-US" sz="2400" dirty="0"/>
+              <a:t> </a:t>
+            </a:r>
+            <a:r>
+              <a:rPr lang="en-US" sz="2400" dirty="0" smtClean="0"/>
+              <a:t>as a linear combination of </a:t>
+            </a:r>
+            <a:r>
+              <a:rPr lang="en-US" sz="2400" dirty="0"/>
+              <a:t>some number of prior system states </a:t>
+            </a:r>
+            <a:r>
+              <a:rPr lang="en-US" sz="2400" i="1" dirty="0" smtClean="0"/>
+              <a:t>p</a:t>
+            </a:r>
+            <a:r>
+              <a:rPr lang="en-US" sz="2400" dirty="0" smtClean="0"/>
+              <a:t>:</a:t>
+            </a:r>
+            <a:endParaRPr lang="en-US" sz="2400" dirty="0"/>
+          </a:p>
+        </p:txBody>
+      </p:sp>
+      <p:sp>
+        <p:nvSpPr>
+          <p:cNvPr id="8" name="TextBox 3"/>
+          <p:cNvSpPr txBox="1"/>
+          <p:nvPr/>
+        </p:nvSpPr>
+        <p:spPr>
+          <a:xfrm>
+            <a:off x="611560" y="169476"/>
+            <a:ext cx="7848872" cy="523220"/>
+          </a:xfrm>
+          <a:prstGeom prst="rect">
+            <a:avLst/>
+          </a:prstGeom>
+          <a:noFill/>
+        </p:spPr>
+        <p:txBody>
+          <a:bodyPr wrap="square" rtlCol="0">
+            <a:spAutoFit/>
+          </a:bodyPr>
+          <a:lstStyle/>
+          <a:p>
+            <a:pPr algn="just"/>
+            <a:r>
+              <a:rPr lang="en-US" sz="2800" b="1" dirty="0" smtClean="0"/>
+              <a:t>Method</a:t>
+            </a:r>
+            <a:endParaRPr lang="en-US" sz="2800" b="1" dirty="0"/>
+          </a:p>
+        </p:txBody>
+      </p:sp>
+      <mc:AlternateContent xmlns:mc="http://schemas.openxmlformats.org/markup-compatibility/2006">
+        <mc:Choice xmlns:a14="http://schemas.microsoft.com/office/drawing/2010/main" Requires="a14">
+          <p:sp>
+            <p:nvSpPr>
+              <p:cNvPr id="2" name="1 CuadroTexto"/>
+              <p:cNvSpPr txBox="1"/>
+              <p:nvPr/>
+            </p:nvSpPr>
+            <p:spPr>
+              <a:xfrm>
+                <a:off x="2609987" y="2814526"/>
+                <a:ext cx="3852017" cy="390748"/>
+              </a:xfrm>
+              <a:prstGeom prst="rect">
+                <a:avLst/>
+              </a:prstGeom>
+              <a:noFill/>
+            </p:spPr>
+            <p:txBody>
+              <a:bodyPr wrap="none" rtlCol="0">
+                <a:spAutoFit/>
+              </a:bodyPr>
+              <a:lstStyle/>
+              <a:p>
+                <a14:m>
+                  <m:oMathPara xmlns:m="http://schemas.openxmlformats.org/officeDocument/2006/math">
+                    <m:oMathParaPr>
+                      <m:jc m:val="centerGroup"/>
+                    </m:oMathParaPr>
+                    <m:oMath xmlns:m="http://schemas.openxmlformats.org/officeDocument/2006/math">
+                      <m:sSub>
+                        <m:sSubPr>
+                          <m:ctrlPr>
+                            <a:rPr lang="es-MX" i="1" smtClean="0">
+                              <a:latin typeface="Cambria Math"/>
+                            </a:rPr>
+                          </m:ctrlPr>
+                        </m:sSubPr>
+                        <m:e>
+                          <m:r>
+                            <a:rPr lang="es-CO" b="1" i="1" smtClean="0">
+                              <a:latin typeface="Cambria Math"/>
+                            </a:rPr>
+                            <m:t>𝑿</m:t>
+                          </m:r>
+                        </m:e>
+                        <m:sub>
+                          <m:r>
+                            <a:rPr lang="es-CO" b="0" i="1" smtClean="0">
+                              <a:latin typeface="Cambria Math"/>
+                            </a:rPr>
+                            <m:t>𝑡</m:t>
+                          </m:r>
+                        </m:sub>
+                      </m:sSub>
+                      <m:r>
+                        <a:rPr lang="es-CO" b="0" i="1" smtClean="0">
+                          <a:latin typeface="Cambria Math"/>
+                        </a:rPr>
+                        <m:t>=</m:t>
+                      </m:r>
+                      <m:r>
+                        <a:rPr lang="es-CO" b="0" i="1" smtClean="0">
+                          <a:latin typeface="Cambria Math"/>
+                        </a:rPr>
+                        <m:t>𝑐</m:t>
+                      </m:r>
+                      <m:r>
+                        <a:rPr lang="es-CO" b="0" i="1" smtClean="0">
+                          <a:latin typeface="Cambria Math"/>
+                        </a:rPr>
+                        <m:t>+</m:t>
+                      </m:r>
+                      <m:sSub>
+                        <m:sSubPr>
+                          <m:ctrlPr>
+                            <a:rPr lang="es-CO" b="0" i="1" smtClean="0">
+                              <a:latin typeface="Cambria Math"/>
+                            </a:rPr>
+                          </m:ctrlPr>
+                        </m:sSubPr>
+                        <m:e>
+                          <m:r>
+                            <a:rPr lang="el-GR" b="1" i="0">
+                              <a:latin typeface="Cambria Math"/>
+                            </a:rPr>
+                            <m:t>𝚷</m:t>
+                          </m:r>
+                        </m:e>
+                        <m:sub>
+                          <m:r>
+                            <a:rPr lang="es-CO" b="0" i="1" smtClean="0">
+                              <a:latin typeface="Cambria Math"/>
+                            </a:rPr>
+                            <m:t>1</m:t>
+                          </m:r>
+                        </m:sub>
+                      </m:sSub>
+                      <m:sSub>
+                        <m:sSubPr>
+                          <m:ctrlPr>
+                            <a:rPr lang="es-CO" b="0" i="1" smtClean="0">
+                              <a:latin typeface="Cambria Math"/>
+                            </a:rPr>
+                          </m:ctrlPr>
+                        </m:sSubPr>
+                        <m:e>
+                          <m:r>
+                            <a:rPr lang="es-CO" b="1" i="1" smtClean="0">
+                              <a:latin typeface="Cambria Math"/>
+                            </a:rPr>
+                            <m:t>𝑿</m:t>
+                          </m:r>
+                        </m:e>
+                        <m:sub>
+                          <m:r>
+                            <a:rPr lang="es-CO" b="0" i="1" smtClean="0">
+                              <a:latin typeface="Cambria Math"/>
+                            </a:rPr>
+                            <m:t>𝑡</m:t>
+                          </m:r>
+                          <m:r>
+                            <a:rPr lang="es-CO" b="0" i="1" smtClean="0">
+                              <a:latin typeface="Cambria Math"/>
+                            </a:rPr>
+                            <m:t>−1</m:t>
+                          </m:r>
+                        </m:sub>
+                      </m:sSub>
+                      <m:r>
+                        <a:rPr lang="es-CO" b="0" i="1" smtClean="0">
+                          <a:latin typeface="Cambria Math"/>
+                        </a:rPr>
+                        <m:t>+…+</m:t>
+                      </m:r>
+                      <m:sSub>
+                        <m:sSubPr>
+                          <m:ctrlPr>
+                            <a:rPr lang="es-CO" i="1">
+                              <a:latin typeface="Cambria Math"/>
+                            </a:rPr>
+                          </m:ctrlPr>
+                        </m:sSubPr>
+                        <m:e>
+                          <m:r>
+                            <a:rPr lang="el-GR" b="1" i="0" smtClean="0">
+                              <a:latin typeface="Cambria Math"/>
+                            </a:rPr>
+                            <m:t>𝚷</m:t>
+                          </m:r>
+                        </m:e>
+                        <m:sub>
+                          <m:r>
+                            <a:rPr lang="es-CO" b="0" i="1" smtClean="0">
+                              <a:latin typeface="Cambria Math"/>
+                            </a:rPr>
+                            <m:t>𝑝</m:t>
+                          </m:r>
+                        </m:sub>
+                      </m:sSub>
+                      <m:sSub>
+                        <m:sSubPr>
+                          <m:ctrlPr>
+                            <a:rPr lang="es-CO" i="1">
+                              <a:latin typeface="Cambria Math"/>
+                            </a:rPr>
+                          </m:ctrlPr>
+                        </m:sSubPr>
+                        <m:e>
+                          <m:r>
+                            <a:rPr lang="es-CO" b="1" i="1">
+                              <a:latin typeface="Cambria Math"/>
+                            </a:rPr>
+                            <m:t>𝑿</m:t>
+                          </m:r>
+                        </m:e>
+                        <m:sub>
+                          <m:r>
+                            <a:rPr lang="es-CO" i="1">
+                              <a:latin typeface="Cambria Math"/>
+                            </a:rPr>
+                            <m:t>𝑡</m:t>
+                          </m:r>
+                          <m:r>
+                            <a:rPr lang="es-CO" i="1">
+                              <a:latin typeface="Cambria Math"/>
+                            </a:rPr>
+                            <m:t>−</m:t>
+                          </m:r>
+                          <m:r>
+                            <a:rPr lang="es-CO" b="0" i="1" smtClean="0">
+                              <a:latin typeface="Cambria Math"/>
+                            </a:rPr>
+                            <m:t>𝑝</m:t>
+                          </m:r>
+                        </m:sub>
+                      </m:sSub>
+                      <m:r>
+                        <a:rPr lang="es-CO" b="0" i="1" smtClean="0">
+                          <a:latin typeface="Cambria Math"/>
+                        </a:rPr>
+                        <m:t>+</m:t>
+                      </m:r>
+                      <m:sSub>
+                        <m:sSubPr>
+                          <m:ctrlPr>
+                            <a:rPr lang="es-CO" b="0" i="1" smtClean="0">
+                              <a:latin typeface="Cambria Math"/>
+                            </a:rPr>
+                          </m:ctrlPr>
+                        </m:sSubPr>
+                        <m:e>
+                          <m:r>
+                            <m:rPr>
+                              <m:sty m:val="p"/>
+                            </m:rPr>
+                            <a:rPr lang="el-GR" b="0" i="1" smtClean="0">
+                              <a:latin typeface="Cambria Math"/>
+                            </a:rPr>
+                            <m:t>ε</m:t>
+                          </m:r>
+                        </m:e>
+                        <m:sub>
+                          <m:r>
+                            <a:rPr lang="es-CO" b="0" i="1" smtClean="0">
+                              <a:latin typeface="Cambria Math"/>
+                            </a:rPr>
+                            <m:t>𝑡</m:t>
+                          </m:r>
+                        </m:sub>
+                      </m:sSub>
+                    </m:oMath>
+                  </m:oMathPara>
+                </a14:m>
+                <a:endParaRPr lang="es-MX" dirty="0"/>
+              </a:p>
+            </p:txBody>
+          </p:sp>
+        </mc:Choice>
+        <mc:Fallback>
+          <p:sp>
+            <p:nvSpPr>
+              <p:cNvPr id="2" name="1 CuadroTexto"/>
+              <p:cNvSpPr txBox="1">
+                <a:spLocks noRot="1" noChangeAspect="1" noMove="1" noResize="1" noEditPoints="1" noAdjustHandles="1" noChangeArrowheads="1" noChangeShapeType="1" noTextEdit="1"/>
+              </p:cNvSpPr>
+              <p:nvPr/>
+            </p:nvSpPr>
+            <p:spPr>
+              <a:xfrm>
+                <a:off x="2609987" y="2814526"/>
+                <a:ext cx="3852017" cy="390748"/>
+              </a:xfrm>
+              <a:prstGeom prst="rect">
+                <a:avLst/>
+              </a:prstGeom>
+              <a:blipFill rotWithShape="1">
+                <a:blip r:embed="rId2"/>
+                <a:stretch>
+                  <a:fillRect b="-3125"/>
+                </a:stretch>
+              </a:blipFill>
+            </p:spPr>
+            <p:txBody>
+              <a:bodyPr/>
+              <a:lstStyle/>
+              <a:p>
+                <a:r>
+                  <a:rPr lang="es-MX">
+                    <a:noFill/>
+                  </a:rPr>
+                  <a:t> </a:t>
+                </a:r>
+              </a:p>
+            </p:txBody>
+          </p:sp>
+        </mc:Fallback>
+      </mc:AlternateContent>
+      <mc:AlternateContent xmlns:mc="http://schemas.openxmlformats.org/markup-compatibility/2006">
+        <mc:Choice xmlns:a14="http://schemas.microsoft.com/office/drawing/2010/main" Requires="a14">
+          <p:sp>
+            <p:nvSpPr>
+              <p:cNvPr id="7" name="TextBox 3"/>
+              <p:cNvSpPr txBox="1"/>
+              <p:nvPr/>
+            </p:nvSpPr>
+            <p:spPr>
+              <a:xfrm>
+                <a:off x="611560" y="3362216"/>
+                <a:ext cx="7848872" cy="1598194"/>
+              </a:xfrm>
+              <a:prstGeom prst="rect">
+                <a:avLst/>
+              </a:prstGeom>
+              <a:noFill/>
+            </p:spPr>
+            <p:txBody>
+              <a:bodyPr wrap="square" rtlCol="0">
+                <a:spAutoFit/>
+              </a:bodyPr>
+              <a:lstStyle/>
+              <a:p>
+                <a:pPr algn="just"/>
+                <a:r>
+                  <a:rPr lang="en-US" sz="2400" dirty="0" smtClean="0"/>
+                  <a:t>This system can be solved for the unknown </a:t>
+                </a:r>
+                <a14:m>
+                  <m:oMath xmlns:m="http://schemas.openxmlformats.org/officeDocument/2006/math">
+                    <m:sSub>
+                      <m:sSubPr>
+                        <m:ctrlPr>
+                          <a:rPr lang="es-CO" sz="2400" i="1">
+                            <a:latin typeface="Cambria Math"/>
+                          </a:rPr>
+                        </m:ctrlPr>
+                      </m:sSubPr>
+                      <m:e>
+                        <m:r>
+                          <a:rPr lang="el-GR" sz="2400" b="1">
+                            <a:latin typeface="Cambria Math"/>
+                          </a:rPr>
+                          <m:t>𝚷</m:t>
+                        </m:r>
+                      </m:e>
+                      <m:sub>
+                        <m:r>
+                          <a:rPr lang="es-CO" sz="2400" b="0" i="1" smtClean="0">
+                            <a:latin typeface="Cambria Math"/>
+                          </a:rPr>
+                          <m:t>𝑗</m:t>
+                        </m:r>
+                      </m:sub>
+                    </m:sSub>
+                  </m:oMath>
+                </a14:m>
+                <a:r>
+                  <a:rPr lang="en-US" sz="2400" dirty="0" smtClean="0"/>
+                  <a:t> parameter matrices </a:t>
+                </a:r>
+                <a:r>
+                  <a:rPr lang="en-US" sz="2400" dirty="0"/>
+                  <a:t>using ordinary least </a:t>
+                </a:r>
+                <a:r>
+                  <a:rPr lang="en-US" sz="2400" dirty="0" smtClean="0"/>
+                  <a:t>squares by rewriting it as </a:t>
+                </a:r>
+                <a:r>
+                  <a:rPr lang="en-US" sz="2400" dirty="0"/>
+                  <a:t>a system of </a:t>
+                </a:r>
+                <a:r>
+                  <a:rPr lang="en-US" sz="2400" dirty="0" smtClean="0"/>
+                  <a:t>equations (each </a:t>
+                </a:r>
+                <a:r>
+                  <a:rPr lang="en-US" sz="2400" dirty="0"/>
+                  <a:t>row is the equation for one system variable at one time </a:t>
+                </a:r>
+                <a:r>
+                  <a:rPr lang="en-US" sz="2400" dirty="0" smtClean="0"/>
+                  <a:t>step).</a:t>
+                </a:r>
+                <a:endParaRPr lang="en-US" sz="2400" dirty="0"/>
+              </a:p>
+            </p:txBody>
+          </p:sp>
+        </mc:Choice>
+        <mc:Fallback>
+          <p:sp>
+            <p:nvSpPr>
+              <p:cNvPr id="7" name="TextBox 3"/>
+              <p:cNvSpPr txBox="1">
+                <a:spLocks noRot="1" noChangeAspect="1" noMove="1" noResize="1" noEditPoints="1" noAdjustHandles="1" noChangeArrowheads="1" noChangeShapeType="1" noTextEdit="1"/>
+              </p:cNvSpPr>
+              <p:nvPr/>
+            </p:nvSpPr>
+            <p:spPr>
+              <a:xfrm>
+                <a:off x="611560" y="3362216"/>
+                <a:ext cx="7848872" cy="1598194"/>
+              </a:xfrm>
+              <a:prstGeom prst="rect">
+                <a:avLst/>
+              </a:prstGeom>
+              <a:blipFill rotWithShape="1">
+                <a:blip r:embed="rId3"/>
+                <a:stretch>
+                  <a:fillRect l="-1165" t="-2672" r="-1165" b="-8015"/>
+                </a:stretch>
+              </a:blipFill>
+            </p:spPr>
+            <p:txBody>
+              <a:bodyPr/>
+              <a:lstStyle/>
+              <a:p>
+                <a:r>
+                  <a:rPr lang="es-MX">
+                    <a:noFill/>
+                  </a:rPr>
+                  <a:t> </a:t>
+                </a:r>
+              </a:p>
+            </p:txBody>
+          </p:sp>
+        </mc:Fallback>
+      </mc:AlternateContent>
+    </p:spTree>
+    <p:extLst>
+      <p:ext uri="{BB962C8B-B14F-4D97-AF65-F5344CB8AC3E}">
+        <p14:creationId xmlns:p14="http://schemas.microsoft.com/office/powerpoint/2010/main" val="4020776817"/>
+      </p:ext>
+    </p:extLst>
+  </p:cSld>
+  <p:clrMapOvr>
+    <a:masterClrMapping/>
+  </p:clrMapOvr>
+</p:sld>
+</file>
+
+<file path=ppt/slides/slide6.xml><?xml version="1.0" encoding="utf-8"?>
+<p:sld xmlns:a="http://schemas.openxmlformats.org/drawingml/2006/main" xmlns:r="http://schemas.openxmlformats.org/officeDocument/2006/relationships" xmlns:p="http://schemas.openxmlformats.org/presentationml/2006/main">
+  <p:cSld>
+    <p:spTree>
+      <p:nvGrpSpPr>
+        <p:cNvPr id="1" name=""/>
+        <p:cNvGrpSpPr/>
+        <p:nvPr/>
+      </p:nvGrpSpPr>
+      <p:grpSpPr>
+        <a:xfrm>
+          <a:off x="0" y="0"/>
+          <a:ext cx="0" cy="0"/>
+          <a:chOff x="0" y="0"/>
+          <a:chExt cx="0" cy="0"/>
+        </a:xfrm>
+      </p:grpSpPr>
+      <p:sp>
+        <p:nvSpPr>
+          <p:cNvPr id="5" name="TextBox 3"/>
+          <p:cNvSpPr txBox="1"/>
+          <p:nvPr/>
+        </p:nvSpPr>
+        <p:spPr>
+          <a:xfrm>
+            <a:off x="611560" y="692696"/>
+            <a:ext cx="7848872" cy="2308324"/>
+          </a:xfrm>
+          <a:prstGeom prst="rect">
+            <a:avLst/>
+          </a:prstGeom>
+          <a:noFill/>
+        </p:spPr>
+        <p:txBody>
+          <a:bodyPr wrap="square" rtlCol="0">
+            <a:spAutoFit/>
+          </a:bodyPr>
+          <a:lstStyle/>
+          <a:p>
+            <a:pPr algn="just"/>
+            <a:r>
+              <a:rPr lang="en-US" sz="2400" dirty="0" smtClean="0"/>
+              <a:t>Three aspects for the setup of the model were considered:</a:t>
+            </a:r>
+          </a:p>
+          <a:p>
+            <a:pPr marL="520700" indent="-342900">
+              <a:buFont typeface="Arial" panose="020B0604020202020204" pitchFamily="34" charset="0"/>
+              <a:buChar char="•"/>
+            </a:pPr>
+            <a:r>
+              <a:rPr lang="en-US" sz="2400" dirty="0" smtClean="0"/>
+              <a:t>Using the past values of the same variable vs. using the past values of all the variables</a:t>
+            </a:r>
+          </a:p>
+          <a:p>
+            <a:pPr marL="520700" indent="-342900">
+              <a:buFont typeface="Arial" panose="020B0604020202020204" pitchFamily="34" charset="0"/>
+              <a:buChar char="•"/>
+            </a:pPr>
+            <a:r>
+              <a:rPr lang="en-US" sz="2400" dirty="0" smtClean="0"/>
+              <a:t>The number of previous states to consider (</a:t>
+            </a:r>
+            <a:r>
+              <a:rPr lang="en-US" sz="2400" i="1" dirty="0" smtClean="0"/>
+              <a:t>p</a:t>
+            </a:r>
+            <a:r>
+              <a:rPr lang="en-US" sz="2400" dirty="0" smtClean="0"/>
+              <a:t>)</a:t>
+            </a:r>
+          </a:p>
+          <a:p>
+            <a:pPr marL="520700" indent="-342900">
+              <a:buFont typeface="Arial" panose="020B0604020202020204" pitchFamily="34" charset="0"/>
+              <a:buChar char="•"/>
+            </a:pPr>
+            <a:r>
+              <a:rPr lang="en-US" sz="2400" dirty="0" smtClean="0"/>
+              <a:t>Whether or not to include the values on neighboring cells (neighborhood radius </a:t>
+            </a:r>
+            <a:r>
+              <a:rPr lang="en-US" sz="2400" i="1" dirty="0" smtClean="0"/>
+              <a:t>r</a:t>
+            </a:r>
+            <a:r>
+              <a:rPr lang="en-US" sz="2400" dirty="0" smtClean="0"/>
+              <a:t>)</a:t>
+            </a:r>
+            <a:endParaRPr lang="en-US" sz="2400" dirty="0"/>
+          </a:p>
+        </p:txBody>
+      </p:sp>
+      <p:sp>
+        <p:nvSpPr>
+          <p:cNvPr id="6" name="TextBox 3"/>
+          <p:cNvSpPr txBox="1"/>
+          <p:nvPr/>
+        </p:nvSpPr>
+        <p:spPr>
+          <a:xfrm>
+            <a:off x="611560" y="3362216"/>
+            <a:ext cx="7848872" cy="830997"/>
+          </a:xfrm>
+          <a:prstGeom prst="rect">
+            <a:avLst/>
+          </a:prstGeom>
+          <a:noFill/>
+        </p:spPr>
+        <p:txBody>
+          <a:bodyPr wrap="square" rtlCol="0">
+            <a:spAutoFit/>
+          </a:bodyPr>
+          <a:lstStyle/>
+          <a:p>
+            <a:pPr algn="just"/>
+            <a:r>
+              <a:rPr lang="en-US" sz="2400" dirty="0" smtClean="0"/>
+              <a:t>Figure 2 illustrates two possible the setups for the VAR model, with varying lag </a:t>
+            </a:r>
+            <a:r>
+              <a:rPr lang="en-US" sz="2400" i="1" dirty="0" smtClean="0"/>
+              <a:t>p</a:t>
+            </a:r>
+            <a:r>
+              <a:rPr lang="en-US" sz="2400" dirty="0" smtClean="0"/>
+              <a:t> and neighborhood radius </a:t>
+            </a:r>
+            <a:r>
+              <a:rPr lang="en-US" sz="2400" i="1" dirty="0" smtClean="0"/>
+              <a:t>r</a:t>
+            </a:r>
+            <a:r>
+              <a:rPr lang="en-US" sz="2400" dirty="0" smtClean="0"/>
+              <a:t>.</a:t>
+            </a:r>
+            <a:endParaRPr lang="en-US" sz="2400" dirty="0"/>
+          </a:p>
+        </p:txBody>
+      </p:sp>
+    </p:spTree>
+    <p:extLst>
+      <p:ext uri="{BB962C8B-B14F-4D97-AF65-F5344CB8AC3E}">
+        <p14:creationId xmlns:p14="http://schemas.microsoft.com/office/powerpoint/2010/main" val="1428978542"/>
+      </p:ext>
+    </p:extLst>
+  </p:cSld>
+  <p:clrMapOvr>
+    <a:masterClrMapping/>
+  </p:clrMapOvr>
+</p:sld>
+</file>
+
+<file path=ppt/slides/slide7.xml><?xml version="1.0" encoding="utf-8"?>
+<p:sld xmlns:a="http://schemas.openxmlformats.org/drawingml/2006/main" xmlns:r="http://schemas.openxmlformats.org/officeDocument/2006/relationships" xmlns:p="http://schemas.openxmlformats.org/presentationml/2006/main">
+  <p:cSld>
+    <p:spTree>
+      <p:nvGrpSpPr>
+        <p:cNvPr id="1" name=""/>
+        <p:cNvGrpSpPr/>
+        <p:nvPr/>
+      </p:nvGrpSpPr>
+      <p:grpSpPr>
+        <a:xfrm>
+          <a:off x="0" y="0"/>
+          <a:ext cx="0" cy="0"/>
+          <a:chOff x="0" y="0"/>
+          <a:chExt cx="0" cy="0"/>
+        </a:xfrm>
+      </p:grpSpPr>
+      <p:sp>
+        <p:nvSpPr>
+          <p:cNvPr id="41" name="40 Rectángulo"/>
+          <p:cNvSpPr/>
+          <p:nvPr/>
+        </p:nvSpPr>
+        <p:spPr>
+          <a:xfrm>
+            <a:off x="1704492" y="937528"/>
+            <a:ext cx="3430984" cy="1343536"/>
+          </a:xfrm>
+          <a:prstGeom prst="rect">
+            <a:avLst/>
+          </a:prstGeom>
+          <a:solidFill>
+            <a:schemeClr val="accent3">
+              <a:lumMod val="40000"/>
+              <a:lumOff val="60000"/>
+            </a:schemeClr>
+          </a:solidFill>
+          <a:ln>
+            <a:solidFill>
+              <a:schemeClr val="accent3"/>
+            </a:solidFill>
+          </a:ln>
+        </p:spPr>
+        <p:style>
+          <a:lnRef idx="2">
+            <a:schemeClr val="accent1">
+              <a:shade val="50000"/>
+            </a:schemeClr>
+          </a:lnRef>
+          <a:fillRef idx="1">
+            <a:schemeClr val="accent1"/>
+          </a:fillRef>
+          <a:effectRef idx="0">
+            <a:schemeClr val="accent1"/>
+          </a:effectRef>
+          <a:fontRef idx="minor">
+            <a:schemeClr val="lt1"/>
+          </a:fontRef>
+        </p:style>
+        <p:txBody>
+          <a:bodyPr rtlCol="0" anchor="ctr"/>
+          <a:lstStyle/>
+          <a:p>
+            <a:pPr algn="ctr"/>
+            <a:endParaRPr lang="es-MX"/>
+          </a:p>
+        </p:txBody>
+      </p:sp>
+      <p:sp>
+        <p:nvSpPr>
+          <p:cNvPr id="1028" name="1027 Rectángulo"/>
+          <p:cNvSpPr/>
+          <p:nvPr/>
+        </p:nvSpPr>
+        <p:spPr>
+          <a:xfrm>
+            <a:off x="1801900" y="1404268"/>
+            <a:ext cx="5349800" cy="792088"/>
+          </a:xfrm>
+          <a:prstGeom prst="rect">
+            <a:avLst/>
+          </a:prstGeom>
+          <a:solidFill>
+            <a:schemeClr val="accent2">
+              <a:lumMod val="60000"/>
+              <a:lumOff val="40000"/>
+              <a:alpha val="50000"/>
+            </a:schemeClr>
+          </a:solidFill>
+          <a:ln>
+            <a:solidFill>
+              <a:schemeClr val="accent2"/>
+            </a:solidFill>
+          </a:ln>
+        </p:spPr>
+        <p:style>
+          <a:lnRef idx="2">
+            <a:schemeClr val="accent1">
+              <a:shade val="50000"/>
+            </a:schemeClr>
+          </a:lnRef>
+          <a:fillRef idx="1">
+            <a:schemeClr val="accent1"/>
+          </a:fillRef>
+          <a:effectRef idx="0">
+            <a:schemeClr val="accent1"/>
+          </a:effectRef>
+          <a:fontRef idx="minor">
+            <a:schemeClr val="lt1"/>
+          </a:fontRef>
+        </p:style>
+        <p:txBody>
+          <a:bodyPr rtlCol="0" anchor="ctr"/>
+          <a:lstStyle/>
+          <a:p>
+            <a:pPr algn="ctr"/>
+            <a:endParaRPr lang="es-MX"/>
+          </a:p>
+        </p:txBody>
+      </p:sp>
+      <p:sp>
+        <p:nvSpPr>
+          <p:cNvPr id="16" name="TextBox 3"/>
+          <p:cNvSpPr txBox="1"/>
+          <p:nvPr/>
+        </p:nvSpPr>
+        <p:spPr>
+          <a:xfrm>
+            <a:off x="539552" y="5517232"/>
+            <a:ext cx="7569236" cy="830997"/>
+          </a:xfrm>
+          <a:prstGeom prst="rect">
+            <a:avLst/>
+          </a:prstGeom>
+          <a:noFill/>
+        </p:spPr>
+        <p:txBody>
+          <a:bodyPr wrap="square" rtlCol="0">
+            <a:spAutoFit/>
+          </a:bodyPr>
+          <a:lstStyle/>
+          <a:p>
+            <a:r>
+              <a:rPr lang="en-US" sz="2400" b="1" dirty="0" smtClean="0"/>
+              <a:t>Figure 2. </a:t>
+            </a:r>
+            <a:r>
+              <a:rPr lang="en-US" sz="2400" dirty="0" smtClean="0"/>
+              <a:t>Variables used for estimating values </a:t>
+            </a:r>
+            <a:r>
+              <a:rPr lang="en-US" sz="2400" b="1" i="1" dirty="0" smtClean="0"/>
+              <a:t>X</a:t>
+            </a:r>
+            <a:r>
+              <a:rPr lang="en-US" sz="2400" dirty="0" smtClean="0"/>
+              <a:t> at time </a:t>
+            </a:r>
+            <a:r>
+              <a:rPr lang="en-US" sz="2400" i="1" dirty="0" smtClean="0"/>
+              <a:t>t</a:t>
+            </a:r>
+            <a:r>
+              <a:rPr lang="en-US" sz="2400" dirty="0" smtClean="0"/>
+              <a:t> at cell (</a:t>
+            </a:r>
+            <a:r>
+              <a:rPr lang="en-US" sz="2400" i="1" dirty="0" smtClean="0"/>
+              <a:t>x</a:t>
+            </a:r>
+            <a:r>
+              <a:rPr lang="en-US" sz="2400" dirty="0" smtClean="0"/>
+              <a:t>, </a:t>
+            </a:r>
+            <a:r>
+              <a:rPr lang="en-US" sz="2400" i="1" dirty="0" smtClean="0"/>
+              <a:t>y</a:t>
+            </a:r>
+            <a:r>
+              <a:rPr lang="en-US" sz="2400" dirty="0" smtClean="0"/>
+              <a:t>); </a:t>
+            </a:r>
+            <a:r>
+              <a:rPr lang="en-US" sz="2400" dirty="0"/>
+              <a:t>a</a:t>
+            </a:r>
+            <a:r>
+              <a:rPr lang="en-US" sz="2400" dirty="0" smtClean="0"/>
+              <a:t>. Single-variable model; b. Multivariate model</a:t>
+            </a:r>
+            <a:endParaRPr lang="en-US" sz="2400" dirty="0"/>
+          </a:p>
+        </p:txBody>
+      </p:sp>
+      <p:sp>
+        <p:nvSpPr>
+          <p:cNvPr id="5" name="4 Elipse"/>
+          <p:cNvSpPr/>
+          <p:nvPr/>
+        </p:nvSpPr>
+        <p:spPr>
+          <a:xfrm>
+            <a:off x="1895116" y="2530996"/>
+            <a:ext cx="504056" cy="504056"/>
+          </a:xfrm>
+          <a:prstGeom prst="ellipse">
+            <a:avLst/>
+          </a:prstGeom>
+        </p:spPr>
+        <p:style>
+          <a:lnRef idx="2">
+            <a:schemeClr val="accent1">
+              <a:shade val="50000"/>
+            </a:schemeClr>
+          </a:lnRef>
+          <a:fillRef idx="1">
+            <a:schemeClr val="accent1"/>
+          </a:fillRef>
+          <a:effectRef idx="0">
+            <a:schemeClr val="accent1"/>
+          </a:effectRef>
+          <a:fontRef idx="minor">
+            <a:schemeClr val="lt1"/>
+          </a:fontRef>
+        </p:style>
+        <p:txBody>
+          <a:bodyPr lIns="0" tIns="0" rIns="0" bIns="0" rtlCol="0" anchor="ctr"/>
+          <a:lstStyle/>
+          <a:p>
+            <a:pPr algn="ctr"/>
+            <a:r>
+              <a:rPr lang="es-CO" dirty="0" smtClean="0"/>
+              <a:t>X</a:t>
+            </a:r>
+            <a:r>
+              <a:rPr lang="es-CO" baseline="-25000" dirty="0" smtClean="0"/>
+              <a:t>1</a:t>
+            </a:r>
+            <a:endParaRPr lang="es-MX" baseline="-25000" dirty="0"/>
+          </a:p>
+        </p:txBody>
+      </p:sp>
+      <p:sp>
+        <p:nvSpPr>
+          <p:cNvPr id="18" name="17 Elipse"/>
+          <p:cNvSpPr/>
+          <p:nvPr/>
+        </p:nvSpPr>
+        <p:spPr>
+          <a:xfrm>
+            <a:off x="2615196" y="2530996"/>
+            <a:ext cx="504056" cy="504056"/>
+          </a:xfrm>
+          <a:prstGeom prst="ellipse">
+            <a:avLst/>
+          </a:prstGeom>
+        </p:spPr>
+        <p:style>
+          <a:lnRef idx="2">
+            <a:schemeClr val="accent1">
+              <a:shade val="50000"/>
+            </a:schemeClr>
+          </a:lnRef>
+          <a:fillRef idx="1">
+            <a:schemeClr val="accent1"/>
+          </a:fillRef>
+          <a:effectRef idx="0">
+            <a:schemeClr val="accent1"/>
+          </a:effectRef>
+          <a:fontRef idx="minor">
+            <a:schemeClr val="lt1"/>
+          </a:fontRef>
+        </p:style>
+        <p:txBody>
+          <a:bodyPr lIns="0" tIns="0" rIns="0" bIns="0" rtlCol="0" anchor="ctr"/>
+          <a:lstStyle/>
+          <a:p>
+            <a:pPr algn="ctr"/>
+            <a:r>
+              <a:rPr lang="es-CO" dirty="0" smtClean="0"/>
+              <a:t>X</a:t>
+            </a:r>
+            <a:r>
+              <a:rPr lang="es-CO" baseline="-25000" dirty="0" smtClean="0"/>
+              <a:t>2</a:t>
+            </a:r>
+            <a:endParaRPr lang="es-MX" baseline="-25000" dirty="0"/>
+          </a:p>
+        </p:txBody>
+      </p:sp>
+      <p:sp>
+        <p:nvSpPr>
+          <p:cNvPr id="19" name="18 Elipse"/>
+          <p:cNvSpPr/>
+          <p:nvPr/>
+        </p:nvSpPr>
+        <p:spPr>
+          <a:xfrm>
+            <a:off x="3335276" y="2530996"/>
+            <a:ext cx="504056" cy="504056"/>
+          </a:xfrm>
+          <a:prstGeom prst="ellipse">
+            <a:avLst/>
+          </a:prstGeom>
+        </p:spPr>
+        <p:style>
+          <a:lnRef idx="2">
+            <a:schemeClr val="accent1">
+              <a:shade val="50000"/>
+            </a:schemeClr>
+          </a:lnRef>
+          <a:fillRef idx="1">
+            <a:schemeClr val="accent1"/>
+          </a:fillRef>
+          <a:effectRef idx="0">
+            <a:schemeClr val="accent1"/>
+          </a:effectRef>
+          <a:fontRef idx="minor">
+            <a:schemeClr val="lt1"/>
+          </a:fontRef>
+        </p:style>
+        <p:txBody>
+          <a:bodyPr lIns="0" tIns="0" rIns="0" bIns="0" rtlCol="0" anchor="ctr"/>
+          <a:lstStyle/>
+          <a:p>
+            <a:pPr algn="ctr"/>
+            <a:r>
+              <a:rPr lang="es-CO" dirty="0" smtClean="0"/>
+              <a:t>X</a:t>
+            </a:r>
+            <a:r>
+              <a:rPr lang="es-CO" baseline="-25000" dirty="0" smtClean="0"/>
+              <a:t>3</a:t>
+            </a:r>
+            <a:endParaRPr lang="es-MX" baseline="-25000" dirty="0"/>
+          </a:p>
+        </p:txBody>
+      </p:sp>
+      <p:sp>
+        <p:nvSpPr>
+          <p:cNvPr id="20" name="19 Elipse"/>
+          <p:cNvSpPr/>
+          <p:nvPr/>
+        </p:nvSpPr>
+        <p:spPr>
+          <a:xfrm>
+            <a:off x="4415396" y="2530996"/>
+            <a:ext cx="504056" cy="504056"/>
+          </a:xfrm>
+          <a:prstGeom prst="ellipse">
+            <a:avLst/>
+          </a:prstGeom>
+        </p:spPr>
+        <p:style>
+          <a:lnRef idx="2">
+            <a:schemeClr val="accent1">
+              <a:shade val="50000"/>
+            </a:schemeClr>
+          </a:lnRef>
+          <a:fillRef idx="1">
+            <a:schemeClr val="accent1"/>
+          </a:fillRef>
+          <a:effectRef idx="0">
+            <a:schemeClr val="accent1"/>
+          </a:effectRef>
+          <a:fontRef idx="minor">
+            <a:schemeClr val="lt1"/>
+          </a:fontRef>
+        </p:style>
+        <p:txBody>
+          <a:bodyPr lIns="0" tIns="0" rIns="0" bIns="0" rtlCol="0" anchor="ctr"/>
+          <a:lstStyle/>
+          <a:p>
+            <a:pPr algn="ctr"/>
+            <a:r>
+              <a:rPr lang="es-CO" dirty="0" err="1" smtClean="0"/>
+              <a:t>X</a:t>
+            </a:r>
+            <a:r>
+              <a:rPr lang="es-CO" baseline="-25000" dirty="0" err="1" smtClean="0"/>
+              <a:t>n</a:t>
+            </a:r>
+            <a:endParaRPr lang="es-MX" baseline="-25000" dirty="0"/>
+          </a:p>
+        </p:txBody>
+      </p:sp>
+      <p:sp>
+        <p:nvSpPr>
+          <p:cNvPr id="21" name="TextBox 11"/>
+          <p:cNvSpPr txBox="1"/>
+          <p:nvPr/>
+        </p:nvSpPr>
+        <p:spPr>
+          <a:xfrm>
+            <a:off x="3920181" y="2505596"/>
+            <a:ext cx="434171" cy="461665"/>
+          </a:xfrm>
+          <a:prstGeom prst="rect">
+            <a:avLst/>
+          </a:prstGeom>
+          <a:noFill/>
+        </p:spPr>
+        <p:txBody>
+          <a:bodyPr vert="horz" wrap="square" rtlCol="0">
+            <a:spAutoFit/>
+          </a:bodyPr>
+          <a:lstStyle/>
+          <a:p>
+            <a:pPr algn="ctr"/>
+            <a:r>
+              <a:rPr lang="en-US" sz="2400" b="1" dirty="0" smtClean="0">
+                <a:effectLst>
+                  <a:glow rad="76200">
+                    <a:schemeClr val="bg1">
+                      <a:alpha val="70000"/>
+                    </a:schemeClr>
+                  </a:glow>
+                </a:effectLst>
+                <a:ea typeface="Verdana" panose="020B0604030504040204" pitchFamily="34" charset="0"/>
+                <a:cs typeface="Verdana" panose="020B0604030504040204" pitchFamily="34" charset="0"/>
+              </a:rPr>
+              <a:t>…</a:t>
+            </a:r>
+            <a:endParaRPr lang="en-US" sz="2400" b="1" dirty="0">
+              <a:effectLst>
+                <a:glow rad="76200">
+                  <a:schemeClr val="bg1">
+                    <a:alpha val="70000"/>
+                  </a:schemeClr>
+                </a:glow>
+              </a:effectLst>
+              <a:ea typeface="Verdana" panose="020B0604030504040204" pitchFamily="34" charset="0"/>
+              <a:cs typeface="Verdana" panose="020B0604030504040204" pitchFamily="34" charset="0"/>
+            </a:endParaRPr>
+          </a:p>
+        </p:txBody>
+      </p:sp>
+      <p:sp>
+        <p:nvSpPr>
+          <p:cNvPr id="22" name="21 Elipse"/>
+          <p:cNvSpPr/>
+          <p:nvPr/>
+        </p:nvSpPr>
+        <p:spPr>
+          <a:xfrm>
+            <a:off x="1895116" y="1548284"/>
+            <a:ext cx="504056" cy="504056"/>
+          </a:xfrm>
+          <a:prstGeom prst="ellipse">
+            <a:avLst/>
+          </a:prstGeom>
+          <a:solidFill>
+            <a:schemeClr val="accent6"/>
+          </a:solidFill>
+          <a:ln>
+            <a:solidFill>
+              <a:schemeClr val="accent6">
+                <a:lumMod val="50000"/>
+              </a:schemeClr>
+            </a:solidFill>
+          </a:ln>
+        </p:spPr>
+        <p:style>
+          <a:lnRef idx="2">
+            <a:schemeClr val="accent1">
+              <a:shade val="50000"/>
+            </a:schemeClr>
+          </a:lnRef>
+          <a:fillRef idx="1">
+            <a:schemeClr val="accent1"/>
+          </a:fillRef>
+          <a:effectRef idx="0">
+            <a:schemeClr val="accent1"/>
+          </a:effectRef>
+          <a:fontRef idx="minor">
+            <a:schemeClr val="lt1"/>
+          </a:fontRef>
+        </p:style>
+        <p:txBody>
+          <a:bodyPr lIns="0" tIns="0" rIns="0" bIns="0" rtlCol="0" anchor="ctr"/>
+          <a:lstStyle/>
+          <a:p>
+            <a:pPr algn="ctr"/>
+            <a:r>
+              <a:rPr lang="es-CO" i="1" dirty="0" smtClean="0"/>
+              <a:t>X</a:t>
+            </a:r>
+            <a:r>
+              <a:rPr lang="es-CO" baseline="-25000" dirty="0" smtClean="0"/>
+              <a:t>1</a:t>
+            </a:r>
+            <a:endParaRPr lang="es-MX" baseline="-25000" dirty="0"/>
+          </a:p>
+        </p:txBody>
+      </p:sp>
+      <p:sp>
+        <p:nvSpPr>
+          <p:cNvPr id="23" name="22 Elipse"/>
+          <p:cNvSpPr/>
+          <p:nvPr/>
+        </p:nvSpPr>
+        <p:spPr>
+          <a:xfrm>
+            <a:off x="2615196" y="1548284"/>
+            <a:ext cx="504056" cy="504056"/>
+          </a:xfrm>
+          <a:prstGeom prst="ellipse">
+            <a:avLst/>
+          </a:prstGeom>
+          <a:solidFill>
+            <a:schemeClr val="accent6"/>
+          </a:solidFill>
+          <a:ln>
+            <a:solidFill>
+              <a:schemeClr val="accent6">
+                <a:lumMod val="50000"/>
+              </a:schemeClr>
+            </a:solidFill>
+          </a:ln>
+        </p:spPr>
+        <p:style>
+          <a:lnRef idx="2">
+            <a:schemeClr val="accent1">
+              <a:shade val="50000"/>
+            </a:schemeClr>
+          </a:lnRef>
+          <a:fillRef idx="1">
+            <a:schemeClr val="accent1"/>
+          </a:fillRef>
+          <a:effectRef idx="0">
+            <a:schemeClr val="accent1"/>
+          </a:effectRef>
+          <a:fontRef idx="minor">
+            <a:schemeClr val="lt1"/>
+          </a:fontRef>
+        </p:style>
+        <p:txBody>
+          <a:bodyPr lIns="0" tIns="0" rIns="0" bIns="0" rtlCol="0" anchor="ctr"/>
+          <a:lstStyle/>
+          <a:p>
+            <a:pPr algn="ctr"/>
+            <a:r>
+              <a:rPr lang="es-CO" i="1" dirty="0" smtClean="0"/>
+              <a:t>X</a:t>
+            </a:r>
+            <a:r>
+              <a:rPr lang="es-CO" baseline="-25000" dirty="0" smtClean="0"/>
+              <a:t>2</a:t>
+            </a:r>
+            <a:endParaRPr lang="es-MX" baseline="-25000" dirty="0"/>
+          </a:p>
+        </p:txBody>
+      </p:sp>
+      <p:sp>
+        <p:nvSpPr>
+          <p:cNvPr id="24" name="23 Elipse"/>
+          <p:cNvSpPr/>
+          <p:nvPr/>
+        </p:nvSpPr>
+        <p:spPr>
+          <a:xfrm>
+            <a:off x="3335276" y="1548284"/>
+            <a:ext cx="504056" cy="504056"/>
+          </a:xfrm>
+          <a:prstGeom prst="ellipse">
+            <a:avLst/>
+          </a:prstGeom>
+          <a:solidFill>
+            <a:schemeClr val="accent6"/>
+          </a:solidFill>
+          <a:ln>
+            <a:solidFill>
+              <a:schemeClr val="accent6">
+                <a:lumMod val="50000"/>
+              </a:schemeClr>
+            </a:solidFill>
+          </a:ln>
+        </p:spPr>
+        <p:style>
+          <a:lnRef idx="2">
+            <a:schemeClr val="accent1">
+              <a:shade val="50000"/>
+            </a:schemeClr>
+          </a:lnRef>
+          <a:fillRef idx="1">
+            <a:schemeClr val="accent1"/>
+          </a:fillRef>
+          <a:effectRef idx="0">
+            <a:schemeClr val="accent1"/>
+          </a:effectRef>
+          <a:fontRef idx="minor">
+            <a:schemeClr val="lt1"/>
+          </a:fontRef>
+        </p:style>
+        <p:txBody>
+          <a:bodyPr lIns="0" tIns="0" rIns="0" bIns="0" rtlCol="0" anchor="ctr"/>
+          <a:lstStyle/>
+          <a:p>
+            <a:pPr algn="ctr"/>
+            <a:r>
+              <a:rPr lang="es-CO" i="1" dirty="0" smtClean="0"/>
+              <a:t>X</a:t>
+            </a:r>
+            <a:r>
+              <a:rPr lang="es-CO" baseline="-25000" dirty="0" smtClean="0"/>
+              <a:t>3</a:t>
+            </a:r>
+            <a:endParaRPr lang="es-MX" baseline="-25000" dirty="0"/>
+          </a:p>
+        </p:txBody>
+      </p:sp>
+      <p:sp>
+        <p:nvSpPr>
+          <p:cNvPr id="25" name="24 Elipse"/>
+          <p:cNvSpPr/>
+          <p:nvPr/>
+        </p:nvSpPr>
+        <p:spPr>
+          <a:xfrm>
+            <a:off x="4415396" y="1548284"/>
+            <a:ext cx="504056" cy="504056"/>
+          </a:xfrm>
+          <a:prstGeom prst="ellipse">
+            <a:avLst/>
+          </a:prstGeom>
+          <a:solidFill>
+            <a:schemeClr val="accent6"/>
+          </a:solidFill>
+          <a:ln>
+            <a:solidFill>
+              <a:schemeClr val="accent6">
+                <a:lumMod val="50000"/>
+              </a:schemeClr>
+            </a:solidFill>
+          </a:ln>
+        </p:spPr>
+        <p:style>
+          <a:lnRef idx="2">
+            <a:schemeClr val="accent1">
+              <a:shade val="50000"/>
+            </a:schemeClr>
+          </a:lnRef>
+          <a:fillRef idx="1">
+            <a:schemeClr val="accent1"/>
+          </a:fillRef>
+          <a:effectRef idx="0">
+            <a:schemeClr val="accent1"/>
+          </a:effectRef>
+          <a:fontRef idx="minor">
+            <a:schemeClr val="lt1"/>
+          </a:fontRef>
+        </p:style>
+        <p:txBody>
+          <a:bodyPr lIns="0" tIns="0" rIns="0" bIns="0" rtlCol="0" anchor="ctr"/>
+          <a:lstStyle/>
+          <a:p>
+            <a:pPr algn="ctr"/>
+            <a:r>
+              <a:rPr lang="es-CO" i="1" dirty="0" err="1" smtClean="0"/>
+              <a:t>X</a:t>
+            </a:r>
+            <a:r>
+              <a:rPr lang="es-CO" baseline="-25000" dirty="0" err="1" smtClean="0"/>
+              <a:t>n</a:t>
+            </a:r>
+            <a:endParaRPr lang="es-MX" baseline="-25000" dirty="0"/>
+          </a:p>
+        </p:txBody>
+      </p:sp>
+      <p:sp>
+        <p:nvSpPr>
+          <p:cNvPr id="26" name="TextBox 11"/>
+          <p:cNvSpPr txBox="1"/>
+          <p:nvPr/>
+        </p:nvSpPr>
+        <p:spPr>
+          <a:xfrm>
+            <a:off x="3920181" y="1522884"/>
+            <a:ext cx="434171" cy="461665"/>
+          </a:xfrm>
+          <a:prstGeom prst="rect">
+            <a:avLst/>
+          </a:prstGeom>
+          <a:noFill/>
+        </p:spPr>
+        <p:txBody>
+          <a:bodyPr vert="horz" wrap="square" rtlCol="0">
+            <a:spAutoFit/>
+          </a:bodyPr>
+          <a:lstStyle/>
+          <a:p>
+            <a:pPr algn="ctr"/>
+            <a:r>
+              <a:rPr lang="en-US" sz="2400" b="1" dirty="0" smtClean="0">
+                <a:effectLst>
+                  <a:glow rad="76200">
+                    <a:schemeClr val="bg1">
+                      <a:alpha val="70000"/>
+                    </a:schemeClr>
+                  </a:glow>
+                </a:effectLst>
+                <a:ea typeface="Verdana" panose="020B0604030504040204" pitchFamily="34" charset="0"/>
+                <a:cs typeface="Verdana" panose="020B0604030504040204" pitchFamily="34" charset="0"/>
+              </a:rPr>
+              <a:t>…</a:t>
+            </a:r>
+            <a:endParaRPr lang="en-US" sz="2400" b="1" dirty="0">
+              <a:effectLst>
+                <a:glow rad="76200">
+                  <a:schemeClr val="bg1">
+                    <a:alpha val="70000"/>
+                  </a:schemeClr>
+                </a:glow>
+              </a:effectLst>
+              <a:ea typeface="Verdana" panose="020B0604030504040204" pitchFamily="34" charset="0"/>
+              <a:cs typeface="Verdana" panose="020B0604030504040204" pitchFamily="34" charset="0"/>
+            </a:endParaRPr>
+          </a:p>
+        </p:txBody>
+      </p:sp>
+      <p:cxnSp>
+        <p:nvCxnSpPr>
+          <p:cNvPr id="14" name="13 Conector recto de flecha"/>
+          <p:cNvCxnSpPr>
+            <a:stCxn id="22" idx="4"/>
+            <a:endCxn id="5" idx="0"/>
+          </p:cNvCxnSpPr>
+          <p:nvPr/>
+        </p:nvCxnSpPr>
+        <p:spPr>
+          <a:xfrm>
+            <a:off x="2147144" y="2052340"/>
+            <a:ext cx="0" cy="478656"/>
+          </a:xfrm>
+          <a:prstGeom prst="straightConnector1">
+            <a:avLst/>
+          </a:prstGeom>
+          <a:ln w="38100">
+            <a:solidFill>
+              <a:schemeClr val="accent6">
+                <a:lumMod val="75000"/>
+              </a:schemeClr>
+            </a:solidFill>
+            <a:tailEnd type="arrow"/>
+          </a:ln>
+        </p:spPr>
+        <p:style>
+          <a:lnRef idx="1">
+            <a:schemeClr val="accent1"/>
+          </a:lnRef>
+          <a:fillRef idx="0">
+            <a:schemeClr val="accent1"/>
+          </a:fillRef>
+          <a:effectRef idx="0">
+            <a:schemeClr val="accent1"/>
+          </a:effectRef>
+          <a:fontRef idx="minor">
+            <a:schemeClr val="tx1"/>
+          </a:fontRef>
+        </p:style>
+      </p:cxnSp>
+      <p:cxnSp>
+        <p:nvCxnSpPr>
+          <p:cNvPr id="28" name="27 Conector recto de flecha"/>
+          <p:cNvCxnSpPr>
+            <a:stCxn id="23" idx="4"/>
+            <a:endCxn id="18" idx="0"/>
+          </p:cNvCxnSpPr>
+          <p:nvPr/>
+        </p:nvCxnSpPr>
+        <p:spPr>
+          <a:xfrm>
+            <a:off x="2867224" y="2052340"/>
+            <a:ext cx="0" cy="478656"/>
+          </a:xfrm>
+          <a:prstGeom prst="straightConnector1">
+            <a:avLst/>
+          </a:prstGeom>
+          <a:ln w="38100">
+            <a:solidFill>
+              <a:schemeClr val="accent6">
+                <a:lumMod val="75000"/>
+              </a:schemeClr>
+            </a:solidFill>
+            <a:tailEnd type="arrow"/>
+          </a:ln>
+        </p:spPr>
+        <p:style>
+          <a:lnRef idx="1">
+            <a:schemeClr val="accent1"/>
+          </a:lnRef>
+          <a:fillRef idx="0">
+            <a:schemeClr val="accent1"/>
+          </a:fillRef>
+          <a:effectRef idx="0">
+            <a:schemeClr val="accent1"/>
+          </a:effectRef>
+          <a:fontRef idx="minor">
+            <a:schemeClr val="tx1"/>
+          </a:fontRef>
+        </p:style>
+      </p:cxnSp>
+      <p:cxnSp>
+        <p:nvCxnSpPr>
+          <p:cNvPr id="31" name="30 Conector recto de flecha"/>
+          <p:cNvCxnSpPr>
+            <a:stCxn id="24" idx="4"/>
+            <a:endCxn id="19" idx="0"/>
+          </p:cNvCxnSpPr>
+          <p:nvPr/>
+        </p:nvCxnSpPr>
+        <p:spPr>
+          <a:xfrm>
+            <a:off x="3587304" y="2052340"/>
+            <a:ext cx="0" cy="478656"/>
+          </a:xfrm>
+          <a:prstGeom prst="straightConnector1">
+            <a:avLst/>
+          </a:prstGeom>
+          <a:ln w="38100">
+            <a:solidFill>
+              <a:schemeClr val="accent6">
+                <a:lumMod val="75000"/>
+              </a:schemeClr>
+            </a:solidFill>
+            <a:tailEnd type="arrow"/>
+          </a:ln>
+        </p:spPr>
+        <p:style>
+          <a:lnRef idx="1">
+            <a:schemeClr val="accent1"/>
+          </a:lnRef>
+          <a:fillRef idx="0">
+            <a:schemeClr val="accent1"/>
+          </a:fillRef>
+          <a:effectRef idx="0">
+            <a:schemeClr val="accent1"/>
+          </a:effectRef>
+          <a:fontRef idx="minor">
+            <a:schemeClr val="tx1"/>
+          </a:fontRef>
+        </p:style>
+      </p:cxnSp>
+      <p:cxnSp>
+        <p:nvCxnSpPr>
+          <p:cNvPr id="34" name="33 Conector recto de flecha"/>
+          <p:cNvCxnSpPr>
+            <a:stCxn id="25" idx="4"/>
+            <a:endCxn id="20" idx="0"/>
+          </p:cNvCxnSpPr>
+          <p:nvPr/>
+        </p:nvCxnSpPr>
+        <p:spPr>
+          <a:xfrm>
+            <a:off x="4667424" y="2052340"/>
+            <a:ext cx="0" cy="478656"/>
+          </a:xfrm>
+          <a:prstGeom prst="straightConnector1">
+            <a:avLst/>
+          </a:prstGeom>
+          <a:ln w="38100">
+            <a:solidFill>
+              <a:schemeClr val="accent6">
+                <a:lumMod val="75000"/>
+              </a:schemeClr>
+            </a:solidFill>
+            <a:tailEnd type="arrow"/>
+          </a:ln>
+        </p:spPr>
+        <p:style>
+          <a:lnRef idx="1">
+            <a:schemeClr val="accent1"/>
+          </a:lnRef>
+          <a:fillRef idx="0">
+            <a:schemeClr val="accent1"/>
+          </a:fillRef>
+          <a:effectRef idx="0">
+            <a:schemeClr val="accent1"/>
+          </a:effectRef>
+          <a:fontRef idx="minor">
+            <a:schemeClr val="tx1"/>
+          </a:fontRef>
+        </p:style>
+      </p:cxnSp>
+      <p:sp>
+        <p:nvSpPr>
+          <p:cNvPr id="38" name="TextBox 3"/>
+          <p:cNvSpPr txBox="1"/>
+          <p:nvPr/>
+        </p:nvSpPr>
+        <p:spPr>
+          <a:xfrm>
+            <a:off x="5207484" y="1729616"/>
+            <a:ext cx="2448272" cy="369332"/>
+          </a:xfrm>
+          <a:prstGeom prst="rect">
+            <a:avLst/>
+          </a:prstGeom>
+          <a:noFill/>
+        </p:spPr>
+        <p:txBody>
+          <a:bodyPr wrap="square" rtlCol="0">
+            <a:spAutoFit/>
+          </a:bodyPr>
+          <a:lstStyle/>
+          <a:p>
+            <a:r>
+              <a:rPr lang="en-US" dirty="0" smtClean="0"/>
+              <a:t>Time = </a:t>
+            </a:r>
+            <a:r>
+              <a:rPr lang="en-US" i="1" dirty="0" smtClean="0"/>
+              <a:t>t</a:t>
+            </a:r>
+            <a:r>
+              <a:rPr lang="en-US" dirty="0" smtClean="0"/>
+              <a:t> - </a:t>
+            </a:r>
+            <a:r>
+              <a:rPr lang="en-US" i="1" dirty="0" smtClean="0"/>
+              <a:t>p</a:t>
+            </a:r>
+            <a:r>
+              <a:rPr lang="en-US" dirty="0" smtClean="0"/>
+              <a:t> … </a:t>
+            </a:r>
+            <a:r>
+              <a:rPr lang="en-US" i="1" dirty="0" smtClean="0"/>
+              <a:t>t</a:t>
+            </a:r>
+            <a:r>
+              <a:rPr lang="en-US" dirty="0" smtClean="0"/>
+              <a:t> - 1</a:t>
+            </a:r>
+            <a:endParaRPr lang="en-US" dirty="0"/>
+          </a:p>
+        </p:txBody>
+      </p:sp>
+      <p:sp>
+        <p:nvSpPr>
+          <p:cNvPr id="39" name="TextBox 3"/>
+          <p:cNvSpPr txBox="1"/>
+          <p:nvPr/>
+        </p:nvSpPr>
+        <p:spPr>
+          <a:xfrm>
+            <a:off x="5207484" y="2449696"/>
+            <a:ext cx="2448272" cy="369332"/>
+          </a:xfrm>
+          <a:prstGeom prst="rect">
+            <a:avLst/>
+          </a:prstGeom>
+          <a:noFill/>
+        </p:spPr>
+        <p:txBody>
+          <a:bodyPr wrap="square" rtlCol="0">
+            <a:spAutoFit/>
+          </a:bodyPr>
+          <a:lstStyle/>
+          <a:p>
+            <a:r>
+              <a:rPr lang="en-US" dirty="0" smtClean="0"/>
+              <a:t>Time = </a:t>
+            </a:r>
+            <a:r>
+              <a:rPr lang="en-US" i="1" dirty="0" smtClean="0"/>
+              <a:t>t</a:t>
+            </a:r>
+            <a:endParaRPr lang="en-US" i="1" dirty="0"/>
+          </a:p>
+        </p:txBody>
+      </p:sp>
+      <p:sp>
+        <p:nvSpPr>
+          <p:cNvPr id="40" name="TextBox 3"/>
+          <p:cNvSpPr txBox="1"/>
+          <p:nvPr/>
+        </p:nvSpPr>
+        <p:spPr>
+          <a:xfrm>
+            <a:off x="5211676" y="2737728"/>
+            <a:ext cx="2448272" cy="369332"/>
+          </a:xfrm>
+          <a:prstGeom prst="rect">
+            <a:avLst/>
+          </a:prstGeom>
+          <a:noFill/>
+        </p:spPr>
+        <p:txBody>
+          <a:bodyPr wrap="square" rtlCol="0">
+            <a:spAutoFit/>
+          </a:bodyPr>
+          <a:lstStyle/>
+          <a:p>
+            <a:r>
+              <a:rPr lang="en-US" dirty="0" smtClean="0"/>
+              <a:t>Cell = (</a:t>
+            </a:r>
+            <a:r>
+              <a:rPr lang="en-US" i="1" dirty="0" smtClean="0"/>
+              <a:t>x</a:t>
+            </a:r>
+            <a:r>
+              <a:rPr lang="en-US" dirty="0" smtClean="0"/>
+              <a:t>, </a:t>
+            </a:r>
+            <a:r>
+              <a:rPr lang="en-US" i="1" dirty="0" smtClean="0"/>
+              <a:t>y</a:t>
+            </a:r>
+            <a:r>
+              <a:rPr lang="en-US" dirty="0" smtClean="0"/>
+              <a:t>)</a:t>
+            </a:r>
+            <a:endParaRPr lang="en-US" dirty="0"/>
+          </a:p>
+        </p:txBody>
+      </p:sp>
+      <p:sp>
+        <p:nvSpPr>
+          <p:cNvPr id="42" name="TextBox 3"/>
+          <p:cNvSpPr txBox="1"/>
+          <p:nvPr/>
+        </p:nvSpPr>
+        <p:spPr>
+          <a:xfrm>
+            <a:off x="1738400" y="975628"/>
+            <a:ext cx="3333576" cy="369332"/>
+          </a:xfrm>
+          <a:prstGeom prst="rect">
+            <a:avLst/>
+          </a:prstGeom>
+          <a:noFill/>
+        </p:spPr>
+        <p:txBody>
+          <a:bodyPr wrap="square" rtlCol="0">
+            <a:spAutoFit/>
+          </a:bodyPr>
+          <a:lstStyle/>
+          <a:p>
+            <a:r>
+              <a:rPr lang="en-US" dirty="0" smtClean="0"/>
+              <a:t>Cell = (</a:t>
+            </a:r>
+            <a:r>
+              <a:rPr lang="en-US" i="1" dirty="0" smtClean="0"/>
+              <a:t>x - r … x </a:t>
+            </a:r>
+            <a:r>
+              <a:rPr lang="en-US" dirty="0" smtClean="0"/>
+              <a:t>+</a:t>
+            </a:r>
+            <a:r>
+              <a:rPr lang="en-US" i="1" dirty="0" smtClean="0"/>
+              <a:t> r</a:t>
+            </a:r>
+            <a:r>
+              <a:rPr lang="en-US" dirty="0" smtClean="0"/>
+              <a:t>, </a:t>
+            </a:r>
+            <a:r>
+              <a:rPr lang="en-US" i="1" dirty="0" smtClean="0"/>
+              <a:t>y - r … y </a:t>
+            </a:r>
+            <a:r>
+              <a:rPr lang="en-US" dirty="0" smtClean="0"/>
+              <a:t>+</a:t>
+            </a:r>
+            <a:r>
+              <a:rPr lang="en-US" i="1" dirty="0" smtClean="0"/>
+              <a:t> r</a:t>
+            </a:r>
+            <a:r>
+              <a:rPr lang="en-US" dirty="0" smtClean="0"/>
+              <a:t>)</a:t>
+            </a:r>
+            <a:endParaRPr lang="en-US" dirty="0"/>
+          </a:p>
+        </p:txBody>
+      </p:sp>
+      <p:sp>
+        <p:nvSpPr>
+          <p:cNvPr id="43" name="TextBox 3"/>
+          <p:cNvSpPr txBox="1"/>
+          <p:nvPr/>
+        </p:nvSpPr>
+        <p:spPr>
+          <a:xfrm>
+            <a:off x="1069238" y="937528"/>
+            <a:ext cx="444636" cy="461665"/>
+          </a:xfrm>
+          <a:prstGeom prst="rect">
+            <a:avLst/>
+          </a:prstGeom>
+          <a:noFill/>
+        </p:spPr>
+        <p:txBody>
+          <a:bodyPr wrap="square" rtlCol="0">
+            <a:spAutoFit/>
+          </a:bodyPr>
+          <a:lstStyle/>
+          <a:p>
+            <a:r>
+              <a:rPr lang="en-US" sz="2400" dirty="0" smtClean="0"/>
+              <a:t>a.</a:t>
+            </a:r>
+            <a:endParaRPr lang="en-US" sz="2400" dirty="0"/>
+          </a:p>
+        </p:txBody>
+      </p:sp>
+      <p:sp>
+        <p:nvSpPr>
+          <p:cNvPr id="44" name="TextBox 3"/>
+          <p:cNvSpPr txBox="1"/>
+          <p:nvPr/>
+        </p:nvSpPr>
+        <p:spPr>
+          <a:xfrm>
+            <a:off x="1069238" y="3284984"/>
+            <a:ext cx="444636" cy="461665"/>
+          </a:xfrm>
+          <a:prstGeom prst="rect">
+            <a:avLst/>
+          </a:prstGeom>
+          <a:noFill/>
+        </p:spPr>
+        <p:txBody>
+          <a:bodyPr wrap="square" rtlCol="0">
+            <a:spAutoFit/>
+          </a:bodyPr>
+          <a:lstStyle/>
+          <a:p>
+            <a:r>
+              <a:rPr lang="en-US" sz="2400" dirty="0"/>
+              <a:t>b</a:t>
+            </a:r>
+            <a:r>
+              <a:rPr lang="en-US" sz="2400" dirty="0" smtClean="0"/>
+              <a:t>.</a:t>
+            </a:r>
+            <a:endParaRPr lang="en-US" sz="2400" dirty="0"/>
+          </a:p>
+        </p:txBody>
+      </p:sp>
+      <p:sp>
+        <p:nvSpPr>
+          <p:cNvPr id="45" name="44 Rectángulo"/>
+          <p:cNvSpPr/>
+          <p:nvPr/>
+        </p:nvSpPr>
+        <p:spPr>
+          <a:xfrm>
+            <a:off x="1704492" y="3259336"/>
+            <a:ext cx="3430984" cy="1343536"/>
+          </a:xfrm>
+          <a:prstGeom prst="rect">
+            <a:avLst/>
+          </a:prstGeom>
+          <a:solidFill>
+            <a:schemeClr val="accent3">
+              <a:lumMod val="40000"/>
+              <a:lumOff val="60000"/>
+            </a:schemeClr>
+          </a:solidFill>
+          <a:ln>
+            <a:solidFill>
+              <a:schemeClr val="accent3"/>
+            </a:solidFill>
+          </a:ln>
+        </p:spPr>
+        <p:style>
+          <a:lnRef idx="2">
+            <a:schemeClr val="accent1">
+              <a:shade val="50000"/>
+            </a:schemeClr>
+          </a:lnRef>
+          <a:fillRef idx="1">
+            <a:schemeClr val="accent1"/>
+          </a:fillRef>
+          <a:effectRef idx="0">
+            <a:schemeClr val="accent1"/>
+          </a:effectRef>
+          <a:fontRef idx="minor">
+            <a:schemeClr val="lt1"/>
+          </a:fontRef>
+        </p:style>
+        <p:txBody>
+          <a:bodyPr rtlCol="0" anchor="ctr"/>
+          <a:lstStyle/>
+          <a:p>
+            <a:pPr algn="ctr"/>
+            <a:endParaRPr lang="es-MX"/>
+          </a:p>
+        </p:txBody>
+      </p:sp>
+      <p:sp>
+        <p:nvSpPr>
+          <p:cNvPr id="46" name="45 Rectángulo"/>
+          <p:cNvSpPr/>
+          <p:nvPr/>
+        </p:nvSpPr>
+        <p:spPr>
+          <a:xfrm>
+            <a:off x="1801900" y="3726076"/>
+            <a:ext cx="5349800" cy="792088"/>
+          </a:xfrm>
+          <a:prstGeom prst="rect">
+            <a:avLst/>
+          </a:prstGeom>
+          <a:solidFill>
+            <a:schemeClr val="accent2">
+              <a:lumMod val="60000"/>
+              <a:lumOff val="40000"/>
+              <a:alpha val="50000"/>
+            </a:schemeClr>
+          </a:solidFill>
+          <a:ln>
+            <a:solidFill>
+              <a:schemeClr val="accent2"/>
+            </a:solidFill>
+          </a:ln>
+        </p:spPr>
+        <p:style>
+          <a:lnRef idx="2">
+            <a:schemeClr val="accent1">
+              <a:shade val="50000"/>
+            </a:schemeClr>
+          </a:lnRef>
+          <a:fillRef idx="1">
+            <a:schemeClr val="accent1"/>
+          </a:fillRef>
+          <a:effectRef idx="0">
+            <a:schemeClr val="accent1"/>
+          </a:effectRef>
+          <a:fontRef idx="minor">
+            <a:schemeClr val="lt1"/>
+          </a:fontRef>
+        </p:style>
+        <p:txBody>
+          <a:bodyPr rtlCol="0" anchor="ctr"/>
+          <a:lstStyle/>
+          <a:p>
+            <a:pPr algn="ctr"/>
+            <a:endParaRPr lang="es-MX"/>
+          </a:p>
+        </p:txBody>
+      </p:sp>
+      <p:sp>
+        <p:nvSpPr>
+          <p:cNvPr id="47" name="46 Elipse"/>
+          <p:cNvSpPr/>
+          <p:nvPr/>
+        </p:nvSpPr>
+        <p:spPr>
+          <a:xfrm>
+            <a:off x="3335164" y="4870440"/>
+            <a:ext cx="504056" cy="504056"/>
+          </a:xfrm>
+          <a:prstGeom prst="ellipse">
+            <a:avLst/>
+          </a:prstGeom>
+        </p:spPr>
+        <p:style>
+          <a:lnRef idx="2">
+            <a:schemeClr val="accent1">
+              <a:shade val="50000"/>
+            </a:schemeClr>
+          </a:lnRef>
+          <a:fillRef idx="1">
+            <a:schemeClr val="accent1"/>
+          </a:fillRef>
+          <a:effectRef idx="0">
+            <a:schemeClr val="accent1"/>
+          </a:effectRef>
+          <a:fontRef idx="minor">
+            <a:schemeClr val="lt1"/>
+          </a:fontRef>
+        </p:style>
+        <p:txBody>
+          <a:bodyPr lIns="0" tIns="0" rIns="0" bIns="0" rtlCol="0" anchor="ctr"/>
+          <a:lstStyle/>
+          <a:p>
+            <a:pPr algn="ctr"/>
+            <a:r>
+              <a:rPr lang="es-CO" i="1" dirty="0" smtClean="0"/>
+              <a:t>X</a:t>
+            </a:r>
+            <a:r>
+              <a:rPr lang="es-CO" baseline="-25000" dirty="0" smtClean="0"/>
+              <a:t>i</a:t>
+            </a:r>
+            <a:endParaRPr lang="es-MX" baseline="-25000" dirty="0"/>
+          </a:p>
+        </p:txBody>
+      </p:sp>
+      <p:sp>
+        <p:nvSpPr>
+          <p:cNvPr id="52" name="51 Elipse"/>
+          <p:cNvSpPr/>
+          <p:nvPr/>
+        </p:nvSpPr>
+        <p:spPr>
+          <a:xfrm>
+            <a:off x="1895116" y="3870092"/>
+            <a:ext cx="504056" cy="504056"/>
+          </a:xfrm>
+          <a:prstGeom prst="ellipse">
+            <a:avLst/>
+          </a:prstGeom>
+          <a:solidFill>
+            <a:schemeClr val="accent6"/>
+          </a:solidFill>
+          <a:ln>
+            <a:solidFill>
+              <a:schemeClr val="accent6">
+                <a:lumMod val="50000"/>
+              </a:schemeClr>
+            </a:solidFill>
+          </a:ln>
+        </p:spPr>
+        <p:style>
+          <a:lnRef idx="2">
+            <a:schemeClr val="accent1">
+              <a:shade val="50000"/>
+            </a:schemeClr>
+          </a:lnRef>
+          <a:fillRef idx="1">
+            <a:schemeClr val="accent1"/>
+          </a:fillRef>
+          <a:effectRef idx="0">
+            <a:schemeClr val="accent1"/>
+          </a:effectRef>
+          <a:fontRef idx="minor">
+            <a:schemeClr val="lt1"/>
+          </a:fontRef>
+        </p:style>
+        <p:txBody>
+          <a:bodyPr lIns="0" tIns="0" rIns="0" bIns="0" rtlCol="0" anchor="ctr"/>
+          <a:lstStyle/>
+          <a:p>
+            <a:pPr algn="ctr"/>
+            <a:r>
+              <a:rPr lang="es-CO" i="1" dirty="0" smtClean="0"/>
+              <a:t>X</a:t>
+            </a:r>
+            <a:r>
+              <a:rPr lang="es-CO" baseline="-25000" dirty="0" smtClean="0"/>
+              <a:t>1</a:t>
+            </a:r>
+            <a:endParaRPr lang="es-MX" baseline="-25000" dirty="0"/>
+          </a:p>
+        </p:txBody>
+      </p:sp>
+      <p:sp>
+        <p:nvSpPr>
+          <p:cNvPr id="54" name="53 Elipse"/>
+          <p:cNvSpPr/>
+          <p:nvPr/>
+        </p:nvSpPr>
+        <p:spPr>
+          <a:xfrm>
+            <a:off x="3335276" y="3870092"/>
+            <a:ext cx="504056" cy="504056"/>
+          </a:xfrm>
+          <a:prstGeom prst="ellipse">
+            <a:avLst/>
+          </a:prstGeom>
+          <a:solidFill>
+            <a:schemeClr val="accent6"/>
+          </a:solidFill>
+          <a:ln>
+            <a:solidFill>
+              <a:schemeClr val="accent6">
+                <a:lumMod val="50000"/>
+              </a:schemeClr>
+            </a:solidFill>
+          </a:ln>
+        </p:spPr>
+        <p:style>
+          <a:lnRef idx="2">
+            <a:schemeClr val="accent1">
+              <a:shade val="50000"/>
+            </a:schemeClr>
+          </a:lnRef>
+          <a:fillRef idx="1">
+            <a:schemeClr val="accent1"/>
+          </a:fillRef>
+          <a:effectRef idx="0">
+            <a:schemeClr val="accent1"/>
+          </a:effectRef>
+          <a:fontRef idx="minor">
+            <a:schemeClr val="lt1"/>
+          </a:fontRef>
+        </p:style>
+        <p:txBody>
+          <a:bodyPr lIns="0" tIns="0" rIns="0" bIns="0" rtlCol="0" anchor="ctr"/>
+          <a:lstStyle/>
+          <a:p>
+            <a:pPr algn="ctr"/>
+            <a:r>
+              <a:rPr lang="es-CO" i="1" dirty="0" smtClean="0"/>
+              <a:t>X</a:t>
+            </a:r>
+            <a:r>
+              <a:rPr lang="es-CO" baseline="-25000" dirty="0" smtClean="0"/>
+              <a:t>3</a:t>
+            </a:r>
+            <a:endParaRPr lang="es-MX" baseline="-25000" dirty="0"/>
+          </a:p>
+        </p:txBody>
+      </p:sp>
+      <p:sp>
+        <p:nvSpPr>
+          <p:cNvPr id="55" name="54 Elipse"/>
+          <p:cNvSpPr/>
+          <p:nvPr/>
+        </p:nvSpPr>
+        <p:spPr>
+          <a:xfrm>
+            <a:off x="4415396" y="3870092"/>
+            <a:ext cx="504056" cy="504056"/>
+          </a:xfrm>
+          <a:prstGeom prst="ellipse">
+            <a:avLst/>
+          </a:prstGeom>
+          <a:solidFill>
+            <a:schemeClr val="accent6"/>
+          </a:solidFill>
+          <a:ln>
+            <a:solidFill>
+              <a:schemeClr val="accent6">
+                <a:lumMod val="50000"/>
+              </a:schemeClr>
+            </a:solidFill>
+          </a:ln>
+        </p:spPr>
+        <p:style>
+          <a:lnRef idx="2">
+            <a:schemeClr val="accent1">
+              <a:shade val="50000"/>
+            </a:schemeClr>
+          </a:lnRef>
+          <a:fillRef idx="1">
+            <a:schemeClr val="accent1"/>
+          </a:fillRef>
+          <a:effectRef idx="0">
+            <a:schemeClr val="accent1"/>
+          </a:effectRef>
+          <a:fontRef idx="minor">
+            <a:schemeClr val="lt1"/>
+          </a:fontRef>
+        </p:style>
+        <p:txBody>
+          <a:bodyPr lIns="0" tIns="0" rIns="0" bIns="0" rtlCol="0" anchor="ctr"/>
+          <a:lstStyle/>
+          <a:p>
+            <a:pPr algn="ctr"/>
+            <a:r>
+              <a:rPr lang="es-CO" i="1" dirty="0" err="1" smtClean="0"/>
+              <a:t>X</a:t>
+            </a:r>
+            <a:r>
+              <a:rPr lang="es-CO" baseline="-25000" dirty="0" err="1" smtClean="0"/>
+              <a:t>n</a:t>
+            </a:r>
+            <a:endParaRPr lang="es-MX" baseline="-25000" dirty="0"/>
+          </a:p>
+        </p:txBody>
+      </p:sp>
+      <p:sp>
+        <p:nvSpPr>
+          <p:cNvPr id="56" name="TextBox 11"/>
+          <p:cNvSpPr txBox="1"/>
+          <p:nvPr/>
+        </p:nvSpPr>
+        <p:spPr>
+          <a:xfrm>
+            <a:off x="3920181" y="3844692"/>
+            <a:ext cx="434171" cy="461665"/>
+          </a:xfrm>
+          <a:prstGeom prst="rect">
+            <a:avLst/>
+          </a:prstGeom>
+          <a:noFill/>
+        </p:spPr>
+        <p:txBody>
+          <a:bodyPr vert="horz" wrap="square" rtlCol="0">
+            <a:spAutoFit/>
+          </a:bodyPr>
+          <a:lstStyle/>
+          <a:p>
+            <a:pPr algn="ctr"/>
+            <a:r>
+              <a:rPr lang="en-US" sz="2400" b="1" dirty="0" smtClean="0">
+                <a:effectLst>
+                  <a:glow rad="76200">
+                    <a:schemeClr val="bg1">
+                      <a:alpha val="70000"/>
+                    </a:schemeClr>
+                  </a:glow>
+                </a:effectLst>
+                <a:ea typeface="Verdana" panose="020B0604030504040204" pitchFamily="34" charset="0"/>
+                <a:cs typeface="Verdana" panose="020B0604030504040204" pitchFamily="34" charset="0"/>
+              </a:rPr>
+              <a:t>…</a:t>
+            </a:r>
+            <a:endParaRPr lang="en-US" sz="2400" b="1" dirty="0">
+              <a:effectLst>
+                <a:glow rad="76200">
+                  <a:schemeClr val="bg1">
+                    <a:alpha val="70000"/>
+                  </a:schemeClr>
+                </a:glow>
+              </a:effectLst>
+              <a:ea typeface="Verdana" panose="020B0604030504040204" pitchFamily="34" charset="0"/>
+              <a:cs typeface="Verdana" panose="020B0604030504040204" pitchFamily="34" charset="0"/>
+            </a:endParaRPr>
+          </a:p>
+        </p:txBody>
+      </p:sp>
+      <p:cxnSp>
+        <p:nvCxnSpPr>
+          <p:cNvPr id="57" name="56 Conector recto de flecha"/>
+          <p:cNvCxnSpPr>
+            <a:stCxn id="52" idx="5"/>
+            <a:endCxn id="47" idx="1"/>
+          </p:cNvCxnSpPr>
+          <p:nvPr/>
+        </p:nvCxnSpPr>
+        <p:spPr>
+          <a:xfrm>
+            <a:off x="2325355" y="4300331"/>
+            <a:ext cx="1083626" cy="643926"/>
+          </a:xfrm>
+          <a:prstGeom prst="straightConnector1">
+            <a:avLst/>
+          </a:prstGeom>
+          <a:ln w="38100">
+            <a:solidFill>
+              <a:schemeClr val="accent6">
+                <a:lumMod val="75000"/>
+              </a:schemeClr>
+            </a:solidFill>
+            <a:tailEnd type="arrow"/>
+          </a:ln>
+        </p:spPr>
+        <p:style>
+          <a:lnRef idx="1">
+            <a:schemeClr val="accent1"/>
+          </a:lnRef>
+          <a:fillRef idx="0">
+            <a:schemeClr val="accent1"/>
+          </a:fillRef>
+          <a:effectRef idx="0">
+            <a:schemeClr val="accent1"/>
+          </a:effectRef>
+          <a:fontRef idx="minor">
+            <a:schemeClr val="tx1"/>
+          </a:fontRef>
+        </p:style>
+      </p:cxnSp>
+      <p:cxnSp>
+        <p:nvCxnSpPr>
+          <p:cNvPr id="58" name="57 Conector recto de flecha"/>
+          <p:cNvCxnSpPr>
+            <a:stCxn id="53" idx="1"/>
+            <a:endCxn id="47" idx="1"/>
+          </p:cNvCxnSpPr>
+          <p:nvPr/>
+        </p:nvCxnSpPr>
+        <p:spPr>
+          <a:xfrm>
+            <a:off x="2689013" y="3943909"/>
+            <a:ext cx="719968" cy="1000348"/>
+          </a:xfrm>
+          <a:prstGeom prst="straightConnector1">
+            <a:avLst/>
+          </a:prstGeom>
+          <a:ln w="38100">
+            <a:solidFill>
+              <a:schemeClr val="accent6">
+                <a:lumMod val="75000"/>
+              </a:schemeClr>
+            </a:solidFill>
+            <a:tailEnd type="arrow"/>
+          </a:ln>
+        </p:spPr>
+        <p:style>
+          <a:lnRef idx="1">
+            <a:schemeClr val="accent1"/>
+          </a:lnRef>
+          <a:fillRef idx="0">
+            <a:schemeClr val="accent1"/>
+          </a:fillRef>
+          <a:effectRef idx="0">
+            <a:schemeClr val="accent1"/>
+          </a:effectRef>
+          <a:fontRef idx="minor">
+            <a:schemeClr val="tx1"/>
+          </a:fontRef>
+        </p:style>
+      </p:cxnSp>
+      <p:cxnSp>
+        <p:nvCxnSpPr>
+          <p:cNvPr id="59" name="58 Conector recto de flecha"/>
+          <p:cNvCxnSpPr>
+            <a:stCxn id="54" idx="4"/>
+            <a:endCxn id="47" idx="0"/>
+          </p:cNvCxnSpPr>
+          <p:nvPr/>
+        </p:nvCxnSpPr>
+        <p:spPr>
+          <a:xfrm flipH="1">
+            <a:off x="3587192" y="4374148"/>
+            <a:ext cx="112" cy="496292"/>
+          </a:xfrm>
+          <a:prstGeom prst="straightConnector1">
+            <a:avLst/>
+          </a:prstGeom>
+          <a:ln w="38100">
+            <a:solidFill>
+              <a:schemeClr val="accent6">
+                <a:lumMod val="75000"/>
+              </a:schemeClr>
+            </a:solidFill>
+            <a:tailEnd type="arrow"/>
+          </a:ln>
+        </p:spPr>
+        <p:style>
+          <a:lnRef idx="1">
+            <a:schemeClr val="accent1"/>
+          </a:lnRef>
+          <a:fillRef idx="0">
+            <a:schemeClr val="accent1"/>
+          </a:fillRef>
+          <a:effectRef idx="0">
+            <a:schemeClr val="accent1"/>
+          </a:effectRef>
+          <a:fontRef idx="minor">
+            <a:schemeClr val="tx1"/>
+          </a:fontRef>
+        </p:style>
+      </p:cxnSp>
+      <p:cxnSp>
+        <p:nvCxnSpPr>
+          <p:cNvPr id="60" name="59 Conector recto de flecha"/>
+          <p:cNvCxnSpPr>
+            <a:stCxn id="55" idx="3"/>
+            <a:endCxn id="47" idx="7"/>
+          </p:cNvCxnSpPr>
+          <p:nvPr/>
+        </p:nvCxnSpPr>
+        <p:spPr>
+          <a:xfrm flipH="1">
+            <a:off x="3765403" y="4300331"/>
+            <a:ext cx="723810" cy="643926"/>
+          </a:xfrm>
+          <a:prstGeom prst="straightConnector1">
+            <a:avLst/>
+          </a:prstGeom>
+          <a:ln w="38100">
+            <a:solidFill>
+              <a:schemeClr val="accent6">
+                <a:lumMod val="75000"/>
+              </a:schemeClr>
+            </a:solidFill>
+            <a:tailEnd type="arrow"/>
+          </a:ln>
+        </p:spPr>
+        <p:style>
+          <a:lnRef idx="1">
+            <a:schemeClr val="accent1"/>
+          </a:lnRef>
+          <a:fillRef idx="0">
+            <a:schemeClr val="accent1"/>
+          </a:fillRef>
+          <a:effectRef idx="0">
+            <a:schemeClr val="accent1"/>
+          </a:effectRef>
+          <a:fontRef idx="minor">
+            <a:schemeClr val="tx1"/>
+          </a:fontRef>
+        </p:style>
+      </p:cxnSp>
+      <p:sp>
+        <p:nvSpPr>
+          <p:cNvPr id="61" name="TextBox 3"/>
+          <p:cNvSpPr txBox="1"/>
+          <p:nvPr/>
+        </p:nvSpPr>
+        <p:spPr>
+          <a:xfrm>
+            <a:off x="5207484" y="4051424"/>
+            <a:ext cx="2448272" cy="369332"/>
+          </a:xfrm>
+          <a:prstGeom prst="rect">
+            <a:avLst/>
+          </a:prstGeom>
+          <a:noFill/>
+        </p:spPr>
+        <p:txBody>
+          <a:bodyPr wrap="square" rtlCol="0">
+            <a:spAutoFit/>
+          </a:bodyPr>
+          <a:lstStyle/>
+          <a:p>
+            <a:r>
+              <a:rPr lang="en-US" dirty="0" smtClean="0"/>
+              <a:t>Time = </a:t>
+            </a:r>
+            <a:r>
+              <a:rPr lang="en-US" i="1" dirty="0" smtClean="0"/>
+              <a:t>t</a:t>
+            </a:r>
+            <a:r>
+              <a:rPr lang="en-US" dirty="0" smtClean="0"/>
+              <a:t> - </a:t>
+            </a:r>
+            <a:r>
+              <a:rPr lang="en-US" i="1" dirty="0" smtClean="0"/>
+              <a:t>p</a:t>
+            </a:r>
+            <a:r>
+              <a:rPr lang="en-US" dirty="0" smtClean="0"/>
+              <a:t> … </a:t>
+            </a:r>
+            <a:r>
+              <a:rPr lang="en-US" i="1" dirty="0" smtClean="0"/>
+              <a:t>t</a:t>
+            </a:r>
+            <a:r>
+              <a:rPr lang="en-US" dirty="0" smtClean="0"/>
+              <a:t> - 1</a:t>
+            </a:r>
+            <a:endParaRPr lang="en-US" dirty="0"/>
+          </a:p>
+        </p:txBody>
+      </p:sp>
+      <p:sp>
+        <p:nvSpPr>
+          <p:cNvPr id="62" name="TextBox 3"/>
+          <p:cNvSpPr txBox="1"/>
+          <p:nvPr/>
+        </p:nvSpPr>
+        <p:spPr>
+          <a:xfrm>
+            <a:off x="5207484" y="4771504"/>
+            <a:ext cx="2448272" cy="369332"/>
+          </a:xfrm>
+          <a:prstGeom prst="rect">
+            <a:avLst/>
+          </a:prstGeom>
+          <a:noFill/>
+        </p:spPr>
+        <p:txBody>
+          <a:bodyPr wrap="square" rtlCol="0">
+            <a:spAutoFit/>
+          </a:bodyPr>
+          <a:lstStyle/>
+          <a:p>
+            <a:r>
+              <a:rPr lang="en-US" dirty="0" smtClean="0"/>
+              <a:t>Time = </a:t>
+            </a:r>
+            <a:r>
+              <a:rPr lang="en-US" i="1" dirty="0" smtClean="0"/>
+              <a:t>t</a:t>
+            </a:r>
+            <a:endParaRPr lang="en-US" i="1" dirty="0"/>
+          </a:p>
+        </p:txBody>
+      </p:sp>
+      <p:sp>
+        <p:nvSpPr>
+          <p:cNvPr id="63" name="TextBox 3"/>
+          <p:cNvSpPr txBox="1"/>
+          <p:nvPr/>
+        </p:nvSpPr>
+        <p:spPr>
+          <a:xfrm>
+            <a:off x="5211676" y="5059536"/>
+            <a:ext cx="2448272" cy="369332"/>
+          </a:xfrm>
+          <a:prstGeom prst="rect">
+            <a:avLst/>
+          </a:prstGeom>
+          <a:noFill/>
+        </p:spPr>
+        <p:txBody>
+          <a:bodyPr wrap="square" rtlCol="0">
+            <a:spAutoFit/>
+          </a:bodyPr>
+          <a:lstStyle/>
+          <a:p>
+            <a:r>
+              <a:rPr lang="en-US" dirty="0" smtClean="0"/>
+              <a:t>Cell = (</a:t>
+            </a:r>
+            <a:r>
+              <a:rPr lang="en-US" i="1" dirty="0" smtClean="0"/>
+              <a:t>x</a:t>
+            </a:r>
+            <a:r>
+              <a:rPr lang="en-US" dirty="0" smtClean="0"/>
+              <a:t>, </a:t>
+            </a:r>
+            <a:r>
+              <a:rPr lang="en-US" i="1" dirty="0" smtClean="0"/>
+              <a:t>y</a:t>
+            </a:r>
+            <a:r>
+              <a:rPr lang="en-US" dirty="0" smtClean="0"/>
+              <a:t>)</a:t>
+            </a:r>
+            <a:endParaRPr lang="en-US" dirty="0"/>
+          </a:p>
+        </p:txBody>
+      </p:sp>
+      <p:sp>
+        <p:nvSpPr>
+          <p:cNvPr id="64" name="TextBox 3"/>
+          <p:cNvSpPr txBox="1"/>
+          <p:nvPr/>
+        </p:nvSpPr>
+        <p:spPr>
+          <a:xfrm>
+            <a:off x="1738400" y="3297436"/>
+            <a:ext cx="3333576" cy="369332"/>
+          </a:xfrm>
+          <a:prstGeom prst="rect">
+            <a:avLst/>
+          </a:prstGeom>
+          <a:noFill/>
+        </p:spPr>
+        <p:txBody>
+          <a:bodyPr wrap="square" rtlCol="0">
+            <a:spAutoFit/>
+          </a:bodyPr>
+          <a:lstStyle/>
+          <a:p>
+            <a:r>
+              <a:rPr lang="en-US" dirty="0" smtClean="0"/>
+              <a:t>Cell = (</a:t>
+            </a:r>
+            <a:r>
+              <a:rPr lang="en-US" i="1" dirty="0" smtClean="0"/>
+              <a:t>x - r … x </a:t>
+            </a:r>
+            <a:r>
+              <a:rPr lang="en-US" dirty="0" smtClean="0"/>
+              <a:t>+</a:t>
+            </a:r>
+            <a:r>
+              <a:rPr lang="en-US" i="1" dirty="0" smtClean="0"/>
+              <a:t> r</a:t>
+            </a:r>
+            <a:r>
+              <a:rPr lang="en-US" dirty="0" smtClean="0"/>
+              <a:t>, </a:t>
+            </a:r>
+            <a:r>
+              <a:rPr lang="en-US" i="1" dirty="0" smtClean="0"/>
+              <a:t>y - r … y </a:t>
+            </a:r>
+            <a:r>
+              <a:rPr lang="en-US" dirty="0" smtClean="0"/>
+              <a:t>+</a:t>
+            </a:r>
+            <a:r>
+              <a:rPr lang="en-US" i="1" dirty="0" smtClean="0"/>
+              <a:t> r</a:t>
+            </a:r>
+            <a:r>
+              <a:rPr lang="en-US" dirty="0" smtClean="0"/>
+              <a:t>)</a:t>
+            </a:r>
+            <a:endParaRPr lang="en-US" dirty="0"/>
+          </a:p>
+        </p:txBody>
+      </p:sp>
+      <p:sp>
+        <p:nvSpPr>
+          <p:cNvPr id="53" name="52 Elipse"/>
+          <p:cNvSpPr/>
+          <p:nvPr/>
+        </p:nvSpPr>
+        <p:spPr>
+          <a:xfrm>
+            <a:off x="2615196" y="3870092"/>
+            <a:ext cx="504056" cy="504056"/>
+          </a:xfrm>
+          <a:prstGeom prst="ellipse">
+            <a:avLst/>
+          </a:prstGeom>
+          <a:solidFill>
+            <a:schemeClr val="accent6"/>
+          </a:solidFill>
+          <a:ln>
+            <a:solidFill>
+              <a:schemeClr val="accent6">
+                <a:lumMod val="50000"/>
+              </a:schemeClr>
+            </a:solidFill>
+          </a:ln>
+        </p:spPr>
+        <p:style>
+          <a:lnRef idx="2">
+            <a:schemeClr val="accent1">
+              <a:shade val="50000"/>
+            </a:schemeClr>
+          </a:lnRef>
+          <a:fillRef idx="1">
+            <a:schemeClr val="accent1"/>
+          </a:fillRef>
+          <a:effectRef idx="0">
+            <a:schemeClr val="accent1"/>
+          </a:effectRef>
+          <a:fontRef idx="minor">
+            <a:schemeClr val="lt1"/>
+          </a:fontRef>
+        </p:style>
+        <p:txBody>
+          <a:bodyPr lIns="0" tIns="0" rIns="0" bIns="0" rtlCol="0" anchor="ctr"/>
+          <a:lstStyle/>
+          <a:p>
+            <a:pPr algn="ctr"/>
+            <a:r>
+              <a:rPr lang="es-CO" i="1" dirty="0" smtClean="0"/>
+              <a:t>X</a:t>
+            </a:r>
+            <a:r>
+              <a:rPr lang="es-CO" baseline="-25000" dirty="0" smtClean="0"/>
+              <a:t>2</a:t>
+            </a:r>
+            <a:endParaRPr lang="es-MX" baseline="-25000" dirty="0"/>
+          </a:p>
+        </p:txBody>
+      </p:sp>
+    </p:spTree>
+    <p:extLst>
+      <p:ext uri="{BB962C8B-B14F-4D97-AF65-F5344CB8AC3E}">
+        <p14:creationId xmlns:p14="http://schemas.microsoft.com/office/powerpoint/2010/main" val="282885580"/>
       </p:ext>
     </p:extLst>
   </p:cSld>

--- a/poster/Breakdown.pptx
+++ b/poster/Breakdown.pptx
@@ -12,6 +12,7 @@
     <p:sldId id="264" r:id="rId6"/>
     <p:sldId id="265" r:id="rId7"/>
     <p:sldId id="266" r:id="rId8"/>
+    <p:sldId id="267" r:id="rId9"/>
   </p:sldIdLst>
   <p:sldSz cx="9144000" cy="6858000" type="screen4x3"/>
   <p:notesSz cx="6858000" cy="9144000"/>
@@ -474,11 +475,11 @@
           <c:showPercent val="0"/>
           <c:showBubbleSize val="0"/>
         </c:dLbls>
-        <c:axId val="93592576"/>
-        <c:axId val="98760576"/>
+        <c:axId val="73345664"/>
+        <c:axId val="74105600"/>
       </c:scatterChart>
       <c:valAx>
-        <c:axId val="93592576"/>
+        <c:axId val="73345664"/>
         <c:scaling>
           <c:orientation val="minMax"/>
           <c:max val="40453"/>
@@ -523,14 +524,14 @@
         <c:majorTickMark val="none"/>
         <c:minorTickMark val="none"/>
         <c:tickLblPos val="nextTo"/>
-        <c:crossAx val="98760576"/>
+        <c:crossAx val="74105600"/>
         <c:crosses val="autoZero"/>
         <c:crossBetween val="midCat"/>
         <c:majorUnit val="0.25"/>
         <c:minorUnit val="8.3333333330000009E-2"/>
       </c:valAx>
       <c:valAx>
-        <c:axId val="98760576"/>
+        <c:axId val="74105600"/>
         <c:scaling>
           <c:orientation val="minMax"/>
         </c:scaling>
@@ -568,7 +569,7 @@
         <c:majorTickMark val="none"/>
         <c:minorTickMark val="none"/>
         <c:tickLblPos val="nextTo"/>
-        <c:crossAx val="93592576"/>
+        <c:crossAx val="73345664"/>
         <c:crosses val="autoZero"/>
         <c:crossBetween val="midCat"/>
       </c:valAx>
@@ -772,7 +773,7 @@
           <a:p>
             <a:fld id="{4ECC5B62-F377-4AE5-8F26-CB3E943C5A84}" type="datetimeFigureOut">
               <a:rPr lang="en-US" smtClean="0"/>
-              <a:t>12/2/2013</a:t>
+              <a:t>12/9/2013</a:t>
             </a:fld>
             <a:endParaRPr lang="en-US"/>
           </a:p>
@@ -942,7 +943,7 @@
           <a:p>
             <a:fld id="{4ECC5B62-F377-4AE5-8F26-CB3E943C5A84}" type="datetimeFigureOut">
               <a:rPr lang="en-US" smtClean="0"/>
-              <a:t>12/2/2013</a:t>
+              <a:t>12/9/2013</a:t>
             </a:fld>
             <a:endParaRPr lang="en-US"/>
           </a:p>
@@ -1122,7 +1123,7 @@
           <a:p>
             <a:fld id="{4ECC5B62-F377-4AE5-8F26-CB3E943C5A84}" type="datetimeFigureOut">
               <a:rPr lang="en-US" smtClean="0"/>
-              <a:t>12/2/2013</a:t>
+              <a:t>12/9/2013</a:t>
             </a:fld>
             <a:endParaRPr lang="en-US"/>
           </a:p>
@@ -1292,7 +1293,7 @@
           <a:p>
             <a:fld id="{4ECC5B62-F377-4AE5-8F26-CB3E943C5A84}" type="datetimeFigureOut">
               <a:rPr lang="en-US" smtClean="0"/>
-              <a:t>12/2/2013</a:t>
+              <a:t>12/9/2013</a:t>
             </a:fld>
             <a:endParaRPr lang="en-US"/>
           </a:p>
@@ -1538,7 +1539,7 @@
           <a:p>
             <a:fld id="{4ECC5B62-F377-4AE5-8F26-CB3E943C5A84}" type="datetimeFigureOut">
               <a:rPr lang="en-US" smtClean="0"/>
-              <a:t>12/2/2013</a:t>
+              <a:t>12/9/2013</a:t>
             </a:fld>
             <a:endParaRPr lang="en-US"/>
           </a:p>
@@ -1826,7 +1827,7 @@
           <a:p>
             <a:fld id="{4ECC5B62-F377-4AE5-8F26-CB3E943C5A84}" type="datetimeFigureOut">
               <a:rPr lang="en-US" smtClean="0"/>
-              <a:t>12/2/2013</a:t>
+              <a:t>12/9/2013</a:t>
             </a:fld>
             <a:endParaRPr lang="en-US"/>
           </a:p>
@@ -2248,7 +2249,7 @@
           <a:p>
             <a:fld id="{4ECC5B62-F377-4AE5-8F26-CB3E943C5A84}" type="datetimeFigureOut">
               <a:rPr lang="en-US" smtClean="0"/>
-              <a:t>12/2/2013</a:t>
+              <a:t>12/9/2013</a:t>
             </a:fld>
             <a:endParaRPr lang="en-US"/>
           </a:p>
@@ -2366,7 +2367,7 @@
           <a:p>
             <a:fld id="{4ECC5B62-F377-4AE5-8F26-CB3E943C5A84}" type="datetimeFigureOut">
               <a:rPr lang="en-US" smtClean="0"/>
-              <a:t>12/2/2013</a:t>
+              <a:t>12/9/2013</a:t>
             </a:fld>
             <a:endParaRPr lang="en-US"/>
           </a:p>
@@ -2461,7 +2462,7 @@
           <a:p>
             <a:fld id="{4ECC5B62-F377-4AE5-8F26-CB3E943C5A84}" type="datetimeFigureOut">
               <a:rPr lang="en-US" smtClean="0"/>
-              <a:t>12/2/2013</a:t>
+              <a:t>12/9/2013</a:t>
             </a:fld>
             <a:endParaRPr lang="en-US"/>
           </a:p>
@@ -2738,7 +2739,7 @@
           <a:p>
             <a:fld id="{4ECC5B62-F377-4AE5-8F26-CB3E943C5A84}" type="datetimeFigureOut">
               <a:rPr lang="en-US" smtClean="0"/>
-              <a:t>12/2/2013</a:t>
+              <a:t>12/9/2013</a:t>
             </a:fld>
             <a:endParaRPr lang="en-US"/>
           </a:p>
@@ -2991,7 +2992,7 @@
           <a:p>
             <a:fld id="{4ECC5B62-F377-4AE5-8F26-CB3E943C5A84}" type="datetimeFigureOut">
               <a:rPr lang="en-US" smtClean="0"/>
-              <a:t>12/2/2013</a:t>
+              <a:t>12/9/2013</a:t>
             </a:fld>
             <a:endParaRPr lang="en-US"/>
           </a:p>
@@ -3204,7 +3205,7 @@
           <a:p>
             <a:fld id="{4ECC5B62-F377-4AE5-8F26-CB3E943C5A84}" type="datetimeFigureOut">
               <a:rPr lang="en-US" smtClean="0"/>
-              <a:t>12/2/2013</a:t>
+              <a:t>12/9/2013</a:t>
             </a:fld>
             <a:endParaRPr lang="en-US"/>
           </a:p>
@@ -3699,11 +3700,7 @@
             </a:r>
             <a:r>
               <a:rPr lang="en-US" sz="2400" dirty="0" smtClean="0"/>
-              <a:t>estimated in </a:t>
-            </a:r>
-            <a:r>
-              <a:rPr lang="en-US" sz="2400" dirty="0" smtClean="0"/>
-              <a:t>most cases. Therefore, many researchers have turned their attention towards machine learning methods to create simplified models based on available </a:t>
+              <a:t>estimated in most cases. Therefore, many researchers have turned their attention towards machine learning methods to create simplified models based on available </a:t>
             </a:r>
             <a:r>
               <a:rPr lang="en-US" sz="2400" dirty="0"/>
@@ -3803,11 +3800,7 @@
             <a:pPr algn="just"/>
             <a:r>
               <a:rPr lang="en-US" sz="2400" dirty="0" smtClean="0"/>
-              <a:t>As opposed to measurements from weather stations, satellite observations offer total spatial coverage at the cost of reduced precision</a:t>
-            </a:r>
-            <a:r>
-              <a:rPr lang="en-US" sz="2400" dirty="0" smtClean="0"/>
-              <a:t>. Figure 1 shows samples from the North America Data Assimilation System (NLDAS) satellite-based observations available from the GES-DISC at NASA: values for the different meteorological variables are provided hourly for each cell within a regular grid.</a:t>
+              <a:t>As opposed to measurements from weather stations, satellite observations offer total spatial coverage at the cost of reduced precision. Figure 1 shows samples from the North America Data Assimilation System (NLDAS) satellite-based observations available from the GES-DISC at NASA: values for the different meteorological variables are provided hourly for each cell within a regular grid.</a:t>
             </a:r>
             <a:endParaRPr lang="en-US" sz="2400" dirty="0"/>
           </a:p>
@@ -4397,11 +4390,7 @@
             </a:r>
             <a:r>
               <a:rPr lang="en-US" sz="2400" dirty="0" smtClean="0"/>
-              <a:t>G</a:t>
-            </a:r>
-            <a:r>
-              <a:rPr lang="en-US" sz="2400" dirty="0" smtClean="0"/>
-              <a:t>ridded values for the weather variables are available every hour from NLDAS </a:t>
+              <a:t>Gridded values for the weather variables are available every hour from NLDAS </a:t>
             </a:r>
             <a:endParaRPr lang="en-US" sz="2400" dirty="0"/>
           </a:p>
@@ -4625,8 +4614,8 @@
           </a:p>
         </p:txBody>
       </p:sp>
-      <mc:AlternateContent xmlns:mc="http://schemas.openxmlformats.org/markup-compatibility/2006">
-        <mc:Choice xmlns:a14="http://schemas.microsoft.com/office/drawing/2010/main" Requires="a14">
+      <mc:AlternateContent xmlns:mc="http://schemas.openxmlformats.org/markup-compatibility/2006" xmlns:a14="http://schemas.microsoft.com/office/drawing/2010/main">
+        <mc:Choice Requires="a14">
           <p:sp>
             <p:nvSpPr>
               <p:cNvPr id="2" name="1 CuadroTexto"/>
@@ -4649,6 +4638,7 @@
               </a:bodyPr>
               <a:lstStyle/>
               <a:p>
+                <a:pPr/>
                 <a14:m>
                   <m:oMathPara xmlns:m="http://schemas.openxmlformats.org/officeDocument/2006/math">
                     <m:oMathParaPr>
@@ -4864,7 +4854,7 @@
             </p:txBody>
           </p:sp>
         </mc:Choice>
-        <mc:Fallback>
+        <mc:Fallback xmlns="">
           <p:sp>
             <p:nvSpPr>
               <p:cNvPr id="2" name="1 CuadroTexto"/>
@@ -4903,8 +4893,8 @@
           </p:sp>
         </mc:Fallback>
       </mc:AlternateContent>
-      <mc:AlternateContent xmlns:mc="http://schemas.openxmlformats.org/markup-compatibility/2006">
-        <mc:Choice xmlns:a14="http://schemas.microsoft.com/office/drawing/2010/main" Requires="a14">
+      <mc:AlternateContent xmlns:mc="http://schemas.openxmlformats.org/markup-compatibility/2006" xmlns:a14="http://schemas.microsoft.com/office/drawing/2010/main">
+        <mc:Choice Requires="a14">
           <p:sp>
             <p:nvSpPr>
               <p:cNvPr id="7" name="TextBox 3"/>
@@ -4994,7 +4984,7 @@
             </p:txBody>
           </p:sp>
         </mc:Choice>
-        <mc:Fallback>
+        <mc:Fallback xmlns="">
           <p:sp>
             <p:nvSpPr>
               <p:cNvPr id="7" name="TextBox 3"/>
@@ -7142,6 +7132,2007 @@
     <p:extLst>
       <p:ext uri="{BB962C8B-B14F-4D97-AF65-F5344CB8AC3E}">
         <p14:creationId xmlns:p14="http://schemas.microsoft.com/office/powerpoint/2010/main" val="282885580"/>
+      </p:ext>
+    </p:extLst>
+  </p:cSld>
+  <p:clrMapOvr>
+    <a:masterClrMapping/>
+  </p:clrMapOvr>
+</p:sld>
+</file>
+
+<file path=ppt/slides/slide8.xml><?xml version="1.0" encoding="utf-8"?>
+<p:sld xmlns:a="http://schemas.openxmlformats.org/drawingml/2006/main" xmlns:r="http://schemas.openxmlformats.org/officeDocument/2006/relationships" xmlns:p="http://schemas.openxmlformats.org/presentationml/2006/main">
+  <p:cSld>
+    <p:spTree>
+      <p:nvGrpSpPr>
+        <p:cNvPr id="1" name=""/>
+        <p:cNvGrpSpPr/>
+        <p:nvPr/>
+      </p:nvGrpSpPr>
+      <p:grpSpPr>
+        <a:xfrm>
+          <a:off x="0" y="0"/>
+          <a:ext cx="0" cy="0"/>
+          <a:chOff x="0" y="0"/>
+          <a:chExt cx="0" cy="0"/>
+        </a:xfrm>
+      </p:grpSpPr>
+      <p:sp>
+        <p:nvSpPr>
+          <p:cNvPr id="1028" name="1027 Rectángulo"/>
+          <p:cNvSpPr/>
+          <p:nvPr/>
+        </p:nvSpPr>
+        <p:spPr>
+          <a:xfrm>
+            <a:off x="1801900" y="1132592"/>
+            <a:ext cx="5349800" cy="792088"/>
+          </a:xfrm>
+          <a:prstGeom prst="rect">
+            <a:avLst/>
+          </a:prstGeom>
+          <a:solidFill>
+            <a:schemeClr val="accent2">
+              <a:lumMod val="60000"/>
+              <a:lumOff val="40000"/>
+              <a:alpha val="50000"/>
+            </a:schemeClr>
+          </a:solidFill>
+          <a:ln>
+            <a:solidFill>
+              <a:schemeClr val="accent2"/>
+            </a:solidFill>
+          </a:ln>
+        </p:spPr>
+        <p:style>
+          <a:lnRef idx="2">
+            <a:schemeClr val="accent1">
+              <a:shade val="50000"/>
+            </a:schemeClr>
+          </a:lnRef>
+          <a:fillRef idx="1">
+            <a:schemeClr val="accent1"/>
+          </a:fillRef>
+          <a:effectRef idx="0">
+            <a:schemeClr val="accent1"/>
+          </a:effectRef>
+          <a:fontRef idx="minor">
+            <a:schemeClr val="lt1"/>
+          </a:fontRef>
+        </p:style>
+        <p:txBody>
+          <a:bodyPr rtlCol="0" anchor="ctr"/>
+          <a:lstStyle/>
+          <a:p>
+            <a:pPr algn="ctr"/>
+            <a:endParaRPr lang="es-MX"/>
+          </a:p>
+        </p:txBody>
+      </p:sp>
+      <p:sp>
+        <p:nvSpPr>
+          <p:cNvPr id="5" name="4 Elipse"/>
+          <p:cNvSpPr/>
+          <p:nvPr/>
+        </p:nvSpPr>
+        <p:spPr>
+          <a:xfrm>
+            <a:off x="1895116" y="2259320"/>
+            <a:ext cx="504056" cy="504056"/>
+          </a:xfrm>
+          <a:prstGeom prst="ellipse">
+            <a:avLst/>
+          </a:prstGeom>
+        </p:spPr>
+        <p:style>
+          <a:lnRef idx="2">
+            <a:schemeClr val="accent1">
+              <a:shade val="50000"/>
+            </a:schemeClr>
+          </a:lnRef>
+          <a:fillRef idx="1">
+            <a:schemeClr val="accent1"/>
+          </a:fillRef>
+          <a:effectRef idx="0">
+            <a:schemeClr val="accent1"/>
+          </a:effectRef>
+          <a:fontRef idx="minor">
+            <a:schemeClr val="lt1"/>
+          </a:fontRef>
+        </p:style>
+        <p:txBody>
+          <a:bodyPr lIns="0" tIns="0" rIns="0" bIns="0" rtlCol="0" anchor="ctr"/>
+          <a:lstStyle/>
+          <a:p>
+            <a:pPr algn="ctr"/>
+            <a:r>
+              <a:rPr lang="es-CO" dirty="0" smtClean="0"/>
+              <a:t>X</a:t>
+            </a:r>
+            <a:r>
+              <a:rPr lang="es-CO" baseline="-25000" dirty="0" smtClean="0"/>
+              <a:t>1</a:t>
+            </a:r>
+            <a:endParaRPr lang="es-MX" baseline="-25000" dirty="0"/>
+          </a:p>
+        </p:txBody>
+      </p:sp>
+      <p:sp>
+        <p:nvSpPr>
+          <p:cNvPr id="18" name="17 Elipse"/>
+          <p:cNvSpPr/>
+          <p:nvPr/>
+        </p:nvSpPr>
+        <p:spPr>
+          <a:xfrm>
+            <a:off x="2615196" y="2259320"/>
+            <a:ext cx="504056" cy="504056"/>
+          </a:xfrm>
+          <a:prstGeom prst="ellipse">
+            <a:avLst/>
+          </a:prstGeom>
+        </p:spPr>
+        <p:style>
+          <a:lnRef idx="2">
+            <a:schemeClr val="accent1">
+              <a:shade val="50000"/>
+            </a:schemeClr>
+          </a:lnRef>
+          <a:fillRef idx="1">
+            <a:schemeClr val="accent1"/>
+          </a:fillRef>
+          <a:effectRef idx="0">
+            <a:schemeClr val="accent1"/>
+          </a:effectRef>
+          <a:fontRef idx="minor">
+            <a:schemeClr val="lt1"/>
+          </a:fontRef>
+        </p:style>
+        <p:txBody>
+          <a:bodyPr lIns="0" tIns="0" rIns="0" bIns="0" rtlCol="0" anchor="ctr"/>
+          <a:lstStyle/>
+          <a:p>
+            <a:pPr algn="ctr"/>
+            <a:r>
+              <a:rPr lang="es-CO" dirty="0" smtClean="0"/>
+              <a:t>X</a:t>
+            </a:r>
+            <a:r>
+              <a:rPr lang="es-CO" baseline="-25000" dirty="0" smtClean="0"/>
+              <a:t>2</a:t>
+            </a:r>
+            <a:endParaRPr lang="es-MX" baseline="-25000" dirty="0"/>
+          </a:p>
+        </p:txBody>
+      </p:sp>
+      <p:sp>
+        <p:nvSpPr>
+          <p:cNvPr id="19" name="18 Elipse"/>
+          <p:cNvSpPr/>
+          <p:nvPr/>
+        </p:nvSpPr>
+        <p:spPr>
+          <a:xfrm>
+            <a:off x="3335276" y="2259320"/>
+            <a:ext cx="504056" cy="504056"/>
+          </a:xfrm>
+          <a:prstGeom prst="ellipse">
+            <a:avLst/>
+          </a:prstGeom>
+        </p:spPr>
+        <p:style>
+          <a:lnRef idx="2">
+            <a:schemeClr val="accent1">
+              <a:shade val="50000"/>
+            </a:schemeClr>
+          </a:lnRef>
+          <a:fillRef idx="1">
+            <a:schemeClr val="accent1"/>
+          </a:fillRef>
+          <a:effectRef idx="0">
+            <a:schemeClr val="accent1"/>
+          </a:effectRef>
+          <a:fontRef idx="minor">
+            <a:schemeClr val="lt1"/>
+          </a:fontRef>
+        </p:style>
+        <p:txBody>
+          <a:bodyPr lIns="0" tIns="0" rIns="0" bIns="0" rtlCol="0" anchor="ctr"/>
+          <a:lstStyle/>
+          <a:p>
+            <a:pPr algn="ctr"/>
+            <a:r>
+              <a:rPr lang="es-CO" dirty="0" smtClean="0"/>
+              <a:t>X</a:t>
+            </a:r>
+            <a:r>
+              <a:rPr lang="es-CO" baseline="-25000" dirty="0" smtClean="0"/>
+              <a:t>3</a:t>
+            </a:r>
+            <a:endParaRPr lang="es-MX" baseline="-25000" dirty="0"/>
+          </a:p>
+        </p:txBody>
+      </p:sp>
+      <p:sp>
+        <p:nvSpPr>
+          <p:cNvPr id="20" name="19 Elipse"/>
+          <p:cNvSpPr/>
+          <p:nvPr/>
+        </p:nvSpPr>
+        <p:spPr>
+          <a:xfrm>
+            <a:off x="4415396" y="2259320"/>
+            <a:ext cx="504056" cy="504056"/>
+          </a:xfrm>
+          <a:prstGeom prst="ellipse">
+            <a:avLst/>
+          </a:prstGeom>
+        </p:spPr>
+        <p:style>
+          <a:lnRef idx="2">
+            <a:schemeClr val="accent1">
+              <a:shade val="50000"/>
+            </a:schemeClr>
+          </a:lnRef>
+          <a:fillRef idx="1">
+            <a:schemeClr val="accent1"/>
+          </a:fillRef>
+          <a:effectRef idx="0">
+            <a:schemeClr val="accent1"/>
+          </a:effectRef>
+          <a:fontRef idx="minor">
+            <a:schemeClr val="lt1"/>
+          </a:fontRef>
+        </p:style>
+        <p:txBody>
+          <a:bodyPr lIns="0" tIns="0" rIns="0" bIns="0" rtlCol="0" anchor="ctr"/>
+          <a:lstStyle/>
+          <a:p>
+            <a:pPr algn="ctr"/>
+            <a:r>
+              <a:rPr lang="es-CO" dirty="0" err="1" smtClean="0"/>
+              <a:t>X</a:t>
+            </a:r>
+            <a:r>
+              <a:rPr lang="es-CO" baseline="-25000" dirty="0" err="1" smtClean="0"/>
+              <a:t>n</a:t>
+            </a:r>
+            <a:endParaRPr lang="es-MX" baseline="-25000" dirty="0"/>
+          </a:p>
+        </p:txBody>
+      </p:sp>
+      <p:sp>
+        <p:nvSpPr>
+          <p:cNvPr id="21" name="TextBox 11"/>
+          <p:cNvSpPr txBox="1"/>
+          <p:nvPr/>
+        </p:nvSpPr>
+        <p:spPr>
+          <a:xfrm>
+            <a:off x="3920181" y="2233920"/>
+            <a:ext cx="434171" cy="461665"/>
+          </a:xfrm>
+          <a:prstGeom prst="rect">
+            <a:avLst/>
+          </a:prstGeom>
+          <a:noFill/>
+        </p:spPr>
+        <p:txBody>
+          <a:bodyPr vert="horz" wrap="square" rtlCol="0">
+            <a:spAutoFit/>
+          </a:bodyPr>
+          <a:lstStyle/>
+          <a:p>
+            <a:pPr algn="ctr"/>
+            <a:r>
+              <a:rPr lang="en-US" sz="2400" b="1" dirty="0" smtClean="0">
+                <a:effectLst>
+                  <a:glow rad="76200">
+                    <a:schemeClr val="bg1">
+                      <a:alpha val="70000"/>
+                    </a:schemeClr>
+                  </a:glow>
+                </a:effectLst>
+                <a:ea typeface="Verdana" panose="020B0604030504040204" pitchFamily="34" charset="0"/>
+                <a:cs typeface="Verdana" panose="020B0604030504040204" pitchFamily="34" charset="0"/>
+              </a:rPr>
+              <a:t>…</a:t>
+            </a:r>
+            <a:endParaRPr lang="en-US" sz="2400" b="1" dirty="0">
+              <a:effectLst>
+                <a:glow rad="76200">
+                  <a:schemeClr val="bg1">
+                    <a:alpha val="70000"/>
+                  </a:schemeClr>
+                </a:glow>
+              </a:effectLst>
+              <a:ea typeface="Verdana" panose="020B0604030504040204" pitchFamily="34" charset="0"/>
+              <a:cs typeface="Verdana" panose="020B0604030504040204" pitchFamily="34" charset="0"/>
+            </a:endParaRPr>
+          </a:p>
+        </p:txBody>
+      </p:sp>
+      <p:sp>
+        <p:nvSpPr>
+          <p:cNvPr id="22" name="21 Elipse"/>
+          <p:cNvSpPr/>
+          <p:nvPr/>
+        </p:nvSpPr>
+        <p:spPr>
+          <a:xfrm>
+            <a:off x="1895116" y="1276608"/>
+            <a:ext cx="504056" cy="504056"/>
+          </a:xfrm>
+          <a:prstGeom prst="ellipse">
+            <a:avLst/>
+          </a:prstGeom>
+          <a:solidFill>
+            <a:schemeClr val="accent6"/>
+          </a:solidFill>
+          <a:ln>
+            <a:solidFill>
+              <a:schemeClr val="accent6">
+                <a:lumMod val="50000"/>
+              </a:schemeClr>
+            </a:solidFill>
+          </a:ln>
+        </p:spPr>
+        <p:style>
+          <a:lnRef idx="2">
+            <a:schemeClr val="accent1">
+              <a:shade val="50000"/>
+            </a:schemeClr>
+          </a:lnRef>
+          <a:fillRef idx="1">
+            <a:schemeClr val="accent1"/>
+          </a:fillRef>
+          <a:effectRef idx="0">
+            <a:schemeClr val="accent1"/>
+          </a:effectRef>
+          <a:fontRef idx="minor">
+            <a:schemeClr val="lt1"/>
+          </a:fontRef>
+        </p:style>
+        <p:txBody>
+          <a:bodyPr lIns="0" tIns="0" rIns="0" bIns="0" rtlCol="0" anchor="ctr"/>
+          <a:lstStyle/>
+          <a:p>
+            <a:pPr algn="ctr"/>
+            <a:r>
+              <a:rPr lang="es-CO" i="1" dirty="0" smtClean="0"/>
+              <a:t>X</a:t>
+            </a:r>
+            <a:r>
+              <a:rPr lang="es-CO" baseline="-25000" dirty="0" smtClean="0"/>
+              <a:t>1</a:t>
+            </a:r>
+            <a:endParaRPr lang="es-MX" baseline="-25000" dirty="0"/>
+          </a:p>
+        </p:txBody>
+      </p:sp>
+      <p:sp>
+        <p:nvSpPr>
+          <p:cNvPr id="23" name="22 Elipse"/>
+          <p:cNvSpPr/>
+          <p:nvPr/>
+        </p:nvSpPr>
+        <p:spPr>
+          <a:xfrm>
+            <a:off x="2615196" y="1276608"/>
+            <a:ext cx="504056" cy="504056"/>
+          </a:xfrm>
+          <a:prstGeom prst="ellipse">
+            <a:avLst/>
+          </a:prstGeom>
+          <a:solidFill>
+            <a:schemeClr val="accent6"/>
+          </a:solidFill>
+          <a:ln>
+            <a:solidFill>
+              <a:schemeClr val="accent6">
+                <a:lumMod val="50000"/>
+              </a:schemeClr>
+            </a:solidFill>
+          </a:ln>
+        </p:spPr>
+        <p:style>
+          <a:lnRef idx="2">
+            <a:schemeClr val="accent1">
+              <a:shade val="50000"/>
+            </a:schemeClr>
+          </a:lnRef>
+          <a:fillRef idx="1">
+            <a:schemeClr val="accent1"/>
+          </a:fillRef>
+          <a:effectRef idx="0">
+            <a:schemeClr val="accent1"/>
+          </a:effectRef>
+          <a:fontRef idx="minor">
+            <a:schemeClr val="lt1"/>
+          </a:fontRef>
+        </p:style>
+        <p:txBody>
+          <a:bodyPr lIns="0" tIns="0" rIns="0" bIns="0" rtlCol="0" anchor="ctr"/>
+          <a:lstStyle/>
+          <a:p>
+            <a:pPr algn="ctr"/>
+            <a:r>
+              <a:rPr lang="es-CO" i="1" dirty="0" smtClean="0"/>
+              <a:t>X</a:t>
+            </a:r>
+            <a:r>
+              <a:rPr lang="es-CO" baseline="-25000" dirty="0" smtClean="0"/>
+              <a:t>2</a:t>
+            </a:r>
+            <a:endParaRPr lang="es-MX" baseline="-25000" dirty="0"/>
+          </a:p>
+        </p:txBody>
+      </p:sp>
+      <p:sp>
+        <p:nvSpPr>
+          <p:cNvPr id="24" name="23 Elipse"/>
+          <p:cNvSpPr/>
+          <p:nvPr/>
+        </p:nvSpPr>
+        <p:spPr>
+          <a:xfrm>
+            <a:off x="3335276" y="1276608"/>
+            <a:ext cx="504056" cy="504056"/>
+          </a:xfrm>
+          <a:prstGeom prst="ellipse">
+            <a:avLst/>
+          </a:prstGeom>
+          <a:solidFill>
+            <a:schemeClr val="accent6"/>
+          </a:solidFill>
+          <a:ln>
+            <a:solidFill>
+              <a:schemeClr val="accent6">
+                <a:lumMod val="50000"/>
+              </a:schemeClr>
+            </a:solidFill>
+          </a:ln>
+        </p:spPr>
+        <p:style>
+          <a:lnRef idx="2">
+            <a:schemeClr val="accent1">
+              <a:shade val="50000"/>
+            </a:schemeClr>
+          </a:lnRef>
+          <a:fillRef idx="1">
+            <a:schemeClr val="accent1"/>
+          </a:fillRef>
+          <a:effectRef idx="0">
+            <a:schemeClr val="accent1"/>
+          </a:effectRef>
+          <a:fontRef idx="minor">
+            <a:schemeClr val="lt1"/>
+          </a:fontRef>
+        </p:style>
+        <p:txBody>
+          <a:bodyPr lIns="0" tIns="0" rIns="0" bIns="0" rtlCol="0" anchor="ctr"/>
+          <a:lstStyle/>
+          <a:p>
+            <a:pPr algn="ctr"/>
+            <a:r>
+              <a:rPr lang="es-CO" i="1" dirty="0" smtClean="0"/>
+              <a:t>X</a:t>
+            </a:r>
+            <a:r>
+              <a:rPr lang="es-CO" baseline="-25000" dirty="0" smtClean="0"/>
+              <a:t>3</a:t>
+            </a:r>
+            <a:endParaRPr lang="es-MX" baseline="-25000" dirty="0"/>
+          </a:p>
+        </p:txBody>
+      </p:sp>
+      <p:sp>
+        <p:nvSpPr>
+          <p:cNvPr id="25" name="24 Elipse"/>
+          <p:cNvSpPr/>
+          <p:nvPr/>
+        </p:nvSpPr>
+        <p:spPr>
+          <a:xfrm>
+            <a:off x="4415396" y="1276608"/>
+            <a:ext cx="504056" cy="504056"/>
+          </a:xfrm>
+          <a:prstGeom prst="ellipse">
+            <a:avLst/>
+          </a:prstGeom>
+          <a:solidFill>
+            <a:schemeClr val="accent6"/>
+          </a:solidFill>
+          <a:ln>
+            <a:solidFill>
+              <a:schemeClr val="accent6">
+                <a:lumMod val="50000"/>
+              </a:schemeClr>
+            </a:solidFill>
+          </a:ln>
+        </p:spPr>
+        <p:style>
+          <a:lnRef idx="2">
+            <a:schemeClr val="accent1">
+              <a:shade val="50000"/>
+            </a:schemeClr>
+          </a:lnRef>
+          <a:fillRef idx="1">
+            <a:schemeClr val="accent1"/>
+          </a:fillRef>
+          <a:effectRef idx="0">
+            <a:schemeClr val="accent1"/>
+          </a:effectRef>
+          <a:fontRef idx="minor">
+            <a:schemeClr val="lt1"/>
+          </a:fontRef>
+        </p:style>
+        <p:txBody>
+          <a:bodyPr lIns="0" tIns="0" rIns="0" bIns="0" rtlCol="0" anchor="ctr"/>
+          <a:lstStyle/>
+          <a:p>
+            <a:pPr algn="ctr"/>
+            <a:r>
+              <a:rPr lang="es-CO" i="1" dirty="0" err="1" smtClean="0"/>
+              <a:t>X</a:t>
+            </a:r>
+            <a:r>
+              <a:rPr lang="es-CO" baseline="-25000" dirty="0" err="1" smtClean="0"/>
+              <a:t>n</a:t>
+            </a:r>
+            <a:endParaRPr lang="es-MX" baseline="-25000" dirty="0"/>
+          </a:p>
+        </p:txBody>
+      </p:sp>
+      <p:sp>
+        <p:nvSpPr>
+          <p:cNvPr id="26" name="TextBox 11"/>
+          <p:cNvSpPr txBox="1"/>
+          <p:nvPr/>
+        </p:nvSpPr>
+        <p:spPr>
+          <a:xfrm>
+            <a:off x="3920181" y="1251208"/>
+            <a:ext cx="434171" cy="461665"/>
+          </a:xfrm>
+          <a:prstGeom prst="rect">
+            <a:avLst/>
+          </a:prstGeom>
+          <a:noFill/>
+        </p:spPr>
+        <p:txBody>
+          <a:bodyPr vert="horz" wrap="square" rtlCol="0">
+            <a:spAutoFit/>
+          </a:bodyPr>
+          <a:lstStyle/>
+          <a:p>
+            <a:pPr algn="ctr"/>
+            <a:r>
+              <a:rPr lang="en-US" sz="2400" b="1" dirty="0" smtClean="0">
+                <a:effectLst>
+                  <a:glow rad="76200">
+                    <a:schemeClr val="bg1">
+                      <a:alpha val="70000"/>
+                    </a:schemeClr>
+                  </a:glow>
+                </a:effectLst>
+                <a:ea typeface="Verdana" panose="020B0604030504040204" pitchFamily="34" charset="0"/>
+                <a:cs typeface="Verdana" panose="020B0604030504040204" pitchFamily="34" charset="0"/>
+              </a:rPr>
+              <a:t>…</a:t>
+            </a:r>
+            <a:endParaRPr lang="en-US" sz="2400" b="1" dirty="0">
+              <a:effectLst>
+                <a:glow rad="76200">
+                  <a:schemeClr val="bg1">
+                    <a:alpha val="70000"/>
+                  </a:schemeClr>
+                </a:glow>
+              </a:effectLst>
+              <a:ea typeface="Verdana" panose="020B0604030504040204" pitchFamily="34" charset="0"/>
+              <a:cs typeface="Verdana" panose="020B0604030504040204" pitchFamily="34" charset="0"/>
+            </a:endParaRPr>
+          </a:p>
+        </p:txBody>
+      </p:sp>
+      <p:cxnSp>
+        <p:nvCxnSpPr>
+          <p:cNvPr id="14" name="13 Conector recto de flecha"/>
+          <p:cNvCxnSpPr>
+            <a:stCxn id="22" idx="4"/>
+            <a:endCxn id="5" idx="0"/>
+          </p:cNvCxnSpPr>
+          <p:nvPr/>
+        </p:nvCxnSpPr>
+        <p:spPr>
+          <a:xfrm>
+            <a:off x="2147144" y="1780664"/>
+            <a:ext cx="0" cy="478656"/>
+          </a:xfrm>
+          <a:prstGeom prst="straightConnector1">
+            <a:avLst/>
+          </a:prstGeom>
+          <a:ln w="38100">
+            <a:solidFill>
+              <a:schemeClr val="accent6">
+                <a:lumMod val="75000"/>
+              </a:schemeClr>
+            </a:solidFill>
+            <a:tailEnd type="arrow"/>
+          </a:ln>
+        </p:spPr>
+        <p:style>
+          <a:lnRef idx="1">
+            <a:schemeClr val="accent1"/>
+          </a:lnRef>
+          <a:fillRef idx="0">
+            <a:schemeClr val="accent1"/>
+          </a:fillRef>
+          <a:effectRef idx="0">
+            <a:schemeClr val="accent1"/>
+          </a:effectRef>
+          <a:fontRef idx="minor">
+            <a:schemeClr val="tx1"/>
+          </a:fontRef>
+        </p:style>
+      </p:cxnSp>
+      <p:cxnSp>
+        <p:nvCxnSpPr>
+          <p:cNvPr id="28" name="27 Conector recto de flecha"/>
+          <p:cNvCxnSpPr>
+            <a:stCxn id="23" idx="4"/>
+            <a:endCxn id="18" idx="0"/>
+          </p:cNvCxnSpPr>
+          <p:nvPr/>
+        </p:nvCxnSpPr>
+        <p:spPr>
+          <a:xfrm>
+            <a:off x="2867224" y="1780664"/>
+            <a:ext cx="0" cy="478656"/>
+          </a:xfrm>
+          <a:prstGeom prst="straightConnector1">
+            <a:avLst/>
+          </a:prstGeom>
+          <a:ln w="38100">
+            <a:solidFill>
+              <a:schemeClr val="accent6">
+                <a:lumMod val="75000"/>
+              </a:schemeClr>
+            </a:solidFill>
+            <a:tailEnd type="arrow"/>
+          </a:ln>
+        </p:spPr>
+        <p:style>
+          <a:lnRef idx="1">
+            <a:schemeClr val="accent1"/>
+          </a:lnRef>
+          <a:fillRef idx="0">
+            <a:schemeClr val="accent1"/>
+          </a:fillRef>
+          <a:effectRef idx="0">
+            <a:schemeClr val="accent1"/>
+          </a:effectRef>
+          <a:fontRef idx="minor">
+            <a:schemeClr val="tx1"/>
+          </a:fontRef>
+        </p:style>
+      </p:cxnSp>
+      <p:cxnSp>
+        <p:nvCxnSpPr>
+          <p:cNvPr id="31" name="30 Conector recto de flecha"/>
+          <p:cNvCxnSpPr>
+            <a:stCxn id="24" idx="4"/>
+            <a:endCxn id="19" idx="0"/>
+          </p:cNvCxnSpPr>
+          <p:nvPr/>
+        </p:nvCxnSpPr>
+        <p:spPr>
+          <a:xfrm>
+            <a:off x="3587304" y="1780664"/>
+            <a:ext cx="0" cy="478656"/>
+          </a:xfrm>
+          <a:prstGeom prst="straightConnector1">
+            <a:avLst/>
+          </a:prstGeom>
+          <a:ln w="38100">
+            <a:solidFill>
+              <a:schemeClr val="accent6">
+                <a:lumMod val="75000"/>
+              </a:schemeClr>
+            </a:solidFill>
+            <a:tailEnd type="arrow"/>
+          </a:ln>
+        </p:spPr>
+        <p:style>
+          <a:lnRef idx="1">
+            <a:schemeClr val="accent1"/>
+          </a:lnRef>
+          <a:fillRef idx="0">
+            <a:schemeClr val="accent1"/>
+          </a:fillRef>
+          <a:effectRef idx="0">
+            <a:schemeClr val="accent1"/>
+          </a:effectRef>
+          <a:fontRef idx="minor">
+            <a:schemeClr val="tx1"/>
+          </a:fontRef>
+        </p:style>
+      </p:cxnSp>
+      <p:cxnSp>
+        <p:nvCxnSpPr>
+          <p:cNvPr id="34" name="33 Conector recto de flecha"/>
+          <p:cNvCxnSpPr>
+            <a:stCxn id="25" idx="4"/>
+            <a:endCxn id="20" idx="0"/>
+          </p:cNvCxnSpPr>
+          <p:nvPr/>
+        </p:nvCxnSpPr>
+        <p:spPr>
+          <a:xfrm>
+            <a:off x="4667424" y="1780664"/>
+            <a:ext cx="0" cy="478656"/>
+          </a:xfrm>
+          <a:prstGeom prst="straightConnector1">
+            <a:avLst/>
+          </a:prstGeom>
+          <a:ln w="38100">
+            <a:solidFill>
+              <a:schemeClr val="accent6">
+                <a:lumMod val="75000"/>
+              </a:schemeClr>
+            </a:solidFill>
+            <a:tailEnd type="arrow"/>
+          </a:ln>
+        </p:spPr>
+        <p:style>
+          <a:lnRef idx="1">
+            <a:schemeClr val="accent1"/>
+          </a:lnRef>
+          <a:fillRef idx="0">
+            <a:schemeClr val="accent1"/>
+          </a:fillRef>
+          <a:effectRef idx="0">
+            <a:schemeClr val="accent1"/>
+          </a:effectRef>
+          <a:fontRef idx="minor">
+            <a:schemeClr val="tx1"/>
+          </a:fontRef>
+        </p:style>
+      </p:cxnSp>
+      <p:sp>
+        <p:nvSpPr>
+          <p:cNvPr id="38" name="TextBox 3"/>
+          <p:cNvSpPr txBox="1"/>
+          <p:nvPr/>
+        </p:nvSpPr>
+        <p:spPr>
+          <a:xfrm>
+            <a:off x="5207484" y="1173108"/>
+            <a:ext cx="2448272" cy="369332"/>
+          </a:xfrm>
+          <a:prstGeom prst="rect">
+            <a:avLst/>
+          </a:prstGeom>
+          <a:noFill/>
+        </p:spPr>
+        <p:txBody>
+          <a:bodyPr wrap="square" rtlCol="0">
+            <a:spAutoFit/>
+          </a:bodyPr>
+          <a:lstStyle/>
+          <a:p>
+            <a:r>
+              <a:rPr lang="en-US" dirty="0" smtClean="0"/>
+              <a:t>Time = </a:t>
+            </a:r>
+            <a:r>
+              <a:rPr lang="en-US" i="1" dirty="0" smtClean="0"/>
+              <a:t>t</a:t>
+            </a:r>
+            <a:r>
+              <a:rPr lang="en-US" dirty="0" smtClean="0"/>
+              <a:t> - </a:t>
+            </a:r>
+            <a:r>
+              <a:rPr lang="en-US" i="1" dirty="0" smtClean="0"/>
+              <a:t>p</a:t>
+            </a:r>
+            <a:r>
+              <a:rPr lang="en-US" dirty="0" smtClean="0"/>
+              <a:t> … </a:t>
+            </a:r>
+            <a:r>
+              <a:rPr lang="en-US" i="1" dirty="0" smtClean="0"/>
+              <a:t>t</a:t>
+            </a:r>
+            <a:r>
+              <a:rPr lang="en-US" dirty="0" smtClean="0"/>
+              <a:t> - 1</a:t>
+            </a:r>
+            <a:endParaRPr lang="en-US" dirty="0"/>
+          </a:p>
+        </p:txBody>
+      </p:sp>
+      <p:sp>
+        <p:nvSpPr>
+          <p:cNvPr id="39" name="TextBox 3"/>
+          <p:cNvSpPr txBox="1"/>
+          <p:nvPr/>
+        </p:nvSpPr>
+        <p:spPr>
+          <a:xfrm>
+            <a:off x="5207484" y="2178020"/>
+            <a:ext cx="2448272" cy="369332"/>
+          </a:xfrm>
+          <a:prstGeom prst="rect">
+            <a:avLst/>
+          </a:prstGeom>
+          <a:noFill/>
+        </p:spPr>
+        <p:txBody>
+          <a:bodyPr wrap="square" rtlCol="0">
+            <a:spAutoFit/>
+          </a:bodyPr>
+          <a:lstStyle/>
+          <a:p>
+            <a:r>
+              <a:rPr lang="en-US" dirty="0" smtClean="0"/>
+              <a:t>Time = </a:t>
+            </a:r>
+            <a:r>
+              <a:rPr lang="en-US" i="1" dirty="0" smtClean="0"/>
+              <a:t>t</a:t>
+            </a:r>
+            <a:endParaRPr lang="en-US" i="1" dirty="0"/>
+          </a:p>
+        </p:txBody>
+      </p:sp>
+      <p:sp>
+        <p:nvSpPr>
+          <p:cNvPr id="40" name="TextBox 3"/>
+          <p:cNvSpPr txBox="1"/>
+          <p:nvPr/>
+        </p:nvSpPr>
+        <p:spPr>
+          <a:xfrm>
+            <a:off x="5211676" y="2466052"/>
+            <a:ext cx="2448272" cy="369332"/>
+          </a:xfrm>
+          <a:prstGeom prst="rect">
+            <a:avLst/>
+          </a:prstGeom>
+          <a:noFill/>
+        </p:spPr>
+        <p:txBody>
+          <a:bodyPr wrap="square" rtlCol="0">
+            <a:spAutoFit/>
+          </a:bodyPr>
+          <a:lstStyle/>
+          <a:p>
+            <a:r>
+              <a:rPr lang="en-US" dirty="0" smtClean="0"/>
+              <a:t>Cell = (</a:t>
+            </a:r>
+            <a:r>
+              <a:rPr lang="en-US" i="1" dirty="0" smtClean="0"/>
+              <a:t>x</a:t>
+            </a:r>
+            <a:r>
+              <a:rPr lang="en-US" dirty="0" smtClean="0"/>
+              <a:t>, </a:t>
+            </a:r>
+            <a:r>
+              <a:rPr lang="en-US" i="1" dirty="0" smtClean="0"/>
+              <a:t>y</a:t>
+            </a:r>
+            <a:r>
+              <a:rPr lang="en-US" dirty="0" smtClean="0"/>
+              <a:t>)</a:t>
+            </a:r>
+            <a:endParaRPr lang="en-US" dirty="0"/>
+          </a:p>
+        </p:txBody>
+      </p:sp>
+      <p:sp>
+        <p:nvSpPr>
+          <p:cNvPr id="43" name="TextBox 3"/>
+          <p:cNvSpPr txBox="1"/>
+          <p:nvPr/>
+        </p:nvSpPr>
+        <p:spPr>
+          <a:xfrm>
+            <a:off x="1069238" y="937528"/>
+            <a:ext cx="444636" cy="461665"/>
+          </a:xfrm>
+          <a:prstGeom prst="rect">
+            <a:avLst/>
+          </a:prstGeom>
+          <a:noFill/>
+        </p:spPr>
+        <p:txBody>
+          <a:bodyPr wrap="square" rtlCol="0">
+            <a:spAutoFit/>
+          </a:bodyPr>
+          <a:lstStyle/>
+          <a:p>
+            <a:r>
+              <a:rPr lang="en-US" sz="2400" dirty="0" smtClean="0"/>
+              <a:t>a.</a:t>
+            </a:r>
+            <a:endParaRPr lang="en-US" sz="2400" dirty="0"/>
+          </a:p>
+        </p:txBody>
+      </p:sp>
+      <p:sp>
+        <p:nvSpPr>
+          <p:cNvPr id="44" name="TextBox 3"/>
+          <p:cNvSpPr txBox="1"/>
+          <p:nvPr/>
+        </p:nvSpPr>
+        <p:spPr>
+          <a:xfrm>
+            <a:off x="1069238" y="3284984"/>
+            <a:ext cx="444636" cy="461665"/>
+          </a:xfrm>
+          <a:prstGeom prst="rect">
+            <a:avLst/>
+          </a:prstGeom>
+          <a:noFill/>
+        </p:spPr>
+        <p:txBody>
+          <a:bodyPr wrap="square" rtlCol="0">
+            <a:spAutoFit/>
+          </a:bodyPr>
+          <a:lstStyle/>
+          <a:p>
+            <a:r>
+              <a:rPr lang="en-US" sz="2400" dirty="0"/>
+              <a:t>b</a:t>
+            </a:r>
+            <a:r>
+              <a:rPr lang="en-US" sz="2400" dirty="0" smtClean="0"/>
+              <a:t>.</a:t>
+            </a:r>
+            <a:endParaRPr lang="en-US" sz="2400" dirty="0"/>
+          </a:p>
+        </p:txBody>
+      </p:sp>
+      <p:sp>
+        <p:nvSpPr>
+          <p:cNvPr id="45" name="44 Rectángulo"/>
+          <p:cNvSpPr/>
+          <p:nvPr/>
+        </p:nvSpPr>
+        <p:spPr>
+          <a:xfrm>
+            <a:off x="1704492" y="2987660"/>
+            <a:ext cx="3430984" cy="1343536"/>
+          </a:xfrm>
+          <a:prstGeom prst="rect">
+            <a:avLst/>
+          </a:prstGeom>
+          <a:solidFill>
+            <a:schemeClr val="accent3">
+              <a:lumMod val="40000"/>
+              <a:lumOff val="60000"/>
+            </a:schemeClr>
+          </a:solidFill>
+          <a:ln>
+            <a:solidFill>
+              <a:schemeClr val="accent3"/>
+            </a:solidFill>
+          </a:ln>
+        </p:spPr>
+        <p:style>
+          <a:lnRef idx="2">
+            <a:schemeClr val="accent1">
+              <a:shade val="50000"/>
+            </a:schemeClr>
+          </a:lnRef>
+          <a:fillRef idx="1">
+            <a:schemeClr val="accent1"/>
+          </a:fillRef>
+          <a:effectRef idx="0">
+            <a:schemeClr val="accent1"/>
+          </a:effectRef>
+          <a:fontRef idx="minor">
+            <a:schemeClr val="lt1"/>
+          </a:fontRef>
+        </p:style>
+        <p:txBody>
+          <a:bodyPr rtlCol="0" anchor="ctr"/>
+          <a:lstStyle/>
+          <a:p>
+            <a:pPr algn="ctr"/>
+            <a:endParaRPr lang="es-MX"/>
+          </a:p>
+        </p:txBody>
+      </p:sp>
+      <p:sp>
+        <p:nvSpPr>
+          <p:cNvPr id="46" name="45 Rectángulo"/>
+          <p:cNvSpPr/>
+          <p:nvPr/>
+        </p:nvSpPr>
+        <p:spPr>
+          <a:xfrm>
+            <a:off x="1801900" y="3454400"/>
+            <a:ext cx="5349800" cy="792088"/>
+          </a:xfrm>
+          <a:prstGeom prst="rect">
+            <a:avLst/>
+          </a:prstGeom>
+          <a:solidFill>
+            <a:schemeClr val="accent2">
+              <a:lumMod val="60000"/>
+              <a:lumOff val="40000"/>
+              <a:alpha val="50000"/>
+            </a:schemeClr>
+          </a:solidFill>
+          <a:ln>
+            <a:solidFill>
+              <a:schemeClr val="accent2"/>
+            </a:solidFill>
+          </a:ln>
+        </p:spPr>
+        <p:style>
+          <a:lnRef idx="2">
+            <a:schemeClr val="accent1">
+              <a:shade val="50000"/>
+            </a:schemeClr>
+          </a:lnRef>
+          <a:fillRef idx="1">
+            <a:schemeClr val="accent1"/>
+          </a:fillRef>
+          <a:effectRef idx="0">
+            <a:schemeClr val="accent1"/>
+          </a:effectRef>
+          <a:fontRef idx="minor">
+            <a:schemeClr val="lt1"/>
+          </a:fontRef>
+        </p:style>
+        <p:txBody>
+          <a:bodyPr rtlCol="0" anchor="ctr"/>
+          <a:lstStyle/>
+          <a:p>
+            <a:pPr algn="ctr"/>
+            <a:endParaRPr lang="es-MX"/>
+          </a:p>
+        </p:txBody>
+      </p:sp>
+      <p:sp>
+        <p:nvSpPr>
+          <p:cNvPr id="56" name="TextBox 11"/>
+          <p:cNvSpPr txBox="1"/>
+          <p:nvPr/>
+        </p:nvSpPr>
+        <p:spPr>
+          <a:xfrm>
+            <a:off x="3920181" y="3573016"/>
+            <a:ext cx="434171" cy="461665"/>
+          </a:xfrm>
+          <a:prstGeom prst="rect">
+            <a:avLst/>
+          </a:prstGeom>
+          <a:noFill/>
+        </p:spPr>
+        <p:txBody>
+          <a:bodyPr vert="horz" wrap="square" rtlCol="0">
+            <a:spAutoFit/>
+          </a:bodyPr>
+          <a:lstStyle/>
+          <a:p>
+            <a:pPr algn="ctr"/>
+            <a:r>
+              <a:rPr lang="en-US" sz="2400" b="1" dirty="0" smtClean="0">
+                <a:effectLst>
+                  <a:glow rad="76200">
+                    <a:schemeClr val="bg1">
+                      <a:alpha val="70000"/>
+                    </a:schemeClr>
+                  </a:glow>
+                </a:effectLst>
+                <a:ea typeface="Verdana" panose="020B0604030504040204" pitchFamily="34" charset="0"/>
+                <a:cs typeface="Verdana" panose="020B0604030504040204" pitchFamily="34" charset="0"/>
+              </a:rPr>
+              <a:t>…</a:t>
+            </a:r>
+            <a:endParaRPr lang="en-US" sz="2400" b="1" dirty="0">
+              <a:effectLst>
+                <a:glow rad="76200">
+                  <a:schemeClr val="bg1">
+                    <a:alpha val="70000"/>
+                  </a:schemeClr>
+                </a:glow>
+              </a:effectLst>
+              <a:ea typeface="Verdana" panose="020B0604030504040204" pitchFamily="34" charset="0"/>
+              <a:cs typeface="Verdana" panose="020B0604030504040204" pitchFamily="34" charset="0"/>
+            </a:endParaRPr>
+          </a:p>
+        </p:txBody>
+      </p:sp>
+      <p:sp>
+        <p:nvSpPr>
+          <p:cNvPr id="61" name="TextBox 3"/>
+          <p:cNvSpPr txBox="1"/>
+          <p:nvPr/>
+        </p:nvSpPr>
+        <p:spPr>
+          <a:xfrm>
+            <a:off x="5207484" y="3779748"/>
+            <a:ext cx="2448272" cy="369332"/>
+          </a:xfrm>
+          <a:prstGeom prst="rect">
+            <a:avLst/>
+          </a:prstGeom>
+          <a:noFill/>
+        </p:spPr>
+        <p:txBody>
+          <a:bodyPr wrap="square" rtlCol="0">
+            <a:spAutoFit/>
+          </a:bodyPr>
+          <a:lstStyle/>
+          <a:p>
+            <a:r>
+              <a:rPr lang="en-US" dirty="0" smtClean="0"/>
+              <a:t>Time = </a:t>
+            </a:r>
+            <a:r>
+              <a:rPr lang="en-US" i="1" dirty="0" smtClean="0"/>
+              <a:t>t</a:t>
+            </a:r>
+            <a:r>
+              <a:rPr lang="en-US" dirty="0" smtClean="0"/>
+              <a:t> - </a:t>
+            </a:r>
+            <a:r>
+              <a:rPr lang="en-US" i="1" dirty="0" smtClean="0"/>
+              <a:t>p</a:t>
+            </a:r>
+            <a:r>
+              <a:rPr lang="en-US" dirty="0" smtClean="0"/>
+              <a:t> … </a:t>
+            </a:r>
+            <a:r>
+              <a:rPr lang="en-US" i="1" dirty="0" smtClean="0"/>
+              <a:t>t</a:t>
+            </a:r>
+            <a:r>
+              <a:rPr lang="en-US" dirty="0" smtClean="0"/>
+              <a:t> - 1</a:t>
+            </a:r>
+            <a:endParaRPr lang="en-US" dirty="0"/>
+          </a:p>
+        </p:txBody>
+      </p:sp>
+      <p:sp>
+        <p:nvSpPr>
+          <p:cNvPr id="62" name="TextBox 3"/>
+          <p:cNvSpPr txBox="1"/>
+          <p:nvPr/>
+        </p:nvSpPr>
+        <p:spPr>
+          <a:xfrm>
+            <a:off x="5207484" y="4499828"/>
+            <a:ext cx="2448272" cy="369332"/>
+          </a:xfrm>
+          <a:prstGeom prst="rect">
+            <a:avLst/>
+          </a:prstGeom>
+          <a:noFill/>
+        </p:spPr>
+        <p:txBody>
+          <a:bodyPr wrap="square" rtlCol="0">
+            <a:spAutoFit/>
+          </a:bodyPr>
+          <a:lstStyle/>
+          <a:p>
+            <a:r>
+              <a:rPr lang="en-US" dirty="0" smtClean="0"/>
+              <a:t>Time = </a:t>
+            </a:r>
+            <a:r>
+              <a:rPr lang="en-US" i="1" dirty="0" smtClean="0"/>
+              <a:t>t</a:t>
+            </a:r>
+            <a:endParaRPr lang="en-US" i="1" dirty="0"/>
+          </a:p>
+        </p:txBody>
+      </p:sp>
+      <p:sp>
+        <p:nvSpPr>
+          <p:cNvPr id="63" name="TextBox 3"/>
+          <p:cNvSpPr txBox="1"/>
+          <p:nvPr/>
+        </p:nvSpPr>
+        <p:spPr>
+          <a:xfrm>
+            <a:off x="5211676" y="4787860"/>
+            <a:ext cx="2448272" cy="369332"/>
+          </a:xfrm>
+          <a:prstGeom prst="rect">
+            <a:avLst/>
+          </a:prstGeom>
+          <a:noFill/>
+        </p:spPr>
+        <p:txBody>
+          <a:bodyPr wrap="square" rtlCol="0">
+            <a:spAutoFit/>
+          </a:bodyPr>
+          <a:lstStyle/>
+          <a:p>
+            <a:r>
+              <a:rPr lang="en-US" dirty="0" smtClean="0"/>
+              <a:t>Cell = (</a:t>
+            </a:r>
+            <a:r>
+              <a:rPr lang="en-US" i="1" dirty="0" smtClean="0"/>
+              <a:t>x</a:t>
+            </a:r>
+            <a:r>
+              <a:rPr lang="en-US" dirty="0" smtClean="0"/>
+              <a:t>, </a:t>
+            </a:r>
+            <a:r>
+              <a:rPr lang="en-US" i="1" dirty="0" smtClean="0"/>
+              <a:t>y</a:t>
+            </a:r>
+            <a:r>
+              <a:rPr lang="en-US" dirty="0" smtClean="0"/>
+              <a:t>)</a:t>
+            </a:r>
+            <a:endParaRPr lang="en-US" dirty="0"/>
+          </a:p>
+        </p:txBody>
+      </p:sp>
+      <p:sp>
+        <p:nvSpPr>
+          <p:cNvPr id="64" name="TextBox 3"/>
+          <p:cNvSpPr txBox="1"/>
+          <p:nvPr/>
+        </p:nvSpPr>
+        <p:spPr>
+          <a:xfrm>
+            <a:off x="1738400" y="3025760"/>
+            <a:ext cx="3333576" cy="369332"/>
+          </a:xfrm>
+          <a:prstGeom prst="rect">
+            <a:avLst/>
+          </a:prstGeom>
+          <a:noFill/>
+        </p:spPr>
+        <p:txBody>
+          <a:bodyPr wrap="square" rtlCol="0">
+            <a:spAutoFit/>
+          </a:bodyPr>
+          <a:lstStyle/>
+          <a:p>
+            <a:r>
+              <a:rPr lang="en-US" dirty="0" smtClean="0"/>
+              <a:t>Cell = (</a:t>
+            </a:r>
+            <a:r>
+              <a:rPr lang="en-US" i="1" dirty="0" smtClean="0"/>
+              <a:t>x - r … x </a:t>
+            </a:r>
+            <a:r>
+              <a:rPr lang="en-US" dirty="0" smtClean="0"/>
+              <a:t>+</a:t>
+            </a:r>
+            <a:r>
+              <a:rPr lang="en-US" i="1" dirty="0" smtClean="0"/>
+              <a:t> r</a:t>
+            </a:r>
+            <a:r>
+              <a:rPr lang="en-US" dirty="0" smtClean="0"/>
+              <a:t>, </a:t>
+            </a:r>
+            <a:r>
+              <a:rPr lang="en-US" i="1" dirty="0" smtClean="0"/>
+              <a:t>y - r … y </a:t>
+            </a:r>
+            <a:r>
+              <a:rPr lang="en-US" dirty="0" smtClean="0"/>
+              <a:t>+</a:t>
+            </a:r>
+            <a:r>
+              <a:rPr lang="en-US" i="1" dirty="0" smtClean="0"/>
+              <a:t> r</a:t>
+            </a:r>
+            <a:r>
+              <a:rPr lang="en-US" dirty="0" smtClean="0"/>
+              <a:t>)</a:t>
+            </a:r>
+            <a:endParaRPr lang="en-US" dirty="0"/>
+          </a:p>
+        </p:txBody>
+      </p:sp>
+      <p:sp>
+        <p:nvSpPr>
+          <p:cNvPr id="48" name="TextBox 3"/>
+          <p:cNvSpPr txBox="1"/>
+          <p:nvPr/>
+        </p:nvSpPr>
+        <p:spPr>
+          <a:xfrm>
+            <a:off x="5207484" y="1490424"/>
+            <a:ext cx="2448272" cy="369332"/>
+          </a:xfrm>
+          <a:prstGeom prst="rect">
+            <a:avLst/>
+          </a:prstGeom>
+          <a:noFill/>
+        </p:spPr>
+        <p:txBody>
+          <a:bodyPr wrap="square" rtlCol="0">
+            <a:spAutoFit/>
+          </a:bodyPr>
+          <a:lstStyle/>
+          <a:p>
+            <a:r>
+              <a:rPr lang="en-US" dirty="0" smtClean="0"/>
+              <a:t>Cell = (</a:t>
+            </a:r>
+            <a:r>
+              <a:rPr lang="en-US" i="1" dirty="0" smtClean="0"/>
+              <a:t>x</a:t>
+            </a:r>
+            <a:r>
+              <a:rPr lang="en-US" dirty="0" smtClean="0"/>
+              <a:t>, </a:t>
+            </a:r>
+            <a:r>
+              <a:rPr lang="en-US" i="1" dirty="0" smtClean="0"/>
+              <a:t>y</a:t>
+            </a:r>
+            <a:r>
+              <a:rPr lang="en-US" dirty="0" smtClean="0"/>
+              <a:t>)</a:t>
+            </a:r>
+            <a:endParaRPr lang="en-US" dirty="0"/>
+          </a:p>
+        </p:txBody>
+      </p:sp>
+      <p:sp>
+        <p:nvSpPr>
+          <p:cNvPr id="49" name="48 Elipse"/>
+          <p:cNvSpPr/>
+          <p:nvPr/>
+        </p:nvSpPr>
+        <p:spPr>
+          <a:xfrm>
+            <a:off x="1895116" y="4558888"/>
+            <a:ext cx="504056" cy="504056"/>
+          </a:xfrm>
+          <a:prstGeom prst="ellipse">
+            <a:avLst/>
+          </a:prstGeom>
+        </p:spPr>
+        <p:style>
+          <a:lnRef idx="2">
+            <a:schemeClr val="accent1">
+              <a:shade val="50000"/>
+            </a:schemeClr>
+          </a:lnRef>
+          <a:fillRef idx="1">
+            <a:schemeClr val="accent1"/>
+          </a:fillRef>
+          <a:effectRef idx="0">
+            <a:schemeClr val="accent1"/>
+          </a:effectRef>
+          <a:fontRef idx="minor">
+            <a:schemeClr val="lt1"/>
+          </a:fontRef>
+        </p:style>
+        <p:txBody>
+          <a:bodyPr lIns="0" tIns="0" rIns="0" bIns="0" rtlCol="0" anchor="ctr"/>
+          <a:lstStyle/>
+          <a:p>
+            <a:pPr algn="ctr"/>
+            <a:r>
+              <a:rPr lang="es-CO" dirty="0" smtClean="0"/>
+              <a:t>X</a:t>
+            </a:r>
+            <a:r>
+              <a:rPr lang="es-CO" baseline="-25000" dirty="0" smtClean="0"/>
+              <a:t>1</a:t>
+            </a:r>
+            <a:endParaRPr lang="es-MX" baseline="-25000" dirty="0"/>
+          </a:p>
+        </p:txBody>
+      </p:sp>
+      <p:sp>
+        <p:nvSpPr>
+          <p:cNvPr id="50" name="49 Elipse"/>
+          <p:cNvSpPr/>
+          <p:nvPr/>
+        </p:nvSpPr>
+        <p:spPr>
+          <a:xfrm>
+            <a:off x="2615196" y="4558888"/>
+            <a:ext cx="504056" cy="504056"/>
+          </a:xfrm>
+          <a:prstGeom prst="ellipse">
+            <a:avLst/>
+          </a:prstGeom>
+        </p:spPr>
+        <p:style>
+          <a:lnRef idx="2">
+            <a:schemeClr val="accent1">
+              <a:shade val="50000"/>
+            </a:schemeClr>
+          </a:lnRef>
+          <a:fillRef idx="1">
+            <a:schemeClr val="accent1"/>
+          </a:fillRef>
+          <a:effectRef idx="0">
+            <a:schemeClr val="accent1"/>
+          </a:effectRef>
+          <a:fontRef idx="minor">
+            <a:schemeClr val="lt1"/>
+          </a:fontRef>
+        </p:style>
+        <p:txBody>
+          <a:bodyPr lIns="0" tIns="0" rIns="0" bIns="0" rtlCol="0" anchor="ctr"/>
+          <a:lstStyle/>
+          <a:p>
+            <a:pPr algn="ctr"/>
+            <a:r>
+              <a:rPr lang="es-CO" dirty="0" smtClean="0"/>
+              <a:t>X</a:t>
+            </a:r>
+            <a:r>
+              <a:rPr lang="es-CO" baseline="-25000" dirty="0" smtClean="0"/>
+              <a:t>2</a:t>
+            </a:r>
+            <a:endParaRPr lang="es-MX" baseline="-25000" dirty="0"/>
+          </a:p>
+        </p:txBody>
+      </p:sp>
+      <p:sp>
+        <p:nvSpPr>
+          <p:cNvPr id="51" name="50 Elipse"/>
+          <p:cNvSpPr/>
+          <p:nvPr/>
+        </p:nvSpPr>
+        <p:spPr>
+          <a:xfrm>
+            <a:off x="3335276" y="4558888"/>
+            <a:ext cx="504056" cy="504056"/>
+          </a:xfrm>
+          <a:prstGeom prst="ellipse">
+            <a:avLst/>
+          </a:prstGeom>
+        </p:spPr>
+        <p:style>
+          <a:lnRef idx="2">
+            <a:schemeClr val="accent1">
+              <a:shade val="50000"/>
+            </a:schemeClr>
+          </a:lnRef>
+          <a:fillRef idx="1">
+            <a:schemeClr val="accent1"/>
+          </a:fillRef>
+          <a:effectRef idx="0">
+            <a:schemeClr val="accent1"/>
+          </a:effectRef>
+          <a:fontRef idx="minor">
+            <a:schemeClr val="lt1"/>
+          </a:fontRef>
+        </p:style>
+        <p:txBody>
+          <a:bodyPr lIns="0" tIns="0" rIns="0" bIns="0" rtlCol="0" anchor="ctr"/>
+          <a:lstStyle/>
+          <a:p>
+            <a:pPr algn="ctr"/>
+            <a:r>
+              <a:rPr lang="es-CO" dirty="0" smtClean="0"/>
+              <a:t>X</a:t>
+            </a:r>
+            <a:r>
+              <a:rPr lang="es-CO" baseline="-25000" dirty="0" smtClean="0"/>
+              <a:t>3</a:t>
+            </a:r>
+            <a:endParaRPr lang="es-MX" baseline="-25000" dirty="0"/>
+          </a:p>
+        </p:txBody>
+      </p:sp>
+      <p:sp>
+        <p:nvSpPr>
+          <p:cNvPr id="65" name="64 Elipse"/>
+          <p:cNvSpPr/>
+          <p:nvPr/>
+        </p:nvSpPr>
+        <p:spPr>
+          <a:xfrm>
+            <a:off x="4415396" y="4558888"/>
+            <a:ext cx="504056" cy="504056"/>
+          </a:xfrm>
+          <a:prstGeom prst="ellipse">
+            <a:avLst/>
+          </a:prstGeom>
+        </p:spPr>
+        <p:style>
+          <a:lnRef idx="2">
+            <a:schemeClr val="accent1">
+              <a:shade val="50000"/>
+            </a:schemeClr>
+          </a:lnRef>
+          <a:fillRef idx="1">
+            <a:schemeClr val="accent1"/>
+          </a:fillRef>
+          <a:effectRef idx="0">
+            <a:schemeClr val="accent1"/>
+          </a:effectRef>
+          <a:fontRef idx="minor">
+            <a:schemeClr val="lt1"/>
+          </a:fontRef>
+        </p:style>
+        <p:txBody>
+          <a:bodyPr lIns="0" tIns="0" rIns="0" bIns="0" rtlCol="0" anchor="ctr"/>
+          <a:lstStyle/>
+          <a:p>
+            <a:pPr algn="ctr"/>
+            <a:r>
+              <a:rPr lang="es-CO" dirty="0" err="1" smtClean="0"/>
+              <a:t>X</a:t>
+            </a:r>
+            <a:r>
+              <a:rPr lang="es-CO" baseline="-25000" dirty="0" err="1" smtClean="0"/>
+              <a:t>n</a:t>
+            </a:r>
+            <a:endParaRPr lang="es-MX" baseline="-25000" dirty="0"/>
+          </a:p>
+        </p:txBody>
+      </p:sp>
+      <p:sp>
+        <p:nvSpPr>
+          <p:cNvPr id="66" name="TextBox 11"/>
+          <p:cNvSpPr txBox="1"/>
+          <p:nvPr/>
+        </p:nvSpPr>
+        <p:spPr>
+          <a:xfrm>
+            <a:off x="3920181" y="4533488"/>
+            <a:ext cx="434171" cy="461665"/>
+          </a:xfrm>
+          <a:prstGeom prst="rect">
+            <a:avLst/>
+          </a:prstGeom>
+          <a:noFill/>
+        </p:spPr>
+        <p:txBody>
+          <a:bodyPr vert="horz" wrap="square" rtlCol="0">
+            <a:spAutoFit/>
+          </a:bodyPr>
+          <a:lstStyle/>
+          <a:p>
+            <a:pPr algn="ctr"/>
+            <a:r>
+              <a:rPr lang="en-US" sz="2400" b="1" dirty="0" smtClean="0">
+                <a:effectLst>
+                  <a:glow rad="76200">
+                    <a:schemeClr val="bg1">
+                      <a:alpha val="70000"/>
+                    </a:schemeClr>
+                  </a:glow>
+                </a:effectLst>
+                <a:ea typeface="Verdana" panose="020B0604030504040204" pitchFamily="34" charset="0"/>
+                <a:cs typeface="Verdana" panose="020B0604030504040204" pitchFamily="34" charset="0"/>
+              </a:rPr>
+              <a:t>…</a:t>
+            </a:r>
+            <a:endParaRPr lang="en-US" sz="2400" b="1" dirty="0">
+              <a:effectLst>
+                <a:glow rad="76200">
+                  <a:schemeClr val="bg1">
+                    <a:alpha val="70000"/>
+                  </a:schemeClr>
+                </a:glow>
+              </a:effectLst>
+              <a:ea typeface="Verdana" panose="020B0604030504040204" pitchFamily="34" charset="0"/>
+              <a:cs typeface="Verdana" panose="020B0604030504040204" pitchFamily="34" charset="0"/>
+            </a:endParaRPr>
+          </a:p>
+        </p:txBody>
+      </p:sp>
+      <p:cxnSp>
+        <p:nvCxnSpPr>
+          <p:cNvPr id="67" name="66 Conector recto de flecha"/>
+          <p:cNvCxnSpPr>
+            <a:endCxn id="49" idx="0"/>
+          </p:cNvCxnSpPr>
+          <p:nvPr/>
+        </p:nvCxnSpPr>
+        <p:spPr>
+          <a:xfrm>
+            <a:off x="2147144" y="4080232"/>
+            <a:ext cx="0" cy="478656"/>
+          </a:xfrm>
+          <a:prstGeom prst="straightConnector1">
+            <a:avLst/>
+          </a:prstGeom>
+          <a:ln w="38100">
+            <a:solidFill>
+              <a:schemeClr val="accent6">
+                <a:lumMod val="75000"/>
+              </a:schemeClr>
+            </a:solidFill>
+            <a:tailEnd type="arrow"/>
+          </a:ln>
+        </p:spPr>
+        <p:style>
+          <a:lnRef idx="1">
+            <a:schemeClr val="accent1"/>
+          </a:lnRef>
+          <a:fillRef idx="0">
+            <a:schemeClr val="accent1"/>
+          </a:fillRef>
+          <a:effectRef idx="0">
+            <a:schemeClr val="accent1"/>
+          </a:effectRef>
+          <a:fontRef idx="minor">
+            <a:schemeClr val="tx1"/>
+          </a:fontRef>
+        </p:style>
+      </p:cxnSp>
+      <p:cxnSp>
+        <p:nvCxnSpPr>
+          <p:cNvPr id="68" name="67 Conector recto de flecha"/>
+          <p:cNvCxnSpPr>
+            <a:endCxn id="50" idx="0"/>
+          </p:cNvCxnSpPr>
+          <p:nvPr/>
+        </p:nvCxnSpPr>
+        <p:spPr>
+          <a:xfrm>
+            <a:off x="2867224" y="4080232"/>
+            <a:ext cx="0" cy="478656"/>
+          </a:xfrm>
+          <a:prstGeom prst="straightConnector1">
+            <a:avLst/>
+          </a:prstGeom>
+          <a:ln w="38100">
+            <a:solidFill>
+              <a:schemeClr val="accent6">
+                <a:lumMod val="75000"/>
+              </a:schemeClr>
+            </a:solidFill>
+            <a:tailEnd type="arrow"/>
+          </a:ln>
+        </p:spPr>
+        <p:style>
+          <a:lnRef idx="1">
+            <a:schemeClr val="accent1"/>
+          </a:lnRef>
+          <a:fillRef idx="0">
+            <a:schemeClr val="accent1"/>
+          </a:fillRef>
+          <a:effectRef idx="0">
+            <a:schemeClr val="accent1"/>
+          </a:effectRef>
+          <a:fontRef idx="minor">
+            <a:schemeClr val="tx1"/>
+          </a:fontRef>
+        </p:style>
+      </p:cxnSp>
+      <p:cxnSp>
+        <p:nvCxnSpPr>
+          <p:cNvPr id="69" name="68 Conector recto de flecha"/>
+          <p:cNvCxnSpPr>
+            <a:endCxn id="51" idx="0"/>
+          </p:cNvCxnSpPr>
+          <p:nvPr/>
+        </p:nvCxnSpPr>
+        <p:spPr>
+          <a:xfrm>
+            <a:off x="3587304" y="4080232"/>
+            <a:ext cx="0" cy="478656"/>
+          </a:xfrm>
+          <a:prstGeom prst="straightConnector1">
+            <a:avLst/>
+          </a:prstGeom>
+          <a:ln w="38100">
+            <a:solidFill>
+              <a:schemeClr val="accent6">
+                <a:lumMod val="75000"/>
+              </a:schemeClr>
+            </a:solidFill>
+            <a:tailEnd type="arrow"/>
+          </a:ln>
+        </p:spPr>
+        <p:style>
+          <a:lnRef idx="1">
+            <a:schemeClr val="accent1"/>
+          </a:lnRef>
+          <a:fillRef idx="0">
+            <a:schemeClr val="accent1"/>
+          </a:fillRef>
+          <a:effectRef idx="0">
+            <a:schemeClr val="accent1"/>
+          </a:effectRef>
+          <a:fontRef idx="minor">
+            <a:schemeClr val="tx1"/>
+          </a:fontRef>
+        </p:style>
+      </p:cxnSp>
+      <p:cxnSp>
+        <p:nvCxnSpPr>
+          <p:cNvPr id="70" name="69 Conector recto de flecha"/>
+          <p:cNvCxnSpPr>
+            <a:endCxn id="65" idx="0"/>
+          </p:cNvCxnSpPr>
+          <p:nvPr/>
+        </p:nvCxnSpPr>
+        <p:spPr>
+          <a:xfrm>
+            <a:off x="4667424" y="4080232"/>
+            <a:ext cx="0" cy="478656"/>
+          </a:xfrm>
+          <a:prstGeom prst="straightConnector1">
+            <a:avLst/>
+          </a:prstGeom>
+          <a:ln w="38100">
+            <a:solidFill>
+              <a:schemeClr val="accent6">
+                <a:lumMod val="75000"/>
+              </a:schemeClr>
+            </a:solidFill>
+            <a:tailEnd type="arrow"/>
+          </a:ln>
+        </p:spPr>
+        <p:style>
+          <a:lnRef idx="1">
+            <a:schemeClr val="accent1"/>
+          </a:lnRef>
+          <a:fillRef idx="0">
+            <a:schemeClr val="accent1"/>
+          </a:fillRef>
+          <a:effectRef idx="0">
+            <a:schemeClr val="accent1"/>
+          </a:effectRef>
+          <a:fontRef idx="minor">
+            <a:schemeClr val="tx1"/>
+          </a:fontRef>
+        </p:style>
+      </p:cxnSp>
+      <p:sp>
+        <p:nvSpPr>
+          <p:cNvPr id="52" name="51 Elipse"/>
+          <p:cNvSpPr/>
+          <p:nvPr/>
+        </p:nvSpPr>
+        <p:spPr>
+          <a:xfrm>
+            <a:off x="1895116" y="3598416"/>
+            <a:ext cx="504056" cy="504056"/>
+          </a:xfrm>
+          <a:prstGeom prst="ellipse">
+            <a:avLst/>
+          </a:prstGeom>
+          <a:solidFill>
+            <a:schemeClr val="accent6"/>
+          </a:solidFill>
+          <a:ln>
+            <a:solidFill>
+              <a:schemeClr val="accent6">
+                <a:lumMod val="50000"/>
+              </a:schemeClr>
+            </a:solidFill>
+          </a:ln>
+        </p:spPr>
+        <p:style>
+          <a:lnRef idx="2">
+            <a:schemeClr val="accent1">
+              <a:shade val="50000"/>
+            </a:schemeClr>
+          </a:lnRef>
+          <a:fillRef idx="1">
+            <a:schemeClr val="accent1"/>
+          </a:fillRef>
+          <a:effectRef idx="0">
+            <a:schemeClr val="accent1"/>
+          </a:effectRef>
+          <a:fontRef idx="minor">
+            <a:schemeClr val="lt1"/>
+          </a:fontRef>
+        </p:style>
+        <p:txBody>
+          <a:bodyPr lIns="0" tIns="0" rIns="0" bIns="0" rtlCol="0" anchor="ctr"/>
+          <a:lstStyle/>
+          <a:p>
+            <a:pPr algn="ctr"/>
+            <a:r>
+              <a:rPr lang="es-CO" i="1" dirty="0" smtClean="0"/>
+              <a:t>X</a:t>
+            </a:r>
+            <a:r>
+              <a:rPr lang="es-CO" baseline="-25000" dirty="0" smtClean="0"/>
+              <a:t>1</a:t>
+            </a:r>
+            <a:endParaRPr lang="es-MX" baseline="-25000" dirty="0"/>
+          </a:p>
+        </p:txBody>
+      </p:sp>
+      <p:sp>
+        <p:nvSpPr>
+          <p:cNvPr id="54" name="53 Elipse"/>
+          <p:cNvSpPr/>
+          <p:nvPr/>
+        </p:nvSpPr>
+        <p:spPr>
+          <a:xfrm>
+            <a:off x="3335276" y="3598416"/>
+            <a:ext cx="504056" cy="504056"/>
+          </a:xfrm>
+          <a:prstGeom prst="ellipse">
+            <a:avLst/>
+          </a:prstGeom>
+          <a:solidFill>
+            <a:schemeClr val="accent6"/>
+          </a:solidFill>
+          <a:ln>
+            <a:solidFill>
+              <a:schemeClr val="accent6">
+                <a:lumMod val="50000"/>
+              </a:schemeClr>
+            </a:solidFill>
+          </a:ln>
+        </p:spPr>
+        <p:style>
+          <a:lnRef idx="2">
+            <a:schemeClr val="accent1">
+              <a:shade val="50000"/>
+            </a:schemeClr>
+          </a:lnRef>
+          <a:fillRef idx="1">
+            <a:schemeClr val="accent1"/>
+          </a:fillRef>
+          <a:effectRef idx="0">
+            <a:schemeClr val="accent1"/>
+          </a:effectRef>
+          <a:fontRef idx="minor">
+            <a:schemeClr val="lt1"/>
+          </a:fontRef>
+        </p:style>
+        <p:txBody>
+          <a:bodyPr lIns="0" tIns="0" rIns="0" bIns="0" rtlCol="0" anchor="ctr"/>
+          <a:lstStyle/>
+          <a:p>
+            <a:pPr algn="ctr"/>
+            <a:r>
+              <a:rPr lang="es-CO" i="1" dirty="0" smtClean="0"/>
+              <a:t>X</a:t>
+            </a:r>
+            <a:r>
+              <a:rPr lang="es-CO" baseline="-25000" dirty="0" smtClean="0"/>
+              <a:t>3</a:t>
+            </a:r>
+            <a:endParaRPr lang="es-MX" baseline="-25000" dirty="0"/>
+          </a:p>
+        </p:txBody>
+      </p:sp>
+      <p:sp>
+        <p:nvSpPr>
+          <p:cNvPr id="55" name="54 Elipse"/>
+          <p:cNvSpPr/>
+          <p:nvPr/>
+        </p:nvSpPr>
+        <p:spPr>
+          <a:xfrm>
+            <a:off x="4415396" y="3598416"/>
+            <a:ext cx="504056" cy="504056"/>
+          </a:xfrm>
+          <a:prstGeom prst="ellipse">
+            <a:avLst/>
+          </a:prstGeom>
+          <a:solidFill>
+            <a:schemeClr val="accent6"/>
+          </a:solidFill>
+          <a:ln>
+            <a:solidFill>
+              <a:schemeClr val="accent6">
+                <a:lumMod val="50000"/>
+              </a:schemeClr>
+            </a:solidFill>
+          </a:ln>
+        </p:spPr>
+        <p:style>
+          <a:lnRef idx="2">
+            <a:schemeClr val="accent1">
+              <a:shade val="50000"/>
+            </a:schemeClr>
+          </a:lnRef>
+          <a:fillRef idx="1">
+            <a:schemeClr val="accent1"/>
+          </a:fillRef>
+          <a:effectRef idx="0">
+            <a:schemeClr val="accent1"/>
+          </a:effectRef>
+          <a:fontRef idx="minor">
+            <a:schemeClr val="lt1"/>
+          </a:fontRef>
+        </p:style>
+        <p:txBody>
+          <a:bodyPr lIns="0" tIns="0" rIns="0" bIns="0" rtlCol="0" anchor="ctr"/>
+          <a:lstStyle/>
+          <a:p>
+            <a:pPr algn="ctr"/>
+            <a:r>
+              <a:rPr lang="es-CO" i="1" dirty="0" err="1" smtClean="0"/>
+              <a:t>X</a:t>
+            </a:r>
+            <a:r>
+              <a:rPr lang="es-CO" baseline="-25000" dirty="0" err="1" smtClean="0"/>
+              <a:t>n</a:t>
+            </a:r>
+            <a:endParaRPr lang="es-MX" baseline="-25000" dirty="0"/>
+          </a:p>
+        </p:txBody>
+      </p:sp>
+      <p:sp>
+        <p:nvSpPr>
+          <p:cNvPr id="53" name="52 Elipse"/>
+          <p:cNvSpPr/>
+          <p:nvPr/>
+        </p:nvSpPr>
+        <p:spPr>
+          <a:xfrm>
+            <a:off x="2615196" y="3598416"/>
+            <a:ext cx="504056" cy="504056"/>
+          </a:xfrm>
+          <a:prstGeom prst="ellipse">
+            <a:avLst/>
+          </a:prstGeom>
+          <a:solidFill>
+            <a:schemeClr val="accent6"/>
+          </a:solidFill>
+          <a:ln>
+            <a:solidFill>
+              <a:schemeClr val="accent6">
+                <a:lumMod val="50000"/>
+              </a:schemeClr>
+            </a:solidFill>
+          </a:ln>
+        </p:spPr>
+        <p:style>
+          <a:lnRef idx="2">
+            <a:schemeClr val="accent1">
+              <a:shade val="50000"/>
+            </a:schemeClr>
+          </a:lnRef>
+          <a:fillRef idx="1">
+            <a:schemeClr val="accent1"/>
+          </a:fillRef>
+          <a:effectRef idx="0">
+            <a:schemeClr val="accent1"/>
+          </a:effectRef>
+          <a:fontRef idx="minor">
+            <a:schemeClr val="lt1"/>
+          </a:fontRef>
+        </p:style>
+        <p:txBody>
+          <a:bodyPr lIns="0" tIns="0" rIns="0" bIns="0" rtlCol="0" anchor="ctr"/>
+          <a:lstStyle/>
+          <a:p>
+            <a:pPr algn="ctr"/>
+            <a:r>
+              <a:rPr lang="es-CO" i="1" dirty="0" smtClean="0"/>
+              <a:t>X</a:t>
+            </a:r>
+            <a:r>
+              <a:rPr lang="es-CO" baseline="-25000" dirty="0" smtClean="0"/>
+              <a:t>2</a:t>
+            </a:r>
+            <a:endParaRPr lang="es-MX" baseline="-25000" dirty="0"/>
+          </a:p>
+        </p:txBody>
+      </p:sp>
+    </p:spTree>
+    <p:extLst>
+      <p:ext uri="{BB962C8B-B14F-4D97-AF65-F5344CB8AC3E}">
+        <p14:creationId xmlns:p14="http://schemas.microsoft.com/office/powerpoint/2010/main" val="2144458794"/>
       </p:ext>
     </p:extLst>
   </p:cSld>

--- a/poster/Breakdown.pptx
+++ b/poster/Breakdown.pptx
@@ -13,6 +13,7 @@
     <p:sldId id="265" r:id="rId7"/>
     <p:sldId id="266" r:id="rId8"/>
     <p:sldId id="267" r:id="rId9"/>
+    <p:sldId id="268" r:id="rId10"/>
   </p:sldIdLst>
   <p:sldSz cx="9144000" cy="6858000" type="screen4x3"/>
   <p:notesSz cx="6858000" cy="9144000"/>
@@ -475,11 +476,11 @@
           <c:showPercent val="0"/>
           <c:showBubbleSize val="0"/>
         </c:dLbls>
-        <c:axId val="73345664"/>
-        <c:axId val="74105600"/>
+        <c:axId val="81828480"/>
+        <c:axId val="81842944"/>
       </c:scatterChart>
       <c:valAx>
-        <c:axId val="73345664"/>
+        <c:axId val="81828480"/>
         <c:scaling>
           <c:orientation val="minMax"/>
           <c:max val="40453"/>
@@ -524,14 +525,14 @@
         <c:majorTickMark val="none"/>
         <c:minorTickMark val="none"/>
         <c:tickLblPos val="nextTo"/>
-        <c:crossAx val="74105600"/>
+        <c:crossAx val="81842944"/>
         <c:crosses val="autoZero"/>
         <c:crossBetween val="midCat"/>
         <c:majorUnit val="0.25"/>
         <c:minorUnit val="8.3333333330000009E-2"/>
       </c:valAx>
       <c:valAx>
-        <c:axId val="74105600"/>
+        <c:axId val="81842944"/>
         <c:scaling>
           <c:orientation val="minMax"/>
         </c:scaling>
@@ -569,7 +570,7 @@
         <c:majorTickMark val="none"/>
         <c:minorTickMark val="none"/>
         <c:tickLblPos val="nextTo"/>
-        <c:crossAx val="73345664"/>
+        <c:crossAx val="81828480"/>
         <c:crosses val="autoZero"/>
         <c:crossBetween val="midCat"/>
       </c:valAx>
@@ -773,7 +774,7 @@
           <a:p>
             <a:fld id="{4ECC5B62-F377-4AE5-8F26-CB3E943C5A84}" type="datetimeFigureOut">
               <a:rPr lang="en-US" smtClean="0"/>
-              <a:t>12/9/2013</a:t>
+              <a:t>12/10/2013</a:t>
             </a:fld>
             <a:endParaRPr lang="en-US"/>
           </a:p>
@@ -943,7 +944,7 @@
           <a:p>
             <a:fld id="{4ECC5B62-F377-4AE5-8F26-CB3E943C5A84}" type="datetimeFigureOut">
               <a:rPr lang="en-US" smtClean="0"/>
-              <a:t>12/9/2013</a:t>
+              <a:t>12/10/2013</a:t>
             </a:fld>
             <a:endParaRPr lang="en-US"/>
           </a:p>
@@ -1123,7 +1124,7 @@
           <a:p>
             <a:fld id="{4ECC5B62-F377-4AE5-8F26-CB3E943C5A84}" type="datetimeFigureOut">
               <a:rPr lang="en-US" smtClean="0"/>
-              <a:t>12/9/2013</a:t>
+              <a:t>12/10/2013</a:t>
             </a:fld>
             <a:endParaRPr lang="en-US"/>
           </a:p>
@@ -1293,7 +1294,7 @@
           <a:p>
             <a:fld id="{4ECC5B62-F377-4AE5-8F26-CB3E943C5A84}" type="datetimeFigureOut">
               <a:rPr lang="en-US" smtClean="0"/>
-              <a:t>12/9/2013</a:t>
+              <a:t>12/10/2013</a:t>
             </a:fld>
             <a:endParaRPr lang="en-US"/>
           </a:p>
@@ -1539,7 +1540,7 @@
           <a:p>
             <a:fld id="{4ECC5B62-F377-4AE5-8F26-CB3E943C5A84}" type="datetimeFigureOut">
               <a:rPr lang="en-US" smtClean="0"/>
-              <a:t>12/9/2013</a:t>
+              <a:t>12/10/2013</a:t>
             </a:fld>
             <a:endParaRPr lang="en-US"/>
           </a:p>
@@ -1827,7 +1828,7 @@
           <a:p>
             <a:fld id="{4ECC5B62-F377-4AE5-8F26-CB3E943C5A84}" type="datetimeFigureOut">
               <a:rPr lang="en-US" smtClean="0"/>
-              <a:t>12/9/2013</a:t>
+              <a:t>12/10/2013</a:t>
             </a:fld>
             <a:endParaRPr lang="en-US"/>
           </a:p>
@@ -2249,7 +2250,7 @@
           <a:p>
             <a:fld id="{4ECC5B62-F377-4AE5-8F26-CB3E943C5A84}" type="datetimeFigureOut">
               <a:rPr lang="en-US" smtClean="0"/>
-              <a:t>12/9/2013</a:t>
+              <a:t>12/10/2013</a:t>
             </a:fld>
             <a:endParaRPr lang="en-US"/>
           </a:p>
@@ -2367,7 +2368,7 @@
           <a:p>
             <a:fld id="{4ECC5B62-F377-4AE5-8F26-CB3E943C5A84}" type="datetimeFigureOut">
               <a:rPr lang="en-US" smtClean="0"/>
-              <a:t>12/9/2013</a:t>
+              <a:t>12/10/2013</a:t>
             </a:fld>
             <a:endParaRPr lang="en-US"/>
           </a:p>
@@ -2462,7 +2463,7 @@
           <a:p>
             <a:fld id="{4ECC5B62-F377-4AE5-8F26-CB3E943C5A84}" type="datetimeFigureOut">
               <a:rPr lang="en-US" smtClean="0"/>
-              <a:t>12/9/2013</a:t>
+              <a:t>12/10/2013</a:t>
             </a:fld>
             <a:endParaRPr lang="en-US"/>
           </a:p>
@@ -2739,7 +2740,7 @@
           <a:p>
             <a:fld id="{4ECC5B62-F377-4AE5-8F26-CB3E943C5A84}" type="datetimeFigureOut">
               <a:rPr lang="en-US" smtClean="0"/>
-              <a:t>12/9/2013</a:t>
+              <a:t>12/10/2013</a:t>
             </a:fld>
             <a:endParaRPr lang="en-US"/>
           </a:p>
@@ -2992,7 +2993,7 @@
           <a:p>
             <a:fld id="{4ECC5B62-F377-4AE5-8F26-CB3E943C5A84}" type="datetimeFigureOut">
               <a:rPr lang="en-US" smtClean="0"/>
-              <a:t>12/9/2013</a:t>
+              <a:t>12/10/2013</a:t>
             </a:fld>
             <a:endParaRPr lang="en-US"/>
           </a:p>
@@ -3205,7 +3206,7 @@
           <a:p>
             <a:fld id="{4ECC5B62-F377-4AE5-8F26-CB3E943C5A84}" type="datetimeFigureOut">
               <a:rPr lang="en-US" smtClean="0"/>
-              <a:t>12/9/2013</a:t>
+              <a:t>12/10/2013</a:t>
             </a:fld>
             <a:endParaRPr lang="en-US"/>
           </a:p>
@@ -9142,6 +9143,1645 @@
 </p:sld>
 </file>
 
+<file path=ppt/slides/slide9.xml><?xml version="1.0" encoding="utf-8"?>
+<p:sld xmlns:a="http://schemas.openxmlformats.org/drawingml/2006/main" xmlns:r="http://schemas.openxmlformats.org/officeDocument/2006/relationships" xmlns:p="http://schemas.openxmlformats.org/presentationml/2006/main">
+  <p:cSld>
+    <p:spTree>
+      <p:nvGrpSpPr>
+        <p:cNvPr id="1" name=""/>
+        <p:cNvGrpSpPr/>
+        <p:nvPr/>
+      </p:nvGrpSpPr>
+      <p:grpSpPr>
+        <a:xfrm>
+          <a:off x="0" y="0"/>
+          <a:ext cx="0" cy="0"/>
+          <a:chOff x="0" y="0"/>
+          <a:chExt cx="0" cy="0"/>
+        </a:xfrm>
+      </p:grpSpPr>
+      <p:sp>
+        <p:nvSpPr>
+          <p:cNvPr id="43" name="TextBox 3"/>
+          <p:cNvSpPr txBox="1"/>
+          <p:nvPr/>
+        </p:nvSpPr>
+        <p:spPr>
+          <a:xfrm>
+            <a:off x="1069238" y="937528"/>
+            <a:ext cx="444636" cy="461665"/>
+          </a:xfrm>
+          <a:prstGeom prst="rect">
+            <a:avLst/>
+          </a:prstGeom>
+          <a:noFill/>
+        </p:spPr>
+        <p:txBody>
+          <a:bodyPr wrap="square" rtlCol="0">
+            <a:spAutoFit/>
+          </a:bodyPr>
+          <a:lstStyle/>
+          <a:p>
+            <a:r>
+              <a:rPr lang="en-US" sz="2400" dirty="0" smtClean="0"/>
+              <a:t>a.</a:t>
+            </a:r>
+            <a:endParaRPr lang="en-US" sz="2400" dirty="0"/>
+          </a:p>
+        </p:txBody>
+      </p:sp>
+      <p:sp>
+        <p:nvSpPr>
+          <p:cNvPr id="44" name="TextBox 3"/>
+          <p:cNvSpPr txBox="1"/>
+          <p:nvPr/>
+        </p:nvSpPr>
+        <p:spPr>
+          <a:xfrm>
+            <a:off x="1069238" y="3284984"/>
+            <a:ext cx="444636" cy="461665"/>
+          </a:xfrm>
+          <a:prstGeom prst="rect">
+            <a:avLst/>
+          </a:prstGeom>
+          <a:noFill/>
+        </p:spPr>
+        <p:txBody>
+          <a:bodyPr wrap="square" rtlCol="0">
+            <a:spAutoFit/>
+          </a:bodyPr>
+          <a:lstStyle/>
+          <a:p>
+            <a:r>
+              <a:rPr lang="en-US" sz="2400" dirty="0"/>
+              <a:t>b</a:t>
+            </a:r>
+            <a:r>
+              <a:rPr lang="en-US" sz="2400" dirty="0" smtClean="0"/>
+              <a:t>.</a:t>
+            </a:r>
+            <a:endParaRPr lang="en-US" sz="2400" dirty="0"/>
+          </a:p>
+        </p:txBody>
+      </p:sp>
+      <p:sp>
+        <p:nvSpPr>
+          <p:cNvPr id="45" name="44 Rectángulo"/>
+          <p:cNvSpPr/>
+          <p:nvPr/>
+        </p:nvSpPr>
+        <p:spPr>
+          <a:xfrm>
+            <a:off x="1704492" y="3259336"/>
+            <a:ext cx="3430984" cy="1343536"/>
+          </a:xfrm>
+          <a:prstGeom prst="rect">
+            <a:avLst/>
+          </a:prstGeom>
+          <a:solidFill>
+            <a:schemeClr val="accent3">
+              <a:lumMod val="40000"/>
+              <a:lumOff val="60000"/>
+            </a:schemeClr>
+          </a:solidFill>
+          <a:ln>
+            <a:solidFill>
+              <a:schemeClr val="accent3"/>
+            </a:solidFill>
+          </a:ln>
+        </p:spPr>
+        <p:style>
+          <a:lnRef idx="2">
+            <a:schemeClr val="accent1">
+              <a:shade val="50000"/>
+            </a:schemeClr>
+          </a:lnRef>
+          <a:fillRef idx="1">
+            <a:schemeClr val="accent1"/>
+          </a:fillRef>
+          <a:effectRef idx="0">
+            <a:schemeClr val="accent1"/>
+          </a:effectRef>
+          <a:fontRef idx="minor">
+            <a:schemeClr val="lt1"/>
+          </a:fontRef>
+        </p:style>
+        <p:txBody>
+          <a:bodyPr rtlCol="0" anchor="ctr"/>
+          <a:lstStyle/>
+          <a:p>
+            <a:pPr algn="ctr"/>
+            <a:endParaRPr lang="es-MX"/>
+          </a:p>
+        </p:txBody>
+      </p:sp>
+      <p:sp>
+        <p:nvSpPr>
+          <p:cNvPr id="46" name="45 Rectángulo"/>
+          <p:cNvSpPr/>
+          <p:nvPr/>
+        </p:nvSpPr>
+        <p:spPr>
+          <a:xfrm>
+            <a:off x="1801900" y="3726076"/>
+            <a:ext cx="5349800" cy="792088"/>
+          </a:xfrm>
+          <a:prstGeom prst="rect">
+            <a:avLst/>
+          </a:prstGeom>
+          <a:solidFill>
+            <a:schemeClr val="accent2">
+              <a:lumMod val="60000"/>
+              <a:lumOff val="40000"/>
+              <a:alpha val="50000"/>
+            </a:schemeClr>
+          </a:solidFill>
+          <a:ln>
+            <a:solidFill>
+              <a:schemeClr val="accent2"/>
+            </a:solidFill>
+          </a:ln>
+        </p:spPr>
+        <p:style>
+          <a:lnRef idx="2">
+            <a:schemeClr val="accent1">
+              <a:shade val="50000"/>
+            </a:schemeClr>
+          </a:lnRef>
+          <a:fillRef idx="1">
+            <a:schemeClr val="accent1"/>
+          </a:fillRef>
+          <a:effectRef idx="0">
+            <a:schemeClr val="accent1"/>
+          </a:effectRef>
+          <a:fontRef idx="minor">
+            <a:schemeClr val="lt1"/>
+          </a:fontRef>
+        </p:style>
+        <p:txBody>
+          <a:bodyPr rtlCol="0" anchor="ctr"/>
+          <a:lstStyle/>
+          <a:p>
+            <a:pPr algn="ctr"/>
+            <a:endParaRPr lang="es-MX"/>
+          </a:p>
+        </p:txBody>
+      </p:sp>
+      <p:sp>
+        <p:nvSpPr>
+          <p:cNvPr id="47" name="46 Elipse"/>
+          <p:cNvSpPr/>
+          <p:nvPr/>
+        </p:nvSpPr>
+        <p:spPr>
+          <a:xfrm>
+            <a:off x="3335164" y="4870440"/>
+            <a:ext cx="504056" cy="504056"/>
+          </a:xfrm>
+          <a:prstGeom prst="ellipse">
+            <a:avLst/>
+          </a:prstGeom>
+        </p:spPr>
+        <p:style>
+          <a:lnRef idx="2">
+            <a:schemeClr val="accent1">
+              <a:shade val="50000"/>
+            </a:schemeClr>
+          </a:lnRef>
+          <a:fillRef idx="1">
+            <a:schemeClr val="accent1"/>
+          </a:fillRef>
+          <a:effectRef idx="0">
+            <a:schemeClr val="accent1"/>
+          </a:effectRef>
+          <a:fontRef idx="minor">
+            <a:schemeClr val="lt1"/>
+          </a:fontRef>
+        </p:style>
+        <p:txBody>
+          <a:bodyPr lIns="0" tIns="0" rIns="0" bIns="0" rtlCol="0" anchor="ctr"/>
+          <a:lstStyle/>
+          <a:p>
+            <a:pPr algn="ctr"/>
+            <a:r>
+              <a:rPr lang="es-CO" i="1" dirty="0" err="1" smtClean="0"/>
+              <a:t>X</a:t>
+            </a:r>
+            <a:r>
+              <a:rPr lang="es-CO" i="1" baseline="-25000" dirty="0" err="1" smtClean="0"/>
+              <a:t>v</a:t>
+            </a:r>
+            <a:endParaRPr lang="es-MX" i="1" baseline="-25000" dirty="0"/>
+          </a:p>
+        </p:txBody>
+      </p:sp>
+      <p:sp>
+        <p:nvSpPr>
+          <p:cNvPr id="52" name="51 Elipse"/>
+          <p:cNvSpPr/>
+          <p:nvPr/>
+        </p:nvSpPr>
+        <p:spPr>
+          <a:xfrm>
+            <a:off x="1895116" y="3870092"/>
+            <a:ext cx="504056" cy="504056"/>
+          </a:xfrm>
+          <a:prstGeom prst="ellipse">
+            <a:avLst/>
+          </a:prstGeom>
+          <a:solidFill>
+            <a:schemeClr val="accent6"/>
+          </a:solidFill>
+          <a:ln>
+            <a:solidFill>
+              <a:schemeClr val="accent6">
+                <a:lumMod val="50000"/>
+              </a:schemeClr>
+            </a:solidFill>
+          </a:ln>
+        </p:spPr>
+        <p:style>
+          <a:lnRef idx="2">
+            <a:schemeClr val="accent1">
+              <a:shade val="50000"/>
+            </a:schemeClr>
+          </a:lnRef>
+          <a:fillRef idx="1">
+            <a:schemeClr val="accent1"/>
+          </a:fillRef>
+          <a:effectRef idx="0">
+            <a:schemeClr val="accent1"/>
+          </a:effectRef>
+          <a:fontRef idx="minor">
+            <a:schemeClr val="lt1"/>
+          </a:fontRef>
+        </p:style>
+        <p:txBody>
+          <a:bodyPr lIns="0" tIns="0" rIns="0" bIns="0" rtlCol="0" anchor="ctr"/>
+          <a:lstStyle/>
+          <a:p>
+            <a:pPr algn="ctr"/>
+            <a:r>
+              <a:rPr lang="es-CO" i="1" dirty="0" smtClean="0"/>
+              <a:t>X</a:t>
+            </a:r>
+            <a:r>
+              <a:rPr lang="es-CO" baseline="-25000" dirty="0" smtClean="0"/>
+              <a:t>1</a:t>
+            </a:r>
+            <a:endParaRPr lang="es-MX" baseline="-25000" dirty="0"/>
+          </a:p>
+        </p:txBody>
+      </p:sp>
+      <p:sp>
+        <p:nvSpPr>
+          <p:cNvPr id="54" name="53 Elipse"/>
+          <p:cNvSpPr/>
+          <p:nvPr/>
+        </p:nvSpPr>
+        <p:spPr>
+          <a:xfrm>
+            <a:off x="3335276" y="3870092"/>
+            <a:ext cx="504056" cy="504056"/>
+          </a:xfrm>
+          <a:prstGeom prst="ellipse">
+            <a:avLst/>
+          </a:prstGeom>
+          <a:solidFill>
+            <a:schemeClr val="accent6"/>
+          </a:solidFill>
+          <a:ln>
+            <a:solidFill>
+              <a:schemeClr val="accent6">
+                <a:lumMod val="50000"/>
+              </a:schemeClr>
+            </a:solidFill>
+          </a:ln>
+        </p:spPr>
+        <p:style>
+          <a:lnRef idx="2">
+            <a:schemeClr val="accent1">
+              <a:shade val="50000"/>
+            </a:schemeClr>
+          </a:lnRef>
+          <a:fillRef idx="1">
+            <a:schemeClr val="accent1"/>
+          </a:fillRef>
+          <a:effectRef idx="0">
+            <a:schemeClr val="accent1"/>
+          </a:effectRef>
+          <a:fontRef idx="minor">
+            <a:schemeClr val="lt1"/>
+          </a:fontRef>
+        </p:style>
+        <p:txBody>
+          <a:bodyPr lIns="0" tIns="0" rIns="0" bIns="0" rtlCol="0" anchor="ctr"/>
+          <a:lstStyle/>
+          <a:p>
+            <a:pPr algn="ctr"/>
+            <a:r>
+              <a:rPr lang="es-CO" i="1" dirty="0" smtClean="0"/>
+              <a:t>X</a:t>
+            </a:r>
+            <a:r>
+              <a:rPr lang="es-CO" baseline="-25000" dirty="0" smtClean="0"/>
+              <a:t>3</a:t>
+            </a:r>
+            <a:endParaRPr lang="es-MX" baseline="-25000" dirty="0"/>
+          </a:p>
+        </p:txBody>
+      </p:sp>
+      <p:sp>
+        <p:nvSpPr>
+          <p:cNvPr id="55" name="54 Elipse"/>
+          <p:cNvSpPr/>
+          <p:nvPr/>
+        </p:nvSpPr>
+        <p:spPr>
+          <a:xfrm>
+            <a:off x="4415396" y="3870092"/>
+            <a:ext cx="504056" cy="504056"/>
+          </a:xfrm>
+          <a:prstGeom prst="ellipse">
+            <a:avLst/>
+          </a:prstGeom>
+          <a:solidFill>
+            <a:schemeClr val="accent6"/>
+          </a:solidFill>
+          <a:ln>
+            <a:solidFill>
+              <a:schemeClr val="accent6">
+                <a:lumMod val="50000"/>
+              </a:schemeClr>
+            </a:solidFill>
+          </a:ln>
+        </p:spPr>
+        <p:style>
+          <a:lnRef idx="2">
+            <a:schemeClr val="accent1">
+              <a:shade val="50000"/>
+            </a:schemeClr>
+          </a:lnRef>
+          <a:fillRef idx="1">
+            <a:schemeClr val="accent1"/>
+          </a:fillRef>
+          <a:effectRef idx="0">
+            <a:schemeClr val="accent1"/>
+          </a:effectRef>
+          <a:fontRef idx="minor">
+            <a:schemeClr val="lt1"/>
+          </a:fontRef>
+        </p:style>
+        <p:txBody>
+          <a:bodyPr lIns="0" tIns="0" rIns="0" bIns="0" rtlCol="0" anchor="ctr"/>
+          <a:lstStyle/>
+          <a:p>
+            <a:pPr algn="ctr"/>
+            <a:r>
+              <a:rPr lang="es-CO" i="1" dirty="0" smtClean="0"/>
+              <a:t>X</a:t>
+            </a:r>
+            <a:r>
+              <a:rPr lang="es-CO" i="1" baseline="-25000" dirty="0" smtClean="0"/>
+              <a:t>V</a:t>
+            </a:r>
+            <a:endParaRPr lang="es-MX" i="1" baseline="-25000" dirty="0"/>
+          </a:p>
+        </p:txBody>
+      </p:sp>
+      <p:sp>
+        <p:nvSpPr>
+          <p:cNvPr id="56" name="TextBox 11"/>
+          <p:cNvSpPr txBox="1"/>
+          <p:nvPr/>
+        </p:nvSpPr>
+        <p:spPr>
+          <a:xfrm>
+            <a:off x="3920181" y="3844692"/>
+            <a:ext cx="434171" cy="461665"/>
+          </a:xfrm>
+          <a:prstGeom prst="rect">
+            <a:avLst/>
+          </a:prstGeom>
+          <a:noFill/>
+        </p:spPr>
+        <p:txBody>
+          <a:bodyPr vert="horz" wrap="square" rtlCol="0">
+            <a:spAutoFit/>
+          </a:bodyPr>
+          <a:lstStyle/>
+          <a:p>
+            <a:pPr algn="ctr"/>
+            <a:r>
+              <a:rPr lang="en-US" sz="2400" b="1" dirty="0" smtClean="0">
+                <a:effectLst>
+                  <a:glow rad="76200">
+                    <a:schemeClr val="bg1">
+                      <a:alpha val="70000"/>
+                    </a:schemeClr>
+                  </a:glow>
+                </a:effectLst>
+                <a:ea typeface="Verdana" panose="020B0604030504040204" pitchFamily="34" charset="0"/>
+                <a:cs typeface="Verdana" panose="020B0604030504040204" pitchFamily="34" charset="0"/>
+              </a:rPr>
+              <a:t>…</a:t>
+            </a:r>
+            <a:endParaRPr lang="en-US" sz="2400" b="1" dirty="0">
+              <a:effectLst>
+                <a:glow rad="76200">
+                  <a:schemeClr val="bg1">
+                    <a:alpha val="70000"/>
+                  </a:schemeClr>
+                </a:glow>
+              </a:effectLst>
+              <a:ea typeface="Verdana" panose="020B0604030504040204" pitchFamily="34" charset="0"/>
+              <a:cs typeface="Verdana" panose="020B0604030504040204" pitchFamily="34" charset="0"/>
+            </a:endParaRPr>
+          </a:p>
+        </p:txBody>
+      </p:sp>
+      <p:cxnSp>
+        <p:nvCxnSpPr>
+          <p:cNvPr id="57" name="56 Conector recto de flecha"/>
+          <p:cNvCxnSpPr>
+            <a:stCxn id="52" idx="5"/>
+            <a:endCxn id="47" idx="1"/>
+          </p:cNvCxnSpPr>
+          <p:nvPr/>
+        </p:nvCxnSpPr>
+        <p:spPr>
+          <a:xfrm>
+            <a:off x="2325355" y="4300331"/>
+            <a:ext cx="1083626" cy="643926"/>
+          </a:xfrm>
+          <a:prstGeom prst="straightConnector1">
+            <a:avLst/>
+          </a:prstGeom>
+          <a:ln w="38100">
+            <a:solidFill>
+              <a:schemeClr val="accent6">
+                <a:lumMod val="75000"/>
+              </a:schemeClr>
+            </a:solidFill>
+            <a:tailEnd type="arrow"/>
+          </a:ln>
+        </p:spPr>
+        <p:style>
+          <a:lnRef idx="1">
+            <a:schemeClr val="accent1"/>
+          </a:lnRef>
+          <a:fillRef idx="0">
+            <a:schemeClr val="accent1"/>
+          </a:fillRef>
+          <a:effectRef idx="0">
+            <a:schemeClr val="accent1"/>
+          </a:effectRef>
+          <a:fontRef idx="minor">
+            <a:schemeClr val="tx1"/>
+          </a:fontRef>
+        </p:style>
+      </p:cxnSp>
+      <p:cxnSp>
+        <p:nvCxnSpPr>
+          <p:cNvPr id="58" name="57 Conector recto de flecha"/>
+          <p:cNvCxnSpPr>
+            <a:stCxn id="53" idx="1"/>
+            <a:endCxn id="47" idx="1"/>
+          </p:cNvCxnSpPr>
+          <p:nvPr/>
+        </p:nvCxnSpPr>
+        <p:spPr>
+          <a:xfrm>
+            <a:off x="2689013" y="3943909"/>
+            <a:ext cx="719968" cy="1000348"/>
+          </a:xfrm>
+          <a:prstGeom prst="straightConnector1">
+            <a:avLst/>
+          </a:prstGeom>
+          <a:ln w="38100">
+            <a:solidFill>
+              <a:schemeClr val="accent6">
+                <a:lumMod val="75000"/>
+              </a:schemeClr>
+            </a:solidFill>
+            <a:tailEnd type="arrow"/>
+          </a:ln>
+        </p:spPr>
+        <p:style>
+          <a:lnRef idx="1">
+            <a:schemeClr val="accent1"/>
+          </a:lnRef>
+          <a:fillRef idx="0">
+            <a:schemeClr val="accent1"/>
+          </a:fillRef>
+          <a:effectRef idx="0">
+            <a:schemeClr val="accent1"/>
+          </a:effectRef>
+          <a:fontRef idx="minor">
+            <a:schemeClr val="tx1"/>
+          </a:fontRef>
+        </p:style>
+      </p:cxnSp>
+      <p:cxnSp>
+        <p:nvCxnSpPr>
+          <p:cNvPr id="59" name="58 Conector recto de flecha"/>
+          <p:cNvCxnSpPr>
+            <a:stCxn id="54" idx="4"/>
+            <a:endCxn id="47" idx="0"/>
+          </p:cNvCxnSpPr>
+          <p:nvPr/>
+        </p:nvCxnSpPr>
+        <p:spPr>
+          <a:xfrm flipH="1">
+            <a:off x="3587192" y="4374148"/>
+            <a:ext cx="112" cy="496292"/>
+          </a:xfrm>
+          <a:prstGeom prst="straightConnector1">
+            <a:avLst/>
+          </a:prstGeom>
+          <a:ln w="38100">
+            <a:solidFill>
+              <a:schemeClr val="accent6">
+                <a:lumMod val="75000"/>
+              </a:schemeClr>
+            </a:solidFill>
+            <a:tailEnd type="arrow"/>
+          </a:ln>
+        </p:spPr>
+        <p:style>
+          <a:lnRef idx="1">
+            <a:schemeClr val="accent1"/>
+          </a:lnRef>
+          <a:fillRef idx="0">
+            <a:schemeClr val="accent1"/>
+          </a:fillRef>
+          <a:effectRef idx="0">
+            <a:schemeClr val="accent1"/>
+          </a:effectRef>
+          <a:fontRef idx="minor">
+            <a:schemeClr val="tx1"/>
+          </a:fontRef>
+        </p:style>
+      </p:cxnSp>
+      <p:cxnSp>
+        <p:nvCxnSpPr>
+          <p:cNvPr id="60" name="59 Conector recto de flecha"/>
+          <p:cNvCxnSpPr>
+            <a:stCxn id="55" idx="3"/>
+            <a:endCxn id="47" idx="7"/>
+          </p:cNvCxnSpPr>
+          <p:nvPr/>
+        </p:nvCxnSpPr>
+        <p:spPr>
+          <a:xfrm flipH="1">
+            <a:off x="3765403" y="4300331"/>
+            <a:ext cx="723810" cy="643926"/>
+          </a:xfrm>
+          <a:prstGeom prst="straightConnector1">
+            <a:avLst/>
+          </a:prstGeom>
+          <a:ln w="38100">
+            <a:solidFill>
+              <a:schemeClr val="accent6">
+                <a:lumMod val="75000"/>
+              </a:schemeClr>
+            </a:solidFill>
+            <a:tailEnd type="arrow"/>
+          </a:ln>
+        </p:spPr>
+        <p:style>
+          <a:lnRef idx="1">
+            <a:schemeClr val="accent1"/>
+          </a:lnRef>
+          <a:fillRef idx="0">
+            <a:schemeClr val="accent1"/>
+          </a:fillRef>
+          <a:effectRef idx="0">
+            <a:schemeClr val="accent1"/>
+          </a:effectRef>
+          <a:fontRef idx="minor">
+            <a:schemeClr val="tx1"/>
+          </a:fontRef>
+        </p:style>
+      </p:cxnSp>
+      <p:sp>
+        <p:nvSpPr>
+          <p:cNvPr id="61" name="TextBox 3"/>
+          <p:cNvSpPr txBox="1"/>
+          <p:nvPr/>
+        </p:nvSpPr>
+        <p:spPr>
+          <a:xfrm>
+            <a:off x="5207484" y="4051424"/>
+            <a:ext cx="2448272" cy="369332"/>
+          </a:xfrm>
+          <a:prstGeom prst="rect">
+            <a:avLst/>
+          </a:prstGeom>
+          <a:noFill/>
+        </p:spPr>
+        <p:txBody>
+          <a:bodyPr wrap="square" rtlCol="0">
+            <a:spAutoFit/>
+          </a:bodyPr>
+          <a:lstStyle/>
+          <a:p>
+            <a:r>
+              <a:rPr lang="en-US" dirty="0" smtClean="0"/>
+              <a:t>Time = </a:t>
+            </a:r>
+            <a:r>
+              <a:rPr lang="en-US" i="1" dirty="0" smtClean="0"/>
+              <a:t>t</a:t>
+            </a:r>
+            <a:r>
+              <a:rPr lang="en-US" dirty="0" smtClean="0"/>
+              <a:t> - </a:t>
+            </a:r>
+            <a:r>
+              <a:rPr lang="en-US" i="1" dirty="0" smtClean="0"/>
+              <a:t>p</a:t>
+            </a:r>
+            <a:r>
+              <a:rPr lang="en-US" dirty="0" smtClean="0"/>
+              <a:t> … </a:t>
+            </a:r>
+            <a:r>
+              <a:rPr lang="en-US" i="1" dirty="0" smtClean="0"/>
+              <a:t>t</a:t>
+            </a:r>
+            <a:r>
+              <a:rPr lang="en-US" dirty="0" smtClean="0"/>
+              <a:t> - 1</a:t>
+            </a:r>
+            <a:endParaRPr lang="en-US" dirty="0"/>
+          </a:p>
+        </p:txBody>
+      </p:sp>
+      <p:sp>
+        <p:nvSpPr>
+          <p:cNvPr id="62" name="TextBox 3"/>
+          <p:cNvSpPr txBox="1"/>
+          <p:nvPr/>
+        </p:nvSpPr>
+        <p:spPr>
+          <a:xfrm>
+            <a:off x="5207484" y="4771504"/>
+            <a:ext cx="2448272" cy="369332"/>
+          </a:xfrm>
+          <a:prstGeom prst="rect">
+            <a:avLst/>
+          </a:prstGeom>
+          <a:noFill/>
+        </p:spPr>
+        <p:txBody>
+          <a:bodyPr wrap="square" rtlCol="0">
+            <a:spAutoFit/>
+          </a:bodyPr>
+          <a:lstStyle/>
+          <a:p>
+            <a:r>
+              <a:rPr lang="en-US" dirty="0" smtClean="0"/>
+              <a:t>Time = </a:t>
+            </a:r>
+            <a:r>
+              <a:rPr lang="en-US" i="1" dirty="0" smtClean="0"/>
+              <a:t>t</a:t>
+            </a:r>
+            <a:endParaRPr lang="en-US" i="1" dirty="0"/>
+          </a:p>
+        </p:txBody>
+      </p:sp>
+      <p:sp>
+        <p:nvSpPr>
+          <p:cNvPr id="63" name="TextBox 3"/>
+          <p:cNvSpPr txBox="1"/>
+          <p:nvPr/>
+        </p:nvSpPr>
+        <p:spPr>
+          <a:xfrm>
+            <a:off x="5211676" y="5059536"/>
+            <a:ext cx="2448272" cy="369332"/>
+          </a:xfrm>
+          <a:prstGeom prst="rect">
+            <a:avLst/>
+          </a:prstGeom>
+          <a:noFill/>
+        </p:spPr>
+        <p:txBody>
+          <a:bodyPr wrap="square" rtlCol="0">
+            <a:spAutoFit/>
+          </a:bodyPr>
+          <a:lstStyle/>
+          <a:p>
+            <a:r>
+              <a:rPr lang="en-US" dirty="0" smtClean="0"/>
+              <a:t>Cell = </a:t>
+            </a:r>
+            <a:r>
+              <a:rPr lang="en-US" dirty="0" smtClean="0"/>
+              <a:t>(</a:t>
+            </a:r>
+            <a:r>
+              <a:rPr lang="en-US" i="1" dirty="0"/>
+              <a:t>i</a:t>
+            </a:r>
+            <a:r>
+              <a:rPr lang="en-US" dirty="0" smtClean="0"/>
+              <a:t>, </a:t>
+            </a:r>
+            <a:r>
+              <a:rPr lang="en-US" i="1" dirty="0"/>
+              <a:t>j</a:t>
+            </a:r>
+            <a:r>
+              <a:rPr lang="en-US" dirty="0" smtClean="0"/>
+              <a:t>)</a:t>
+            </a:r>
+            <a:endParaRPr lang="en-US" dirty="0"/>
+          </a:p>
+        </p:txBody>
+      </p:sp>
+      <p:sp>
+        <p:nvSpPr>
+          <p:cNvPr id="64" name="TextBox 3"/>
+          <p:cNvSpPr txBox="1"/>
+          <p:nvPr/>
+        </p:nvSpPr>
+        <p:spPr>
+          <a:xfrm>
+            <a:off x="1738400" y="3297436"/>
+            <a:ext cx="3333576" cy="369332"/>
+          </a:xfrm>
+          <a:prstGeom prst="rect">
+            <a:avLst/>
+          </a:prstGeom>
+          <a:noFill/>
+        </p:spPr>
+        <p:txBody>
+          <a:bodyPr wrap="square" rtlCol="0">
+            <a:spAutoFit/>
+          </a:bodyPr>
+          <a:lstStyle/>
+          <a:p>
+            <a:r>
+              <a:rPr lang="en-US" dirty="0" smtClean="0"/>
+              <a:t>Cell = </a:t>
+            </a:r>
+            <a:r>
+              <a:rPr lang="en-US" dirty="0" smtClean="0"/>
+              <a:t>(1 </a:t>
+            </a:r>
+            <a:r>
+              <a:rPr lang="en-US" i="1" dirty="0" smtClean="0"/>
+              <a:t>… </a:t>
+            </a:r>
+            <a:r>
+              <a:rPr lang="en-US" i="1" dirty="0" err="1" smtClean="0"/>
+              <a:t>s</a:t>
+            </a:r>
+            <a:r>
+              <a:rPr lang="en-US" i="1" baseline="-25000" dirty="0" err="1" smtClean="0"/>
+              <a:t>x</a:t>
+            </a:r>
+            <a:r>
+              <a:rPr lang="en-US" i="1" baseline="-25000" dirty="0" smtClean="0"/>
+              <a:t> </a:t>
+            </a:r>
+            <a:r>
+              <a:rPr lang="en-US" i="1" dirty="0" smtClean="0"/>
+              <a:t>, </a:t>
+            </a:r>
+            <a:r>
+              <a:rPr lang="en-US" dirty="0" smtClean="0"/>
+              <a:t>1 </a:t>
+            </a:r>
+            <a:r>
+              <a:rPr lang="en-US" i="1" dirty="0"/>
+              <a:t>… </a:t>
+            </a:r>
+            <a:r>
+              <a:rPr lang="en-US" i="1" dirty="0" err="1" smtClean="0"/>
+              <a:t>s</a:t>
+            </a:r>
+            <a:r>
+              <a:rPr lang="en-US" i="1" baseline="-25000" dirty="0" err="1" smtClean="0"/>
+              <a:t>y</a:t>
+            </a:r>
+            <a:r>
+              <a:rPr lang="en-US" dirty="0" smtClean="0"/>
+              <a:t>)</a:t>
+            </a:r>
+            <a:endParaRPr lang="en-US" dirty="0"/>
+          </a:p>
+        </p:txBody>
+      </p:sp>
+      <p:sp>
+        <p:nvSpPr>
+          <p:cNvPr id="53" name="52 Elipse"/>
+          <p:cNvSpPr/>
+          <p:nvPr/>
+        </p:nvSpPr>
+        <p:spPr>
+          <a:xfrm>
+            <a:off x="2615196" y="3870092"/>
+            <a:ext cx="504056" cy="504056"/>
+          </a:xfrm>
+          <a:prstGeom prst="ellipse">
+            <a:avLst/>
+          </a:prstGeom>
+          <a:solidFill>
+            <a:schemeClr val="accent6"/>
+          </a:solidFill>
+          <a:ln>
+            <a:solidFill>
+              <a:schemeClr val="accent6">
+                <a:lumMod val="50000"/>
+              </a:schemeClr>
+            </a:solidFill>
+          </a:ln>
+        </p:spPr>
+        <p:style>
+          <a:lnRef idx="2">
+            <a:schemeClr val="accent1">
+              <a:shade val="50000"/>
+            </a:schemeClr>
+          </a:lnRef>
+          <a:fillRef idx="1">
+            <a:schemeClr val="accent1"/>
+          </a:fillRef>
+          <a:effectRef idx="0">
+            <a:schemeClr val="accent1"/>
+          </a:effectRef>
+          <a:fontRef idx="minor">
+            <a:schemeClr val="lt1"/>
+          </a:fontRef>
+        </p:style>
+        <p:txBody>
+          <a:bodyPr lIns="0" tIns="0" rIns="0" bIns="0" rtlCol="0" anchor="ctr"/>
+          <a:lstStyle/>
+          <a:p>
+            <a:pPr algn="ctr"/>
+            <a:r>
+              <a:rPr lang="es-CO" i="1" dirty="0" smtClean="0"/>
+              <a:t>X</a:t>
+            </a:r>
+            <a:r>
+              <a:rPr lang="es-CO" baseline="-25000" dirty="0" smtClean="0"/>
+              <a:t>2</a:t>
+            </a:r>
+            <a:endParaRPr lang="es-MX" baseline="-25000" dirty="0"/>
+          </a:p>
+        </p:txBody>
+      </p:sp>
+      <p:sp>
+        <p:nvSpPr>
+          <p:cNvPr id="48" name="47 Rectángulo"/>
+          <p:cNvSpPr/>
+          <p:nvPr/>
+        </p:nvSpPr>
+        <p:spPr>
+          <a:xfrm>
+            <a:off x="1801900" y="1003149"/>
+            <a:ext cx="5349800" cy="792088"/>
+          </a:xfrm>
+          <a:prstGeom prst="rect">
+            <a:avLst/>
+          </a:prstGeom>
+          <a:solidFill>
+            <a:schemeClr val="accent2">
+              <a:lumMod val="60000"/>
+              <a:lumOff val="40000"/>
+              <a:alpha val="50000"/>
+            </a:schemeClr>
+          </a:solidFill>
+          <a:ln>
+            <a:solidFill>
+              <a:schemeClr val="accent2"/>
+            </a:solidFill>
+          </a:ln>
+        </p:spPr>
+        <p:style>
+          <a:lnRef idx="2">
+            <a:schemeClr val="accent1">
+              <a:shade val="50000"/>
+            </a:schemeClr>
+          </a:lnRef>
+          <a:fillRef idx="1">
+            <a:schemeClr val="accent1"/>
+          </a:fillRef>
+          <a:effectRef idx="0">
+            <a:schemeClr val="accent1"/>
+          </a:effectRef>
+          <a:fontRef idx="minor">
+            <a:schemeClr val="lt1"/>
+          </a:fontRef>
+        </p:style>
+        <p:txBody>
+          <a:bodyPr rtlCol="0" anchor="ctr"/>
+          <a:lstStyle/>
+          <a:p>
+            <a:pPr algn="ctr"/>
+            <a:endParaRPr lang="es-MX"/>
+          </a:p>
+        </p:txBody>
+      </p:sp>
+      <p:sp>
+        <p:nvSpPr>
+          <p:cNvPr id="49" name="48 Elipse"/>
+          <p:cNvSpPr/>
+          <p:nvPr/>
+        </p:nvSpPr>
+        <p:spPr>
+          <a:xfrm>
+            <a:off x="3335164" y="2147513"/>
+            <a:ext cx="504056" cy="504056"/>
+          </a:xfrm>
+          <a:prstGeom prst="ellipse">
+            <a:avLst/>
+          </a:prstGeom>
+        </p:spPr>
+        <p:style>
+          <a:lnRef idx="2">
+            <a:schemeClr val="accent1">
+              <a:shade val="50000"/>
+            </a:schemeClr>
+          </a:lnRef>
+          <a:fillRef idx="1">
+            <a:schemeClr val="accent1"/>
+          </a:fillRef>
+          <a:effectRef idx="0">
+            <a:schemeClr val="accent1"/>
+          </a:effectRef>
+          <a:fontRef idx="minor">
+            <a:schemeClr val="lt1"/>
+          </a:fontRef>
+        </p:style>
+        <p:txBody>
+          <a:bodyPr lIns="0" tIns="0" rIns="0" bIns="0" rtlCol="0" anchor="ctr"/>
+          <a:lstStyle/>
+          <a:p>
+            <a:pPr algn="ctr"/>
+            <a:r>
+              <a:rPr lang="es-CO" i="1" dirty="0" err="1" smtClean="0"/>
+              <a:t>X</a:t>
+            </a:r>
+            <a:r>
+              <a:rPr lang="es-CO" i="1" baseline="-25000" dirty="0" err="1" smtClean="0"/>
+              <a:t>v</a:t>
+            </a:r>
+            <a:endParaRPr lang="es-MX" i="1" baseline="-25000" dirty="0"/>
+          </a:p>
+        </p:txBody>
+      </p:sp>
+      <p:sp>
+        <p:nvSpPr>
+          <p:cNvPr id="50" name="49 Elipse"/>
+          <p:cNvSpPr/>
+          <p:nvPr/>
+        </p:nvSpPr>
+        <p:spPr>
+          <a:xfrm>
+            <a:off x="1895116" y="1147165"/>
+            <a:ext cx="504056" cy="504056"/>
+          </a:xfrm>
+          <a:prstGeom prst="ellipse">
+            <a:avLst/>
+          </a:prstGeom>
+          <a:solidFill>
+            <a:schemeClr val="accent6"/>
+          </a:solidFill>
+          <a:ln>
+            <a:solidFill>
+              <a:schemeClr val="accent6">
+                <a:lumMod val="50000"/>
+              </a:schemeClr>
+            </a:solidFill>
+          </a:ln>
+        </p:spPr>
+        <p:style>
+          <a:lnRef idx="2">
+            <a:schemeClr val="accent1">
+              <a:shade val="50000"/>
+            </a:schemeClr>
+          </a:lnRef>
+          <a:fillRef idx="1">
+            <a:schemeClr val="accent1"/>
+          </a:fillRef>
+          <a:effectRef idx="0">
+            <a:schemeClr val="accent1"/>
+          </a:effectRef>
+          <a:fontRef idx="minor">
+            <a:schemeClr val="lt1"/>
+          </a:fontRef>
+        </p:style>
+        <p:txBody>
+          <a:bodyPr lIns="0" tIns="0" rIns="0" bIns="0" rtlCol="0" anchor="ctr"/>
+          <a:lstStyle/>
+          <a:p>
+            <a:pPr algn="ctr"/>
+            <a:r>
+              <a:rPr lang="es-CO" i="1" dirty="0" smtClean="0"/>
+              <a:t>X</a:t>
+            </a:r>
+            <a:r>
+              <a:rPr lang="es-CO" baseline="-25000" dirty="0" smtClean="0"/>
+              <a:t>1</a:t>
+            </a:r>
+            <a:endParaRPr lang="es-MX" baseline="-25000" dirty="0"/>
+          </a:p>
+        </p:txBody>
+      </p:sp>
+      <p:sp>
+        <p:nvSpPr>
+          <p:cNvPr id="51" name="50 Elipse"/>
+          <p:cNvSpPr/>
+          <p:nvPr/>
+        </p:nvSpPr>
+        <p:spPr>
+          <a:xfrm>
+            <a:off x="3335276" y="1147165"/>
+            <a:ext cx="504056" cy="504056"/>
+          </a:xfrm>
+          <a:prstGeom prst="ellipse">
+            <a:avLst/>
+          </a:prstGeom>
+          <a:solidFill>
+            <a:schemeClr val="accent6"/>
+          </a:solidFill>
+          <a:ln>
+            <a:solidFill>
+              <a:schemeClr val="accent6">
+                <a:lumMod val="50000"/>
+              </a:schemeClr>
+            </a:solidFill>
+          </a:ln>
+        </p:spPr>
+        <p:style>
+          <a:lnRef idx="2">
+            <a:schemeClr val="accent1">
+              <a:shade val="50000"/>
+            </a:schemeClr>
+          </a:lnRef>
+          <a:fillRef idx="1">
+            <a:schemeClr val="accent1"/>
+          </a:fillRef>
+          <a:effectRef idx="0">
+            <a:schemeClr val="accent1"/>
+          </a:effectRef>
+          <a:fontRef idx="minor">
+            <a:schemeClr val="lt1"/>
+          </a:fontRef>
+        </p:style>
+        <p:txBody>
+          <a:bodyPr lIns="0" tIns="0" rIns="0" bIns="0" rtlCol="0" anchor="ctr"/>
+          <a:lstStyle/>
+          <a:p>
+            <a:pPr algn="ctr"/>
+            <a:r>
+              <a:rPr lang="es-CO" i="1" dirty="0" smtClean="0"/>
+              <a:t>X</a:t>
+            </a:r>
+            <a:r>
+              <a:rPr lang="es-CO" baseline="-25000" dirty="0" smtClean="0"/>
+              <a:t>3</a:t>
+            </a:r>
+            <a:endParaRPr lang="es-MX" baseline="-25000" dirty="0"/>
+          </a:p>
+        </p:txBody>
+      </p:sp>
+      <p:sp>
+        <p:nvSpPr>
+          <p:cNvPr id="65" name="64 Elipse"/>
+          <p:cNvSpPr/>
+          <p:nvPr/>
+        </p:nvSpPr>
+        <p:spPr>
+          <a:xfrm>
+            <a:off x="4415396" y="1147165"/>
+            <a:ext cx="504056" cy="504056"/>
+          </a:xfrm>
+          <a:prstGeom prst="ellipse">
+            <a:avLst/>
+          </a:prstGeom>
+          <a:solidFill>
+            <a:schemeClr val="accent6"/>
+          </a:solidFill>
+          <a:ln>
+            <a:solidFill>
+              <a:schemeClr val="accent6">
+                <a:lumMod val="50000"/>
+              </a:schemeClr>
+            </a:solidFill>
+          </a:ln>
+        </p:spPr>
+        <p:style>
+          <a:lnRef idx="2">
+            <a:schemeClr val="accent1">
+              <a:shade val="50000"/>
+            </a:schemeClr>
+          </a:lnRef>
+          <a:fillRef idx="1">
+            <a:schemeClr val="accent1"/>
+          </a:fillRef>
+          <a:effectRef idx="0">
+            <a:schemeClr val="accent1"/>
+          </a:effectRef>
+          <a:fontRef idx="minor">
+            <a:schemeClr val="lt1"/>
+          </a:fontRef>
+        </p:style>
+        <p:txBody>
+          <a:bodyPr lIns="0" tIns="0" rIns="0" bIns="0" rtlCol="0" anchor="ctr"/>
+          <a:lstStyle/>
+          <a:p>
+            <a:pPr algn="ctr"/>
+            <a:r>
+              <a:rPr lang="es-CO" i="1" dirty="0" smtClean="0"/>
+              <a:t>X</a:t>
+            </a:r>
+            <a:r>
+              <a:rPr lang="es-CO" i="1" baseline="-25000" dirty="0" smtClean="0"/>
+              <a:t>V</a:t>
+            </a:r>
+            <a:endParaRPr lang="es-MX" i="1" baseline="-25000" dirty="0"/>
+          </a:p>
+        </p:txBody>
+      </p:sp>
+      <p:sp>
+        <p:nvSpPr>
+          <p:cNvPr id="66" name="TextBox 11"/>
+          <p:cNvSpPr txBox="1"/>
+          <p:nvPr/>
+        </p:nvSpPr>
+        <p:spPr>
+          <a:xfrm>
+            <a:off x="3920181" y="1121765"/>
+            <a:ext cx="434171" cy="461665"/>
+          </a:xfrm>
+          <a:prstGeom prst="rect">
+            <a:avLst/>
+          </a:prstGeom>
+          <a:noFill/>
+        </p:spPr>
+        <p:txBody>
+          <a:bodyPr vert="horz" wrap="square" rtlCol="0">
+            <a:spAutoFit/>
+          </a:bodyPr>
+          <a:lstStyle/>
+          <a:p>
+            <a:pPr algn="ctr"/>
+            <a:r>
+              <a:rPr lang="en-US" sz="2400" b="1" dirty="0" smtClean="0">
+                <a:effectLst>
+                  <a:glow rad="76200">
+                    <a:schemeClr val="bg1">
+                      <a:alpha val="70000"/>
+                    </a:schemeClr>
+                  </a:glow>
+                </a:effectLst>
+                <a:ea typeface="Verdana" panose="020B0604030504040204" pitchFamily="34" charset="0"/>
+                <a:cs typeface="Verdana" panose="020B0604030504040204" pitchFamily="34" charset="0"/>
+              </a:rPr>
+              <a:t>…</a:t>
+            </a:r>
+            <a:endParaRPr lang="en-US" sz="2400" b="1" dirty="0">
+              <a:effectLst>
+                <a:glow rad="76200">
+                  <a:schemeClr val="bg1">
+                    <a:alpha val="70000"/>
+                  </a:schemeClr>
+                </a:glow>
+              </a:effectLst>
+              <a:ea typeface="Verdana" panose="020B0604030504040204" pitchFamily="34" charset="0"/>
+              <a:cs typeface="Verdana" panose="020B0604030504040204" pitchFamily="34" charset="0"/>
+            </a:endParaRPr>
+          </a:p>
+        </p:txBody>
+      </p:sp>
+      <p:cxnSp>
+        <p:nvCxnSpPr>
+          <p:cNvPr id="67" name="66 Conector recto de flecha"/>
+          <p:cNvCxnSpPr>
+            <a:stCxn id="50" idx="5"/>
+            <a:endCxn id="49" idx="1"/>
+          </p:cNvCxnSpPr>
+          <p:nvPr/>
+        </p:nvCxnSpPr>
+        <p:spPr>
+          <a:xfrm>
+            <a:off x="2325355" y="1577404"/>
+            <a:ext cx="1083626" cy="643926"/>
+          </a:xfrm>
+          <a:prstGeom prst="straightConnector1">
+            <a:avLst/>
+          </a:prstGeom>
+          <a:ln w="38100">
+            <a:solidFill>
+              <a:schemeClr val="accent6">
+                <a:lumMod val="75000"/>
+              </a:schemeClr>
+            </a:solidFill>
+            <a:tailEnd type="arrow"/>
+          </a:ln>
+        </p:spPr>
+        <p:style>
+          <a:lnRef idx="1">
+            <a:schemeClr val="accent1"/>
+          </a:lnRef>
+          <a:fillRef idx="0">
+            <a:schemeClr val="accent1"/>
+          </a:fillRef>
+          <a:effectRef idx="0">
+            <a:schemeClr val="accent1"/>
+          </a:effectRef>
+          <a:fontRef idx="minor">
+            <a:schemeClr val="tx1"/>
+          </a:fontRef>
+        </p:style>
+      </p:cxnSp>
+      <p:cxnSp>
+        <p:nvCxnSpPr>
+          <p:cNvPr id="68" name="67 Conector recto de flecha"/>
+          <p:cNvCxnSpPr>
+            <a:stCxn id="74" idx="1"/>
+            <a:endCxn id="49" idx="1"/>
+          </p:cNvCxnSpPr>
+          <p:nvPr/>
+        </p:nvCxnSpPr>
+        <p:spPr>
+          <a:xfrm>
+            <a:off x="2689013" y="1220982"/>
+            <a:ext cx="719968" cy="1000348"/>
+          </a:xfrm>
+          <a:prstGeom prst="straightConnector1">
+            <a:avLst/>
+          </a:prstGeom>
+          <a:ln w="38100">
+            <a:solidFill>
+              <a:schemeClr val="accent6">
+                <a:lumMod val="75000"/>
+              </a:schemeClr>
+            </a:solidFill>
+            <a:tailEnd type="arrow"/>
+          </a:ln>
+        </p:spPr>
+        <p:style>
+          <a:lnRef idx="1">
+            <a:schemeClr val="accent1"/>
+          </a:lnRef>
+          <a:fillRef idx="0">
+            <a:schemeClr val="accent1"/>
+          </a:fillRef>
+          <a:effectRef idx="0">
+            <a:schemeClr val="accent1"/>
+          </a:effectRef>
+          <a:fontRef idx="minor">
+            <a:schemeClr val="tx1"/>
+          </a:fontRef>
+        </p:style>
+      </p:cxnSp>
+      <p:cxnSp>
+        <p:nvCxnSpPr>
+          <p:cNvPr id="69" name="68 Conector recto de flecha"/>
+          <p:cNvCxnSpPr>
+            <a:stCxn id="51" idx="4"/>
+            <a:endCxn id="49" idx="0"/>
+          </p:cNvCxnSpPr>
+          <p:nvPr/>
+        </p:nvCxnSpPr>
+        <p:spPr>
+          <a:xfrm flipH="1">
+            <a:off x="3587192" y="1651221"/>
+            <a:ext cx="112" cy="496292"/>
+          </a:xfrm>
+          <a:prstGeom prst="straightConnector1">
+            <a:avLst/>
+          </a:prstGeom>
+          <a:ln w="38100">
+            <a:solidFill>
+              <a:schemeClr val="accent6">
+                <a:lumMod val="75000"/>
+              </a:schemeClr>
+            </a:solidFill>
+            <a:tailEnd type="arrow"/>
+          </a:ln>
+        </p:spPr>
+        <p:style>
+          <a:lnRef idx="1">
+            <a:schemeClr val="accent1"/>
+          </a:lnRef>
+          <a:fillRef idx="0">
+            <a:schemeClr val="accent1"/>
+          </a:fillRef>
+          <a:effectRef idx="0">
+            <a:schemeClr val="accent1"/>
+          </a:effectRef>
+          <a:fontRef idx="minor">
+            <a:schemeClr val="tx1"/>
+          </a:fontRef>
+        </p:style>
+      </p:cxnSp>
+      <p:cxnSp>
+        <p:nvCxnSpPr>
+          <p:cNvPr id="70" name="69 Conector recto de flecha"/>
+          <p:cNvCxnSpPr>
+            <a:stCxn id="65" idx="3"/>
+            <a:endCxn id="49" idx="7"/>
+          </p:cNvCxnSpPr>
+          <p:nvPr/>
+        </p:nvCxnSpPr>
+        <p:spPr>
+          <a:xfrm flipH="1">
+            <a:off x="3765403" y="1577404"/>
+            <a:ext cx="723810" cy="643926"/>
+          </a:xfrm>
+          <a:prstGeom prst="straightConnector1">
+            <a:avLst/>
+          </a:prstGeom>
+          <a:ln w="38100">
+            <a:solidFill>
+              <a:schemeClr val="accent6">
+                <a:lumMod val="75000"/>
+              </a:schemeClr>
+            </a:solidFill>
+            <a:tailEnd type="arrow"/>
+          </a:ln>
+        </p:spPr>
+        <p:style>
+          <a:lnRef idx="1">
+            <a:schemeClr val="accent1"/>
+          </a:lnRef>
+          <a:fillRef idx="0">
+            <a:schemeClr val="accent1"/>
+          </a:fillRef>
+          <a:effectRef idx="0">
+            <a:schemeClr val="accent1"/>
+          </a:effectRef>
+          <a:fontRef idx="minor">
+            <a:schemeClr val="tx1"/>
+          </a:fontRef>
+        </p:style>
+      </p:cxnSp>
+      <p:sp>
+        <p:nvSpPr>
+          <p:cNvPr id="71" name="TextBox 3"/>
+          <p:cNvSpPr txBox="1"/>
+          <p:nvPr/>
+        </p:nvSpPr>
+        <p:spPr>
+          <a:xfrm>
+            <a:off x="5207484" y="1043444"/>
+            <a:ext cx="2448272" cy="369332"/>
+          </a:xfrm>
+          <a:prstGeom prst="rect">
+            <a:avLst/>
+          </a:prstGeom>
+          <a:noFill/>
+        </p:spPr>
+        <p:txBody>
+          <a:bodyPr wrap="square" rtlCol="0">
+            <a:spAutoFit/>
+          </a:bodyPr>
+          <a:lstStyle/>
+          <a:p>
+            <a:r>
+              <a:rPr lang="en-US" dirty="0" smtClean="0"/>
+              <a:t>Time = </a:t>
+            </a:r>
+            <a:r>
+              <a:rPr lang="en-US" i="1" dirty="0" smtClean="0"/>
+              <a:t>t</a:t>
+            </a:r>
+            <a:r>
+              <a:rPr lang="en-US" dirty="0" smtClean="0"/>
+              <a:t> - </a:t>
+            </a:r>
+            <a:r>
+              <a:rPr lang="en-US" i="1" dirty="0" smtClean="0"/>
+              <a:t>p</a:t>
+            </a:r>
+            <a:r>
+              <a:rPr lang="en-US" dirty="0" smtClean="0"/>
+              <a:t> … </a:t>
+            </a:r>
+            <a:r>
+              <a:rPr lang="en-US" i="1" dirty="0" smtClean="0"/>
+              <a:t>t</a:t>
+            </a:r>
+            <a:r>
+              <a:rPr lang="en-US" dirty="0" smtClean="0"/>
+              <a:t> - 1</a:t>
+            </a:r>
+            <a:endParaRPr lang="en-US" dirty="0"/>
+          </a:p>
+        </p:txBody>
+      </p:sp>
+      <p:sp>
+        <p:nvSpPr>
+          <p:cNvPr id="72" name="TextBox 3"/>
+          <p:cNvSpPr txBox="1"/>
+          <p:nvPr/>
+        </p:nvSpPr>
+        <p:spPr>
+          <a:xfrm>
+            <a:off x="5207484" y="2048577"/>
+            <a:ext cx="2448272" cy="369332"/>
+          </a:xfrm>
+          <a:prstGeom prst="rect">
+            <a:avLst/>
+          </a:prstGeom>
+          <a:noFill/>
+        </p:spPr>
+        <p:txBody>
+          <a:bodyPr wrap="square" rtlCol="0">
+            <a:spAutoFit/>
+          </a:bodyPr>
+          <a:lstStyle/>
+          <a:p>
+            <a:r>
+              <a:rPr lang="en-US" dirty="0" smtClean="0"/>
+              <a:t>Time = </a:t>
+            </a:r>
+            <a:r>
+              <a:rPr lang="en-US" i="1" dirty="0" smtClean="0"/>
+              <a:t>t</a:t>
+            </a:r>
+            <a:endParaRPr lang="en-US" i="1" dirty="0"/>
+          </a:p>
+        </p:txBody>
+      </p:sp>
+      <p:sp>
+        <p:nvSpPr>
+          <p:cNvPr id="73" name="TextBox 3"/>
+          <p:cNvSpPr txBox="1"/>
+          <p:nvPr/>
+        </p:nvSpPr>
+        <p:spPr>
+          <a:xfrm>
+            <a:off x="5211676" y="2336609"/>
+            <a:ext cx="2448272" cy="369332"/>
+          </a:xfrm>
+          <a:prstGeom prst="rect">
+            <a:avLst/>
+          </a:prstGeom>
+          <a:noFill/>
+        </p:spPr>
+        <p:txBody>
+          <a:bodyPr wrap="square" rtlCol="0">
+            <a:spAutoFit/>
+          </a:bodyPr>
+          <a:lstStyle/>
+          <a:p>
+            <a:r>
+              <a:rPr lang="en-US" dirty="0" smtClean="0"/>
+              <a:t>Cell = </a:t>
+            </a:r>
+            <a:r>
+              <a:rPr lang="en-US" dirty="0" smtClean="0"/>
+              <a:t>(</a:t>
+            </a:r>
+            <a:r>
+              <a:rPr lang="en-US" i="1" dirty="0"/>
+              <a:t>i</a:t>
+            </a:r>
+            <a:r>
+              <a:rPr lang="en-US" dirty="0" smtClean="0"/>
+              <a:t>, </a:t>
+            </a:r>
+            <a:r>
+              <a:rPr lang="en-US" i="1" dirty="0"/>
+              <a:t>j</a:t>
+            </a:r>
+            <a:r>
+              <a:rPr lang="en-US" dirty="0" smtClean="0"/>
+              <a:t>)</a:t>
+            </a:r>
+            <a:endParaRPr lang="en-US" dirty="0"/>
+          </a:p>
+        </p:txBody>
+      </p:sp>
+      <p:sp>
+        <p:nvSpPr>
+          <p:cNvPr id="74" name="73 Elipse"/>
+          <p:cNvSpPr/>
+          <p:nvPr/>
+        </p:nvSpPr>
+        <p:spPr>
+          <a:xfrm>
+            <a:off x="2615196" y="1147165"/>
+            <a:ext cx="504056" cy="504056"/>
+          </a:xfrm>
+          <a:prstGeom prst="ellipse">
+            <a:avLst/>
+          </a:prstGeom>
+          <a:solidFill>
+            <a:schemeClr val="accent6"/>
+          </a:solidFill>
+          <a:ln>
+            <a:solidFill>
+              <a:schemeClr val="accent6">
+                <a:lumMod val="50000"/>
+              </a:schemeClr>
+            </a:solidFill>
+          </a:ln>
+        </p:spPr>
+        <p:style>
+          <a:lnRef idx="2">
+            <a:schemeClr val="accent1">
+              <a:shade val="50000"/>
+            </a:schemeClr>
+          </a:lnRef>
+          <a:fillRef idx="1">
+            <a:schemeClr val="accent1"/>
+          </a:fillRef>
+          <a:effectRef idx="0">
+            <a:schemeClr val="accent1"/>
+          </a:effectRef>
+          <a:fontRef idx="minor">
+            <a:schemeClr val="lt1"/>
+          </a:fontRef>
+        </p:style>
+        <p:txBody>
+          <a:bodyPr lIns="0" tIns="0" rIns="0" bIns="0" rtlCol="0" anchor="ctr"/>
+          <a:lstStyle/>
+          <a:p>
+            <a:pPr algn="ctr"/>
+            <a:r>
+              <a:rPr lang="es-CO" i="1" dirty="0" smtClean="0"/>
+              <a:t>X</a:t>
+            </a:r>
+            <a:r>
+              <a:rPr lang="es-CO" baseline="-25000" dirty="0" smtClean="0"/>
+              <a:t>2</a:t>
+            </a:r>
+            <a:endParaRPr lang="es-MX" baseline="-25000" dirty="0"/>
+          </a:p>
+        </p:txBody>
+      </p:sp>
+      <p:sp>
+        <p:nvSpPr>
+          <p:cNvPr id="75" name="TextBox 3"/>
+          <p:cNvSpPr txBox="1"/>
+          <p:nvPr/>
+        </p:nvSpPr>
+        <p:spPr>
+          <a:xfrm>
+            <a:off x="5211676" y="1412776"/>
+            <a:ext cx="2448272" cy="369332"/>
+          </a:xfrm>
+          <a:prstGeom prst="rect">
+            <a:avLst/>
+          </a:prstGeom>
+          <a:noFill/>
+        </p:spPr>
+        <p:txBody>
+          <a:bodyPr wrap="square" rtlCol="0">
+            <a:spAutoFit/>
+          </a:bodyPr>
+          <a:lstStyle/>
+          <a:p>
+            <a:r>
+              <a:rPr lang="en-US" dirty="0" smtClean="0"/>
+              <a:t>Cell = </a:t>
+            </a:r>
+            <a:r>
+              <a:rPr lang="en-US" dirty="0" smtClean="0"/>
+              <a:t>(</a:t>
+            </a:r>
+            <a:r>
+              <a:rPr lang="en-US" i="1" dirty="0"/>
+              <a:t>i</a:t>
+            </a:r>
+            <a:r>
+              <a:rPr lang="en-US" dirty="0" smtClean="0"/>
+              <a:t>, </a:t>
+            </a:r>
+            <a:r>
+              <a:rPr lang="en-US" i="1" dirty="0"/>
+              <a:t>j</a:t>
+            </a:r>
+            <a:r>
+              <a:rPr lang="en-US" dirty="0" smtClean="0"/>
+              <a:t>)</a:t>
+            </a:r>
+            <a:endParaRPr lang="en-US" dirty="0"/>
+          </a:p>
+        </p:txBody>
+      </p:sp>
+    </p:spTree>
+    <p:extLst>
+      <p:ext uri="{BB962C8B-B14F-4D97-AF65-F5344CB8AC3E}">
+        <p14:creationId xmlns:p14="http://schemas.microsoft.com/office/powerpoint/2010/main" val="4762425"/>
+      </p:ext>
+    </p:extLst>
+  </p:cSld>
+  <p:clrMapOvr>
+    <a:masterClrMapping/>
+  </p:clrMapOvr>
+</p:sld>
+</file>
+
 <file path=ppt/theme/theme1.xml><?xml version="1.0" encoding="utf-8"?>
 <a:theme xmlns:a="http://schemas.openxmlformats.org/drawingml/2006/main" name="Office Theme">
   <a:themeElements>
